--- a/数据结构与算法/线性表/数据结构可视化辅助理解，便于代码开发.pptx
+++ b/数据结构与算法/线性表/数据结构可视化辅助理解，便于代码开发.pptx
@@ -273,7 +273,7 @@
           <a:p>
             <a:fld id="{00F45E2C-A052-4CA8-89FD-DA47DCEA70CB}" type="datetimeFigureOut">
               <a:rPr lang="zh-CN" altLang="en-US" smtClean="0"/>
-              <a:t>2019/6/4</a:t>
+              <a:t>2019/6/8</a:t>
             </a:fld>
             <a:endParaRPr lang="zh-CN" altLang="en-US"/>
           </a:p>
@@ -471,7 +471,7 @@
           <a:p>
             <a:fld id="{00F45E2C-A052-4CA8-89FD-DA47DCEA70CB}" type="datetimeFigureOut">
               <a:rPr lang="zh-CN" altLang="en-US" smtClean="0"/>
-              <a:t>2019/6/4</a:t>
+              <a:t>2019/6/8</a:t>
             </a:fld>
             <a:endParaRPr lang="zh-CN" altLang="en-US"/>
           </a:p>
@@ -679,7 +679,7 @@
           <a:p>
             <a:fld id="{00F45E2C-A052-4CA8-89FD-DA47DCEA70CB}" type="datetimeFigureOut">
               <a:rPr lang="zh-CN" altLang="en-US" smtClean="0"/>
-              <a:t>2019/6/4</a:t>
+              <a:t>2019/6/8</a:t>
             </a:fld>
             <a:endParaRPr lang="zh-CN" altLang="en-US"/>
           </a:p>
@@ -849,7 +849,7 @@
             <a:fld id="{00F45E2C-A052-4CA8-89FD-DA47DCEA70CB}" type="datetimeFigureOut">
               <a:rPr lang="zh-CN" altLang="en-US" smtClean="0"/>
               <a:pPr/>
-              <a:t>2019/6/4</a:t>
+              <a:t>2019/6/8</a:t>
             </a:fld>
             <a:endParaRPr lang="zh-CN" altLang="en-US"/>
           </a:p>
@@ -1277,7 +1277,7 @@
           <a:p>
             <a:fld id="{00F45E2C-A052-4CA8-89FD-DA47DCEA70CB}" type="datetimeFigureOut">
               <a:rPr lang="zh-CN" altLang="en-US" smtClean="0"/>
-              <a:t>2019/6/4</a:t>
+              <a:t>2019/6/8</a:t>
             </a:fld>
             <a:endParaRPr lang="zh-CN" altLang="en-US"/>
           </a:p>
@@ -1542,7 +1542,7 @@
           <a:p>
             <a:fld id="{00F45E2C-A052-4CA8-89FD-DA47DCEA70CB}" type="datetimeFigureOut">
               <a:rPr lang="zh-CN" altLang="en-US" smtClean="0"/>
-              <a:t>2019/6/4</a:t>
+              <a:t>2019/6/8</a:t>
             </a:fld>
             <a:endParaRPr lang="zh-CN" altLang="en-US"/>
           </a:p>
@@ -1954,7 +1954,7 @@
           <a:p>
             <a:fld id="{00F45E2C-A052-4CA8-89FD-DA47DCEA70CB}" type="datetimeFigureOut">
               <a:rPr lang="zh-CN" altLang="en-US" smtClean="0"/>
-              <a:t>2019/6/4</a:t>
+              <a:t>2019/6/8</a:t>
             </a:fld>
             <a:endParaRPr lang="zh-CN" altLang="en-US"/>
           </a:p>
@@ -2095,7 +2095,7 @@
           <a:p>
             <a:fld id="{00F45E2C-A052-4CA8-89FD-DA47DCEA70CB}" type="datetimeFigureOut">
               <a:rPr lang="zh-CN" altLang="en-US" smtClean="0"/>
-              <a:t>2019/6/4</a:t>
+              <a:t>2019/6/8</a:t>
             </a:fld>
             <a:endParaRPr lang="zh-CN" altLang="en-US"/>
           </a:p>
@@ -2208,7 +2208,7 @@
           <a:p>
             <a:fld id="{00F45E2C-A052-4CA8-89FD-DA47DCEA70CB}" type="datetimeFigureOut">
               <a:rPr lang="zh-CN" altLang="en-US" smtClean="0"/>
-              <a:t>2019/6/4</a:t>
+              <a:t>2019/6/8</a:t>
             </a:fld>
             <a:endParaRPr lang="zh-CN" altLang="en-US"/>
           </a:p>
@@ -2519,7 +2519,7 @@
           <a:p>
             <a:fld id="{00F45E2C-A052-4CA8-89FD-DA47DCEA70CB}" type="datetimeFigureOut">
               <a:rPr lang="zh-CN" altLang="en-US" smtClean="0"/>
-              <a:t>2019/6/4</a:t>
+              <a:t>2019/6/8</a:t>
             </a:fld>
             <a:endParaRPr lang="zh-CN" altLang="en-US"/>
           </a:p>
@@ -2807,7 +2807,7 @@
           <a:p>
             <a:fld id="{00F45E2C-A052-4CA8-89FD-DA47DCEA70CB}" type="datetimeFigureOut">
               <a:rPr lang="zh-CN" altLang="en-US" smtClean="0"/>
-              <a:t>2019/6/4</a:t>
+              <a:t>2019/6/8</a:t>
             </a:fld>
             <a:endParaRPr lang="zh-CN" altLang="en-US"/>
           </a:p>
@@ -3048,7 +3048,7 @@
           <a:p>
             <a:fld id="{00F45E2C-A052-4CA8-89FD-DA47DCEA70CB}" type="datetimeFigureOut">
               <a:rPr lang="zh-CN" altLang="en-US" smtClean="0"/>
-              <a:t>2019/6/4</a:t>
+              <a:t>2019/6/8</a:t>
             </a:fld>
             <a:endParaRPr lang="zh-CN" altLang="en-US"/>
           </a:p>
@@ -13761,6 +13761,52 @@
           </p:txBody>
         </p:sp>
       </p:grpSp>
+      <p:sp>
+        <p:nvSpPr>
+          <p:cNvPr id="35" name="箭头: 虚尾 34">
+            <a:extLst>
+              <a:ext uri="{FF2B5EF4-FFF2-40B4-BE49-F238E27FC236}">
+                <a16:creationId xmlns:a16="http://schemas.microsoft.com/office/drawing/2014/main" id="{426C78FC-E6B3-47B5-99F6-2C74993470AE}"/>
+              </a:ext>
+            </a:extLst>
+          </p:cNvPr>
+          <p:cNvSpPr/>
+          <p:nvPr/>
+        </p:nvSpPr>
+        <p:spPr>
+          <a:xfrm rot="16200000">
+            <a:off x="1599460" y="2755289"/>
+            <a:ext cx="1297619" cy="675094"/>
+          </a:xfrm>
+          <a:prstGeom prst="stripedRightArrow">
+            <a:avLst/>
+          </a:prstGeom>
+        </p:spPr>
+        <p:style>
+          <a:lnRef idx="2">
+            <a:schemeClr val="accent1">
+              <a:shade val="50000"/>
+            </a:schemeClr>
+          </a:lnRef>
+          <a:fillRef idx="1">
+            <a:schemeClr val="accent1"/>
+          </a:fillRef>
+          <a:effectRef idx="0">
+            <a:schemeClr val="accent1"/>
+          </a:effectRef>
+          <a:fontRef idx="minor">
+            <a:schemeClr val="lt1"/>
+          </a:fontRef>
+        </p:style>
+        <p:txBody>
+          <a:bodyPr rtlCol="0" anchor="ctr"/>
+          <a:lstStyle/>
+          <a:p>
+            <a:pPr algn="ctr"/>
+            <a:endParaRPr lang="zh-CN" altLang="en-US"/>
+          </a:p>
+        </p:txBody>
+      </p:sp>
     </p:spTree>
     <p:extLst>
       <p:ext uri="{BB962C8B-B14F-4D97-AF65-F5344CB8AC3E}">

--- a/数据结构与算法/线性表/数据结构可视化辅助理解，便于代码开发.pptx
+++ b/数据结构与算法/线性表/数据结构可视化辅助理解，便于代码开发.pptx
@@ -20,6 +20,7 @@
     <p:sldId id="270" r:id="rId14"/>
     <p:sldId id="269" r:id="rId15"/>
     <p:sldId id="271" r:id="rId16"/>
+    <p:sldId id="272" r:id="rId17"/>
   </p:sldIdLst>
   <p:sldSz cx="12192000" cy="6858000"/>
   <p:notesSz cx="6858000" cy="9144000"/>
@@ -119,6 +120,33 @@
     </a:lvl9pPr>
   </p:defaultTextStyle>
   <p:extLst>
+    <p:ext uri="{521415D9-36F7-43E2-AB2F-B90AF26B5E84}">
+      <p14:sectionLst xmlns:p14="http://schemas.microsoft.com/office/powerpoint/2010/main">
+        <p14:section name="默认节" id="{BC10BC7C-E7CA-4D89-B014-561516B5FC02}">
+          <p14:sldIdLst>
+            <p14:sldId id="257"/>
+            <p14:sldId id="258"/>
+            <p14:sldId id="256"/>
+            <p14:sldId id="259"/>
+            <p14:sldId id="260"/>
+            <p14:sldId id="261"/>
+            <p14:sldId id="262"/>
+            <p14:sldId id="263"/>
+            <p14:sldId id="264"/>
+            <p14:sldId id="265"/>
+            <p14:sldId id="266"/>
+            <p14:sldId id="268"/>
+            <p14:sldId id="270"/>
+            <p14:sldId id="269"/>
+            <p14:sldId id="271"/>
+            <p14:sldId id="272"/>
+          </p14:sldIdLst>
+        </p14:section>
+        <p14:section name="无标题节" id="{4F41BE3C-37D2-401E-B7F8-691A29884C2F}">
+          <p14:sldIdLst/>
+        </p14:section>
+      </p14:sectionLst>
+    </p:ext>
     <p:ext uri="{EFAFB233-063F-42B5-8137-9DF3F51BA10A}">
       <p15:sldGuideLst xmlns:p15="http://schemas.microsoft.com/office/powerpoint/2012/main"/>
     </p:ext>
@@ -273,7 +301,7 @@
           <a:p>
             <a:fld id="{00F45E2C-A052-4CA8-89FD-DA47DCEA70CB}" type="datetimeFigureOut">
               <a:rPr lang="zh-CN" altLang="en-US" smtClean="0"/>
-              <a:t>2019/6/8</a:t>
+              <a:t>2019/6/28</a:t>
             </a:fld>
             <a:endParaRPr lang="zh-CN" altLang="en-US"/>
           </a:p>
@@ -471,7 +499,7 @@
           <a:p>
             <a:fld id="{00F45E2C-A052-4CA8-89FD-DA47DCEA70CB}" type="datetimeFigureOut">
               <a:rPr lang="zh-CN" altLang="en-US" smtClean="0"/>
-              <a:t>2019/6/8</a:t>
+              <a:t>2019/6/28</a:t>
             </a:fld>
             <a:endParaRPr lang="zh-CN" altLang="en-US"/>
           </a:p>
@@ -679,7 +707,7 @@
           <a:p>
             <a:fld id="{00F45E2C-A052-4CA8-89FD-DA47DCEA70CB}" type="datetimeFigureOut">
               <a:rPr lang="zh-CN" altLang="en-US" smtClean="0"/>
-              <a:t>2019/6/8</a:t>
+              <a:t>2019/6/28</a:t>
             </a:fld>
             <a:endParaRPr lang="zh-CN" altLang="en-US"/>
           </a:p>
@@ -849,7 +877,7 @@
             <a:fld id="{00F45E2C-A052-4CA8-89FD-DA47DCEA70CB}" type="datetimeFigureOut">
               <a:rPr lang="zh-CN" altLang="en-US" smtClean="0"/>
               <a:pPr/>
-              <a:t>2019/6/8</a:t>
+              <a:t>2019/6/28</a:t>
             </a:fld>
             <a:endParaRPr lang="zh-CN" altLang="en-US"/>
           </a:p>
@@ -1277,7 +1305,7 @@
           <a:p>
             <a:fld id="{00F45E2C-A052-4CA8-89FD-DA47DCEA70CB}" type="datetimeFigureOut">
               <a:rPr lang="zh-CN" altLang="en-US" smtClean="0"/>
-              <a:t>2019/6/8</a:t>
+              <a:t>2019/6/28</a:t>
             </a:fld>
             <a:endParaRPr lang="zh-CN" altLang="en-US"/>
           </a:p>
@@ -1542,7 +1570,7 @@
           <a:p>
             <a:fld id="{00F45E2C-A052-4CA8-89FD-DA47DCEA70CB}" type="datetimeFigureOut">
               <a:rPr lang="zh-CN" altLang="en-US" smtClean="0"/>
-              <a:t>2019/6/8</a:t>
+              <a:t>2019/6/28</a:t>
             </a:fld>
             <a:endParaRPr lang="zh-CN" altLang="en-US"/>
           </a:p>
@@ -1954,7 +1982,7 @@
           <a:p>
             <a:fld id="{00F45E2C-A052-4CA8-89FD-DA47DCEA70CB}" type="datetimeFigureOut">
               <a:rPr lang="zh-CN" altLang="en-US" smtClean="0"/>
-              <a:t>2019/6/8</a:t>
+              <a:t>2019/6/28</a:t>
             </a:fld>
             <a:endParaRPr lang="zh-CN" altLang="en-US"/>
           </a:p>
@@ -2095,7 +2123,7 @@
           <a:p>
             <a:fld id="{00F45E2C-A052-4CA8-89FD-DA47DCEA70CB}" type="datetimeFigureOut">
               <a:rPr lang="zh-CN" altLang="en-US" smtClean="0"/>
-              <a:t>2019/6/8</a:t>
+              <a:t>2019/6/28</a:t>
             </a:fld>
             <a:endParaRPr lang="zh-CN" altLang="en-US"/>
           </a:p>
@@ -2208,7 +2236,7 @@
           <a:p>
             <a:fld id="{00F45E2C-A052-4CA8-89FD-DA47DCEA70CB}" type="datetimeFigureOut">
               <a:rPr lang="zh-CN" altLang="en-US" smtClean="0"/>
-              <a:t>2019/6/8</a:t>
+              <a:t>2019/6/28</a:t>
             </a:fld>
             <a:endParaRPr lang="zh-CN" altLang="en-US"/>
           </a:p>
@@ -2519,7 +2547,7 @@
           <a:p>
             <a:fld id="{00F45E2C-A052-4CA8-89FD-DA47DCEA70CB}" type="datetimeFigureOut">
               <a:rPr lang="zh-CN" altLang="en-US" smtClean="0"/>
-              <a:t>2019/6/8</a:t>
+              <a:t>2019/6/28</a:t>
             </a:fld>
             <a:endParaRPr lang="zh-CN" altLang="en-US"/>
           </a:p>
@@ -2807,7 +2835,7 @@
           <a:p>
             <a:fld id="{00F45E2C-A052-4CA8-89FD-DA47DCEA70CB}" type="datetimeFigureOut">
               <a:rPr lang="zh-CN" altLang="en-US" smtClean="0"/>
-              <a:t>2019/6/8</a:t>
+              <a:t>2019/6/28</a:t>
             </a:fld>
             <a:endParaRPr lang="zh-CN" altLang="en-US"/>
           </a:p>
@@ -3048,7 +3076,7 @@
           <a:p>
             <a:fld id="{00F45E2C-A052-4CA8-89FD-DA47DCEA70CB}" type="datetimeFigureOut">
               <a:rPr lang="zh-CN" altLang="en-US" smtClean="0"/>
-              <a:t>2019/6/8</a:t>
+              <a:t>2019/6/28</a:t>
             </a:fld>
             <a:endParaRPr lang="zh-CN" altLang="en-US"/>
           </a:p>
@@ -13820,6 +13848,557 @@
 </p:sld>
 </file>
 
+<file path=ppt/slides/slide16.xml><?xml version="1.0" encoding="utf-8"?>
+<p:sld xmlns:a="http://schemas.openxmlformats.org/drawingml/2006/main" xmlns:r="http://schemas.openxmlformats.org/officeDocument/2006/relationships" xmlns:p="http://schemas.openxmlformats.org/presentationml/2006/main">
+  <p:cSld>
+    <p:spTree>
+      <p:nvGrpSpPr>
+        <p:cNvPr id="1" name=""/>
+        <p:cNvGrpSpPr/>
+        <p:nvPr/>
+      </p:nvGrpSpPr>
+      <p:grpSpPr>
+        <a:xfrm>
+          <a:off x="0" y="0"/>
+          <a:ext cx="0" cy="0"/>
+          <a:chOff x="0" y="0"/>
+          <a:chExt cx="0" cy="0"/>
+        </a:xfrm>
+      </p:grpSpPr>
+      <p:sp>
+        <p:nvSpPr>
+          <p:cNvPr id="2" name="标题 1">
+            <a:extLst>
+              <a:ext uri="{FF2B5EF4-FFF2-40B4-BE49-F238E27FC236}">
+                <a16:creationId xmlns:a16="http://schemas.microsoft.com/office/drawing/2014/main" id="{0136C124-08E9-4D10-B7FB-0271BC54DA64}"/>
+              </a:ext>
+            </a:extLst>
+          </p:cNvPr>
+          <p:cNvSpPr>
+            <a:spLocks noGrp="1"/>
+          </p:cNvSpPr>
+          <p:nvPr>
+            <p:ph type="title"/>
+          </p:nvPr>
+        </p:nvSpPr>
+        <p:spPr/>
+        <p:txBody>
+          <a:bodyPr/>
+          <a:lstStyle/>
+          <a:p>
+            <a:endParaRPr lang="zh-CN" altLang="en-US"/>
+          </a:p>
+        </p:txBody>
+      </p:sp>
+      <p:sp>
+        <p:nvSpPr>
+          <p:cNvPr id="4" name="矩形 3">
+            <a:extLst>
+              <a:ext uri="{FF2B5EF4-FFF2-40B4-BE49-F238E27FC236}">
+                <a16:creationId xmlns:a16="http://schemas.microsoft.com/office/drawing/2014/main" id="{29967B77-CB4E-4486-9BE3-6D48CC33CDB0}"/>
+              </a:ext>
+            </a:extLst>
+          </p:cNvPr>
+          <p:cNvSpPr/>
+          <p:nvPr/>
+        </p:nvSpPr>
+        <p:spPr>
+          <a:xfrm>
+            <a:off x="2044213" y="1551002"/>
+            <a:ext cx="568171" cy="470018"/>
+          </a:xfrm>
+          <a:prstGeom prst="rect">
+            <a:avLst/>
+          </a:prstGeom>
+        </p:spPr>
+        <p:style>
+          <a:lnRef idx="2">
+            <a:schemeClr val="accent3">
+              <a:shade val="50000"/>
+            </a:schemeClr>
+          </a:lnRef>
+          <a:fillRef idx="1">
+            <a:schemeClr val="accent3"/>
+          </a:fillRef>
+          <a:effectRef idx="0">
+            <a:schemeClr val="accent3"/>
+          </a:effectRef>
+          <a:fontRef idx="minor">
+            <a:schemeClr val="lt1"/>
+          </a:fontRef>
+        </p:style>
+        <p:txBody>
+          <a:bodyPr rtlCol="0" anchor="ctr"/>
+          <a:lstStyle/>
+          <a:p>
+            <a:pPr algn="ctr"/>
+            <a:r>
+              <a:rPr lang="en-US" altLang="zh-CN">
+                <a:solidFill>
+                  <a:schemeClr val="tx1"/>
+                </a:solidFill>
+                <a:latin typeface="Times New Roman" panose="02020603050405020304" pitchFamily="18" charset="0"/>
+                <a:cs typeface="Times New Roman" panose="02020603050405020304" pitchFamily="18" charset="0"/>
+              </a:rPr>
+              <a:t>10</a:t>
+            </a:r>
+            <a:endParaRPr lang="zh-CN" altLang="en-US">
+              <a:solidFill>
+                <a:schemeClr val="tx1"/>
+              </a:solidFill>
+              <a:latin typeface="Times New Roman" panose="02020603050405020304" pitchFamily="18" charset="0"/>
+              <a:cs typeface="Times New Roman" panose="02020603050405020304" pitchFamily="18" charset="0"/>
+            </a:endParaRPr>
+          </a:p>
+        </p:txBody>
+      </p:sp>
+      <p:sp>
+        <p:nvSpPr>
+          <p:cNvPr id="5" name="矩形 4">
+            <a:extLst>
+              <a:ext uri="{FF2B5EF4-FFF2-40B4-BE49-F238E27FC236}">
+                <a16:creationId xmlns:a16="http://schemas.microsoft.com/office/drawing/2014/main" id="{9B532BDF-C8C6-4E9F-9C52-A1AE93FEC853}"/>
+              </a:ext>
+            </a:extLst>
+          </p:cNvPr>
+          <p:cNvSpPr/>
+          <p:nvPr/>
+        </p:nvSpPr>
+        <p:spPr>
+          <a:xfrm>
+            <a:off x="2980202" y="1515935"/>
+            <a:ext cx="568171" cy="540152"/>
+          </a:xfrm>
+          <a:prstGeom prst="rect">
+            <a:avLst/>
+          </a:prstGeom>
+        </p:spPr>
+        <p:style>
+          <a:lnRef idx="2">
+            <a:schemeClr val="accent3">
+              <a:shade val="50000"/>
+            </a:schemeClr>
+          </a:lnRef>
+          <a:fillRef idx="1">
+            <a:schemeClr val="accent3"/>
+          </a:fillRef>
+          <a:effectRef idx="0">
+            <a:schemeClr val="accent3"/>
+          </a:effectRef>
+          <a:fontRef idx="minor">
+            <a:schemeClr val="lt1"/>
+          </a:fontRef>
+        </p:style>
+        <p:txBody>
+          <a:bodyPr rtlCol="0" anchor="ctr"/>
+          <a:lstStyle/>
+          <a:p>
+            <a:pPr algn="ctr"/>
+            <a:r>
+              <a:rPr lang="en-US" altLang="zh-CN">
+                <a:solidFill>
+                  <a:schemeClr val="tx1"/>
+                </a:solidFill>
+                <a:latin typeface="Times New Roman" panose="02020603050405020304" pitchFamily="18" charset="0"/>
+                <a:cs typeface="Times New Roman" panose="02020603050405020304" pitchFamily="18" charset="0"/>
+              </a:rPr>
+              <a:t>20</a:t>
+            </a:r>
+            <a:endParaRPr lang="zh-CN" altLang="en-US">
+              <a:solidFill>
+                <a:schemeClr val="tx1"/>
+              </a:solidFill>
+              <a:latin typeface="Times New Roman" panose="02020603050405020304" pitchFamily="18" charset="0"/>
+              <a:cs typeface="Times New Roman" panose="02020603050405020304" pitchFamily="18" charset="0"/>
+            </a:endParaRPr>
+          </a:p>
+        </p:txBody>
+      </p:sp>
+      <p:sp>
+        <p:nvSpPr>
+          <p:cNvPr id="6" name="矩形 5">
+            <a:extLst>
+              <a:ext uri="{FF2B5EF4-FFF2-40B4-BE49-F238E27FC236}">
+                <a16:creationId xmlns:a16="http://schemas.microsoft.com/office/drawing/2014/main" id="{7C934C68-0FD9-42FC-B1AF-31F736F322E8}"/>
+              </a:ext>
+            </a:extLst>
+          </p:cNvPr>
+          <p:cNvSpPr/>
+          <p:nvPr/>
+        </p:nvSpPr>
+        <p:spPr>
+          <a:xfrm>
+            <a:off x="1108224" y="1501926"/>
+            <a:ext cx="568171" cy="568171"/>
+          </a:xfrm>
+          <a:prstGeom prst="rect">
+            <a:avLst/>
+          </a:prstGeom>
+        </p:spPr>
+        <p:style>
+          <a:lnRef idx="2">
+            <a:schemeClr val="accent3">
+              <a:shade val="50000"/>
+            </a:schemeClr>
+          </a:lnRef>
+          <a:fillRef idx="1">
+            <a:schemeClr val="accent3"/>
+          </a:fillRef>
+          <a:effectRef idx="0">
+            <a:schemeClr val="accent3"/>
+          </a:effectRef>
+          <a:fontRef idx="minor">
+            <a:schemeClr val="lt1"/>
+          </a:fontRef>
+        </p:style>
+        <p:txBody>
+          <a:bodyPr rtlCol="0" anchor="ctr"/>
+          <a:lstStyle/>
+          <a:p>
+            <a:pPr algn="ctr"/>
+            <a:r>
+              <a:rPr lang="en-US" altLang="zh-CN">
+                <a:solidFill>
+                  <a:schemeClr val="tx1"/>
+                </a:solidFill>
+                <a:latin typeface="Times New Roman" panose="02020603050405020304" pitchFamily="18" charset="0"/>
+                <a:cs typeface="Times New Roman" panose="02020603050405020304" pitchFamily="18" charset="0"/>
+              </a:rPr>
+              <a:t>-30</a:t>
+            </a:r>
+            <a:endParaRPr lang="zh-CN" altLang="en-US">
+              <a:solidFill>
+                <a:schemeClr val="tx1"/>
+              </a:solidFill>
+              <a:latin typeface="Times New Roman" panose="02020603050405020304" pitchFamily="18" charset="0"/>
+              <a:cs typeface="Times New Roman" panose="02020603050405020304" pitchFamily="18" charset="0"/>
+            </a:endParaRPr>
+          </a:p>
+        </p:txBody>
+      </p:sp>
+      <p:sp>
+        <p:nvSpPr>
+          <p:cNvPr id="7" name="矩形 6">
+            <a:extLst>
+              <a:ext uri="{FF2B5EF4-FFF2-40B4-BE49-F238E27FC236}">
+                <a16:creationId xmlns:a16="http://schemas.microsoft.com/office/drawing/2014/main" id="{7D191C98-3838-4A6E-9DF4-D953A078AB35}"/>
+              </a:ext>
+            </a:extLst>
+          </p:cNvPr>
+          <p:cNvSpPr/>
+          <p:nvPr/>
+        </p:nvSpPr>
+        <p:spPr>
+          <a:xfrm>
+            <a:off x="5788169" y="1540636"/>
+            <a:ext cx="568171" cy="540152"/>
+          </a:xfrm>
+          <a:prstGeom prst="rect">
+            <a:avLst/>
+          </a:prstGeom>
+        </p:spPr>
+        <p:style>
+          <a:lnRef idx="2">
+            <a:schemeClr val="accent3">
+              <a:shade val="50000"/>
+            </a:schemeClr>
+          </a:lnRef>
+          <a:fillRef idx="1">
+            <a:schemeClr val="accent3"/>
+          </a:fillRef>
+          <a:effectRef idx="0">
+            <a:schemeClr val="accent3"/>
+          </a:effectRef>
+          <a:fontRef idx="minor">
+            <a:schemeClr val="lt1"/>
+          </a:fontRef>
+        </p:style>
+        <p:txBody>
+          <a:bodyPr rtlCol="0" anchor="ctr"/>
+          <a:lstStyle/>
+          <a:p>
+            <a:pPr algn="ctr"/>
+            <a:r>
+              <a:rPr lang="en-US" altLang="zh-CN">
+                <a:solidFill>
+                  <a:schemeClr val="tx1"/>
+                </a:solidFill>
+                <a:latin typeface="Times New Roman" panose="02020603050405020304" pitchFamily="18" charset="0"/>
+                <a:cs typeface="Times New Roman" panose="02020603050405020304" pitchFamily="18" charset="0"/>
+              </a:rPr>
+              <a:t>25</a:t>
+            </a:r>
+            <a:endParaRPr lang="zh-CN" altLang="en-US">
+              <a:solidFill>
+                <a:schemeClr val="tx1"/>
+              </a:solidFill>
+              <a:latin typeface="Times New Roman" panose="02020603050405020304" pitchFamily="18" charset="0"/>
+              <a:cs typeface="Times New Roman" panose="02020603050405020304" pitchFamily="18" charset="0"/>
+            </a:endParaRPr>
+          </a:p>
+        </p:txBody>
+      </p:sp>
+      <p:sp>
+        <p:nvSpPr>
+          <p:cNvPr id="8" name="矩形 7">
+            <a:extLst>
+              <a:ext uri="{FF2B5EF4-FFF2-40B4-BE49-F238E27FC236}">
+                <a16:creationId xmlns:a16="http://schemas.microsoft.com/office/drawing/2014/main" id="{DA5DE387-6ABE-4C88-A2B7-187B81649E10}"/>
+              </a:ext>
+            </a:extLst>
+          </p:cNvPr>
+          <p:cNvSpPr/>
+          <p:nvPr/>
+        </p:nvSpPr>
+        <p:spPr>
+          <a:xfrm>
+            <a:off x="6724158" y="1520618"/>
+            <a:ext cx="568171" cy="540152"/>
+          </a:xfrm>
+          <a:prstGeom prst="rect">
+            <a:avLst/>
+          </a:prstGeom>
+        </p:spPr>
+        <p:style>
+          <a:lnRef idx="2">
+            <a:schemeClr val="accent3">
+              <a:shade val="50000"/>
+            </a:schemeClr>
+          </a:lnRef>
+          <a:fillRef idx="1">
+            <a:schemeClr val="accent3"/>
+          </a:fillRef>
+          <a:effectRef idx="0">
+            <a:schemeClr val="accent3"/>
+          </a:effectRef>
+          <a:fontRef idx="minor">
+            <a:schemeClr val="lt1"/>
+          </a:fontRef>
+        </p:style>
+        <p:txBody>
+          <a:bodyPr rtlCol="0" anchor="ctr"/>
+          <a:lstStyle/>
+          <a:p>
+            <a:pPr algn="ctr"/>
+            <a:r>
+              <a:rPr lang="en-US" altLang="zh-CN">
+                <a:solidFill>
+                  <a:schemeClr val="tx1"/>
+                </a:solidFill>
+                <a:latin typeface="Times New Roman" panose="02020603050405020304" pitchFamily="18" charset="0"/>
+                <a:cs typeface="Times New Roman" panose="02020603050405020304" pitchFamily="18" charset="0"/>
+              </a:rPr>
+              <a:t>34</a:t>
+            </a:r>
+            <a:endParaRPr lang="zh-CN" altLang="en-US">
+              <a:solidFill>
+                <a:schemeClr val="tx1"/>
+              </a:solidFill>
+              <a:latin typeface="Times New Roman" panose="02020603050405020304" pitchFamily="18" charset="0"/>
+              <a:cs typeface="Times New Roman" panose="02020603050405020304" pitchFamily="18" charset="0"/>
+            </a:endParaRPr>
+          </a:p>
+        </p:txBody>
+      </p:sp>
+      <p:sp>
+        <p:nvSpPr>
+          <p:cNvPr id="9" name="矩形 8">
+            <a:extLst>
+              <a:ext uri="{FF2B5EF4-FFF2-40B4-BE49-F238E27FC236}">
+                <a16:creationId xmlns:a16="http://schemas.microsoft.com/office/drawing/2014/main" id="{7D9C1662-8E2E-4785-BD23-E106C03EBD33}"/>
+              </a:ext>
+            </a:extLst>
+          </p:cNvPr>
+          <p:cNvSpPr/>
+          <p:nvPr/>
+        </p:nvSpPr>
+        <p:spPr>
+          <a:xfrm>
+            <a:off x="7660148" y="1520618"/>
+            <a:ext cx="568171" cy="540152"/>
+          </a:xfrm>
+          <a:prstGeom prst="rect">
+            <a:avLst/>
+          </a:prstGeom>
+        </p:spPr>
+        <p:style>
+          <a:lnRef idx="2">
+            <a:schemeClr val="accent3">
+              <a:shade val="50000"/>
+            </a:schemeClr>
+          </a:lnRef>
+          <a:fillRef idx="1">
+            <a:schemeClr val="accent3"/>
+          </a:fillRef>
+          <a:effectRef idx="0">
+            <a:schemeClr val="accent3"/>
+          </a:effectRef>
+          <a:fontRef idx="minor">
+            <a:schemeClr val="lt1"/>
+          </a:fontRef>
+        </p:style>
+        <p:txBody>
+          <a:bodyPr rtlCol="0" anchor="ctr"/>
+          <a:lstStyle/>
+          <a:p>
+            <a:pPr algn="ctr"/>
+            <a:r>
+              <a:rPr lang="en-US" altLang="zh-CN">
+                <a:solidFill>
+                  <a:schemeClr val="tx1"/>
+                </a:solidFill>
+                <a:latin typeface="Times New Roman" panose="02020603050405020304" pitchFamily="18" charset="0"/>
+                <a:cs typeface="Times New Roman" panose="02020603050405020304" pitchFamily="18" charset="0"/>
+              </a:rPr>
+              <a:t>64</a:t>
+            </a:r>
+            <a:endParaRPr lang="zh-CN" altLang="en-US">
+              <a:solidFill>
+                <a:schemeClr val="tx1"/>
+              </a:solidFill>
+              <a:latin typeface="Times New Roman" panose="02020603050405020304" pitchFamily="18" charset="0"/>
+              <a:cs typeface="Times New Roman" panose="02020603050405020304" pitchFamily="18" charset="0"/>
+            </a:endParaRPr>
+          </a:p>
+        </p:txBody>
+      </p:sp>
+      <p:sp>
+        <p:nvSpPr>
+          <p:cNvPr id="10" name="矩形 9">
+            <a:extLst>
+              <a:ext uri="{FF2B5EF4-FFF2-40B4-BE49-F238E27FC236}">
+                <a16:creationId xmlns:a16="http://schemas.microsoft.com/office/drawing/2014/main" id="{B572F656-00BB-4F82-9879-BBF0EB23AC0F}"/>
+              </a:ext>
+            </a:extLst>
+          </p:cNvPr>
+          <p:cNvSpPr/>
+          <p:nvPr/>
+        </p:nvSpPr>
+        <p:spPr>
+          <a:xfrm>
+            <a:off x="3916191" y="1544612"/>
+            <a:ext cx="568171" cy="540152"/>
+          </a:xfrm>
+          <a:prstGeom prst="rect">
+            <a:avLst/>
+          </a:prstGeom>
+        </p:spPr>
+        <p:style>
+          <a:lnRef idx="2">
+            <a:schemeClr val="accent3">
+              <a:shade val="50000"/>
+            </a:schemeClr>
+          </a:lnRef>
+          <a:fillRef idx="1">
+            <a:schemeClr val="accent3"/>
+          </a:fillRef>
+          <a:effectRef idx="0">
+            <a:schemeClr val="accent3"/>
+          </a:effectRef>
+          <a:fontRef idx="minor">
+            <a:schemeClr val="lt1"/>
+          </a:fontRef>
+        </p:style>
+        <p:txBody>
+          <a:bodyPr rtlCol="0" anchor="ctr"/>
+          <a:lstStyle/>
+          <a:p>
+            <a:pPr algn="ctr"/>
+            <a:r>
+              <a:rPr lang="en-US" altLang="zh-CN">
+                <a:solidFill>
+                  <a:schemeClr val="tx1"/>
+                </a:solidFill>
+                <a:latin typeface="Times New Roman" panose="02020603050405020304" pitchFamily="18" charset="0"/>
+                <a:cs typeface="Times New Roman" panose="02020603050405020304" pitchFamily="18" charset="0"/>
+              </a:rPr>
+              <a:t>21</a:t>
+            </a:r>
+            <a:endParaRPr lang="zh-CN" altLang="en-US">
+              <a:solidFill>
+                <a:schemeClr val="tx1"/>
+              </a:solidFill>
+              <a:latin typeface="Times New Roman" panose="02020603050405020304" pitchFamily="18" charset="0"/>
+              <a:cs typeface="Times New Roman" panose="02020603050405020304" pitchFamily="18" charset="0"/>
+            </a:endParaRPr>
+          </a:p>
+        </p:txBody>
+      </p:sp>
+      <p:sp>
+        <p:nvSpPr>
+          <p:cNvPr id="11" name="矩形 10">
+            <a:extLst>
+              <a:ext uri="{FF2B5EF4-FFF2-40B4-BE49-F238E27FC236}">
+                <a16:creationId xmlns:a16="http://schemas.microsoft.com/office/drawing/2014/main" id="{F99885C5-C20E-4A35-8157-724BE2BA3E13}"/>
+              </a:ext>
+            </a:extLst>
+          </p:cNvPr>
+          <p:cNvSpPr/>
+          <p:nvPr/>
+        </p:nvSpPr>
+        <p:spPr>
+          <a:xfrm>
+            <a:off x="4852180" y="1526413"/>
+            <a:ext cx="568171" cy="540152"/>
+          </a:xfrm>
+          <a:prstGeom prst="rect">
+            <a:avLst/>
+          </a:prstGeom>
+        </p:spPr>
+        <p:style>
+          <a:lnRef idx="2">
+            <a:schemeClr val="accent3">
+              <a:shade val="50000"/>
+            </a:schemeClr>
+          </a:lnRef>
+          <a:fillRef idx="1">
+            <a:schemeClr val="accent3"/>
+          </a:fillRef>
+          <a:effectRef idx="0">
+            <a:schemeClr val="accent3"/>
+          </a:effectRef>
+          <a:fontRef idx="minor">
+            <a:schemeClr val="lt1"/>
+          </a:fontRef>
+        </p:style>
+        <p:txBody>
+          <a:bodyPr rtlCol="0" anchor="ctr"/>
+          <a:lstStyle/>
+          <a:p>
+            <a:pPr algn="ctr"/>
+            <a:r>
+              <a:rPr lang="en-US" altLang="zh-CN">
+                <a:solidFill>
+                  <a:schemeClr val="tx1"/>
+                </a:solidFill>
+                <a:latin typeface="Times New Roman" panose="02020603050405020304" pitchFamily="18" charset="0"/>
+                <a:cs typeface="Times New Roman" panose="02020603050405020304" pitchFamily="18" charset="0"/>
+              </a:rPr>
+              <a:t>21</a:t>
+            </a:r>
+            <a:endParaRPr lang="zh-CN" altLang="en-US">
+              <a:solidFill>
+                <a:schemeClr val="tx1"/>
+              </a:solidFill>
+              <a:latin typeface="Times New Roman" panose="02020603050405020304" pitchFamily="18" charset="0"/>
+              <a:cs typeface="Times New Roman" panose="02020603050405020304" pitchFamily="18" charset="0"/>
+            </a:endParaRPr>
+          </a:p>
+        </p:txBody>
+      </p:sp>
+    </p:spTree>
+    <p:extLst>
+      <p:ext uri="{BB962C8B-B14F-4D97-AF65-F5344CB8AC3E}">
+        <p14:creationId xmlns:p14="http://schemas.microsoft.com/office/powerpoint/2010/main" val="3377482758"/>
+      </p:ext>
+    </p:extLst>
+  </p:cSld>
+  <p:clrMapOvr>
+    <a:masterClrMapping/>
+  </p:clrMapOvr>
+</p:sld>
+</file>
+
 <file path=ppt/slides/slide2.xml><?xml version="1.0" encoding="utf-8"?>
 <p:sld xmlns:a="http://schemas.openxmlformats.org/drawingml/2006/main" xmlns:r="http://schemas.openxmlformats.org/officeDocument/2006/relationships" xmlns:p="http://schemas.openxmlformats.org/presentationml/2006/main">
   <p:cSld>

--- a/数据结构与算法/线性表/数据结构可视化辅助理解，便于代码开发.pptx
+++ b/数据结构与算法/线性表/数据结构可视化辅助理解，便于代码开发.pptx
@@ -301,7 +301,7 @@
           <a:p>
             <a:fld id="{00F45E2C-A052-4CA8-89FD-DA47DCEA70CB}" type="datetimeFigureOut">
               <a:rPr lang="zh-CN" altLang="en-US" smtClean="0"/>
-              <a:t>2019/6/28</a:t>
+              <a:t>2019/6/30</a:t>
             </a:fld>
             <a:endParaRPr lang="zh-CN" altLang="en-US"/>
           </a:p>
@@ -499,7 +499,7 @@
           <a:p>
             <a:fld id="{00F45E2C-A052-4CA8-89FD-DA47DCEA70CB}" type="datetimeFigureOut">
               <a:rPr lang="zh-CN" altLang="en-US" smtClean="0"/>
-              <a:t>2019/6/28</a:t>
+              <a:t>2019/6/30</a:t>
             </a:fld>
             <a:endParaRPr lang="zh-CN" altLang="en-US"/>
           </a:p>
@@ -707,7 +707,7 @@
           <a:p>
             <a:fld id="{00F45E2C-A052-4CA8-89FD-DA47DCEA70CB}" type="datetimeFigureOut">
               <a:rPr lang="zh-CN" altLang="en-US" smtClean="0"/>
-              <a:t>2019/6/28</a:t>
+              <a:t>2019/6/30</a:t>
             </a:fld>
             <a:endParaRPr lang="zh-CN" altLang="en-US"/>
           </a:p>
@@ -877,7 +877,7 @@
             <a:fld id="{00F45E2C-A052-4CA8-89FD-DA47DCEA70CB}" type="datetimeFigureOut">
               <a:rPr lang="zh-CN" altLang="en-US" smtClean="0"/>
               <a:pPr/>
-              <a:t>2019/6/28</a:t>
+              <a:t>2019/6/30</a:t>
             </a:fld>
             <a:endParaRPr lang="zh-CN" altLang="en-US"/>
           </a:p>
@@ -1305,7 +1305,7 @@
           <a:p>
             <a:fld id="{00F45E2C-A052-4CA8-89FD-DA47DCEA70CB}" type="datetimeFigureOut">
               <a:rPr lang="zh-CN" altLang="en-US" smtClean="0"/>
-              <a:t>2019/6/28</a:t>
+              <a:t>2019/6/30</a:t>
             </a:fld>
             <a:endParaRPr lang="zh-CN" altLang="en-US"/>
           </a:p>
@@ -1570,7 +1570,7 @@
           <a:p>
             <a:fld id="{00F45E2C-A052-4CA8-89FD-DA47DCEA70CB}" type="datetimeFigureOut">
               <a:rPr lang="zh-CN" altLang="en-US" smtClean="0"/>
-              <a:t>2019/6/28</a:t>
+              <a:t>2019/6/30</a:t>
             </a:fld>
             <a:endParaRPr lang="zh-CN" altLang="en-US"/>
           </a:p>
@@ -1982,7 +1982,7 @@
           <a:p>
             <a:fld id="{00F45E2C-A052-4CA8-89FD-DA47DCEA70CB}" type="datetimeFigureOut">
               <a:rPr lang="zh-CN" altLang="en-US" smtClean="0"/>
-              <a:t>2019/6/28</a:t>
+              <a:t>2019/6/30</a:t>
             </a:fld>
             <a:endParaRPr lang="zh-CN" altLang="en-US"/>
           </a:p>
@@ -2123,7 +2123,7 @@
           <a:p>
             <a:fld id="{00F45E2C-A052-4CA8-89FD-DA47DCEA70CB}" type="datetimeFigureOut">
               <a:rPr lang="zh-CN" altLang="en-US" smtClean="0"/>
-              <a:t>2019/6/28</a:t>
+              <a:t>2019/6/30</a:t>
             </a:fld>
             <a:endParaRPr lang="zh-CN" altLang="en-US"/>
           </a:p>
@@ -2236,7 +2236,7 @@
           <a:p>
             <a:fld id="{00F45E2C-A052-4CA8-89FD-DA47DCEA70CB}" type="datetimeFigureOut">
               <a:rPr lang="zh-CN" altLang="en-US" smtClean="0"/>
-              <a:t>2019/6/28</a:t>
+              <a:t>2019/6/30</a:t>
             </a:fld>
             <a:endParaRPr lang="zh-CN" altLang="en-US"/>
           </a:p>
@@ -2547,7 +2547,7 @@
           <a:p>
             <a:fld id="{00F45E2C-A052-4CA8-89FD-DA47DCEA70CB}" type="datetimeFigureOut">
               <a:rPr lang="zh-CN" altLang="en-US" smtClean="0"/>
-              <a:t>2019/6/28</a:t>
+              <a:t>2019/6/30</a:t>
             </a:fld>
             <a:endParaRPr lang="zh-CN" altLang="en-US"/>
           </a:p>
@@ -2835,7 +2835,7 @@
           <a:p>
             <a:fld id="{00F45E2C-A052-4CA8-89FD-DA47DCEA70CB}" type="datetimeFigureOut">
               <a:rPr lang="zh-CN" altLang="en-US" smtClean="0"/>
-              <a:t>2019/6/28</a:t>
+              <a:t>2019/6/30</a:t>
             </a:fld>
             <a:endParaRPr lang="zh-CN" altLang="en-US"/>
           </a:p>
@@ -3076,7 +3076,7 @@
           <a:p>
             <a:fld id="{00F45E2C-A052-4CA8-89FD-DA47DCEA70CB}" type="datetimeFigureOut">
               <a:rPr lang="zh-CN" altLang="en-US" smtClean="0"/>
-              <a:t>2019/6/28</a:t>
+              <a:t>2019/6/30</a:t>
             </a:fld>
             <a:endParaRPr lang="zh-CN" altLang="en-US"/>
           </a:p>
@@ -13904,7 +13904,7 @@
         </p:nvSpPr>
         <p:spPr>
           <a:xfrm>
-            <a:off x="2044213" y="1551002"/>
+            <a:off x="1819842" y="3702928"/>
             <a:ext cx="568171" cy="470018"/>
           </a:xfrm>
           <a:prstGeom prst="rect">
@@ -13966,7 +13966,7 @@
         </p:nvSpPr>
         <p:spPr>
           <a:xfrm>
-            <a:off x="2980202" y="1515935"/>
+            <a:off x="3663984" y="3760384"/>
             <a:ext cx="568171" cy="540152"/>
           </a:xfrm>
           <a:prstGeom prst="rect">
@@ -14028,7 +14028,7 @@
         </p:nvSpPr>
         <p:spPr>
           <a:xfrm>
-            <a:off x="1108224" y="1501926"/>
+            <a:off x="195775" y="3653852"/>
             <a:ext cx="568171" cy="568171"/>
           </a:xfrm>
           <a:prstGeom prst="rect">
@@ -14090,7 +14090,7 @@
         </p:nvSpPr>
         <p:spPr>
           <a:xfrm>
-            <a:off x="5788169" y="1540636"/>
+            <a:off x="5410066" y="1586787"/>
             <a:ext cx="568171" cy="540152"/>
           </a:xfrm>
           <a:prstGeom prst="rect">
@@ -14152,7 +14152,7 @@
         </p:nvSpPr>
         <p:spPr>
           <a:xfrm>
-            <a:off x="6724158" y="1520618"/>
+            <a:off x="6689389" y="1586787"/>
             <a:ext cx="568171" cy="540152"/>
           </a:xfrm>
           <a:prstGeom prst="rect">
@@ -14214,7 +14214,7 @@
         </p:nvSpPr>
         <p:spPr>
           <a:xfrm>
-            <a:off x="7660148" y="1520618"/>
+            <a:off x="7968712" y="1586787"/>
             <a:ext cx="568171" cy="540152"/>
           </a:xfrm>
           <a:prstGeom prst="rect">
@@ -14276,7 +14276,7 @@
         </p:nvSpPr>
         <p:spPr>
           <a:xfrm>
-            <a:off x="3916191" y="1544612"/>
+            <a:off x="4232155" y="1565828"/>
             <a:ext cx="568171" cy="540152"/>
           </a:xfrm>
           <a:prstGeom prst="rect">
@@ -14338,7 +14338,7 @@
         </p:nvSpPr>
         <p:spPr>
           <a:xfrm>
-            <a:off x="4852180" y="1526413"/>
+            <a:off x="9248038" y="1586787"/>
             <a:ext cx="568171" cy="540152"/>
           </a:xfrm>
           <a:prstGeom prst="rect">
@@ -14383,6 +14383,98 @@
               <a:latin typeface="Times New Roman" panose="02020603050405020304" pitchFamily="18" charset="0"/>
               <a:cs typeface="Times New Roman" panose="02020603050405020304" pitchFamily="18" charset="0"/>
             </a:endParaRPr>
+          </a:p>
+        </p:txBody>
+      </p:sp>
+      <p:sp>
+        <p:nvSpPr>
+          <p:cNvPr id="3" name="箭头: 上 2">
+            <a:extLst>
+              <a:ext uri="{FF2B5EF4-FFF2-40B4-BE49-F238E27FC236}">
+                <a16:creationId xmlns:a16="http://schemas.microsoft.com/office/drawing/2014/main" id="{7F57AA1C-BDCC-47B1-875B-8C03A6EF2271}"/>
+              </a:ext>
+            </a:extLst>
+          </p:cNvPr>
+          <p:cNvSpPr/>
+          <p:nvPr/>
+        </p:nvSpPr>
+        <p:spPr>
+          <a:xfrm>
+            <a:off x="4232155" y="2402100"/>
+            <a:ext cx="463124" cy="1358284"/>
+          </a:xfrm>
+          <a:prstGeom prst="upArrow">
+            <a:avLst/>
+          </a:prstGeom>
+        </p:spPr>
+        <p:style>
+          <a:lnRef idx="2">
+            <a:schemeClr val="accent1">
+              <a:shade val="50000"/>
+            </a:schemeClr>
+          </a:lnRef>
+          <a:fillRef idx="1">
+            <a:schemeClr val="accent1"/>
+          </a:fillRef>
+          <a:effectRef idx="0">
+            <a:schemeClr val="accent1"/>
+          </a:effectRef>
+          <a:fontRef idx="minor">
+            <a:schemeClr val="lt1"/>
+          </a:fontRef>
+        </p:style>
+        <p:txBody>
+          <a:bodyPr rtlCol="0" anchor="ctr"/>
+          <a:lstStyle/>
+          <a:p>
+            <a:pPr algn="ctr"/>
+            <a:endParaRPr lang="zh-CN" altLang="en-US"/>
+          </a:p>
+        </p:txBody>
+      </p:sp>
+      <p:sp>
+        <p:nvSpPr>
+          <p:cNvPr id="12" name="箭头: 上 11">
+            <a:extLst>
+              <a:ext uri="{FF2B5EF4-FFF2-40B4-BE49-F238E27FC236}">
+                <a16:creationId xmlns:a16="http://schemas.microsoft.com/office/drawing/2014/main" id="{04FDBD06-FF5A-48D2-9E7E-9641BD5E65EA}"/>
+              </a:ext>
+            </a:extLst>
+          </p:cNvPr>
+          <p:cNvSpPr/>
+          <p:nvPr/>
+        </p:nvSpPr>
+        <p:spPr>
+          <a:xfrm>
+            <a:off x="5515113" y="2344644"/>
+            <a:ext cx="463124" cy="1358284"/>
+          </a:xfrm>
+          <a:prstGeom prst="upArrow">
+            <a:avLst/>
+          </a:prstGeom>
+        </p:spPr>
+        <p:style>
+          <a:lnRef idx="2">
+            <a:schemeClr val="accent2">
+              <a:shade val="50000"/>
+            </a:schemeClr>
+          </a:lnRef>
+          <a:fillRef idx="1">
+            <a:schemeClr val="accent2"/>
+          </a:fillRef>
+          <a:effectRef idx="0">
+            <a:schemeClr val="accent2"/>
+          </a:effectRef>
+          <a:fontRef idx="minor">
+            <a:schemeClr val="lt1"/>
+          </a:fontRef>
+        </p:style>
+        <p:txBody>
+          <a:bodyPr rtlCol="0" anchor="ctr"/>
+          <a:lstStyle/>
+          <a:p>
+            <a:pPr algn="ctr"/>
+            <a:endParaRPr lang="zh-CN" altLang="en-US"/>
           </a:p>
         </p:txBody>
       </p:sp>

--- a/数据结构与算法/线性表/数据结构可视化辅助理解，便于代码开发.pptx
+++ b/数据结构与算法/线性表/数据结构可视化辅助理解，便于代码开发.pptx
@@ -301,7 +301,7 @@
           <a:p>
             <a:fld id="{00F45E2C-A052-4CA8-89FD-DA47DCEA70CB}" type="datetimeFigureOut">
               <a:rPr lang="zh-CN" altLang="en-US" smtClean="0"/>
-              <a:t>2019/6/30</a:t>
+              <a:t>2019/7/2</a:t>
             </a:fld>
             <a:endParaRPr lang="zh-CN" altLang="en-US"/>
           </a:p>
@@ -499,7 +499,7 @@
           <a:p>
             <a:fld id="{00F45E2C-A052-4CA8-89FD-DA47DCEA70CB}" type="datetimeFigureOut">
               <a:rPr lang="zh-CN" altLang="en-US" smtClean="0"/>
-              <a:t>2019/6/30</a:t>
+              <a:t>2019/7/2</a:t>
             </a:fld>
             <a:endParaRPr lang="zh-CN" altLang="en-US"/>
           </a:p>
@@ -707,7 +707,7 @@
           <a:p>
             <a:fld id="{00F45E2C-A052-4CA8-89FD-DA47DCEA70CB}" type="datetimeFigureOut">
               <a:rPr lang="zh-CN" altLang="en-US" smtClean="0"/>
-              <a:t>2019/6/30</a:t>
+              <a:t>2019/7/2</a:t>
             </a:fld>
             <a:endParaRPr lang="zh-CN" altLang="en-US"/>
           </a:p>
@@ -877,7 +877,7 @@
             <a:fld id="{00F45E2C-A052-4CA8-89FD-DA47DCEA70CB}" type="datetimeFigureOut">
               <a:rPr lang="zh-CN" altLang="en-US" smtClean="0"/>
               <a:pPr/>
-              <a:t>2019/6/30</a:t>
+              <a:t>2019/7/2</a:t>
             </a:fld>
             <a:endParaRPr lang="zh-CN" altLang="en-US"/>
           </a:p>
@@ -1305,7 +1305,7 @@
           <a:p>
             <a:fld id="{00F45E2C-A052-4CA8-89FD-DA47DCEA70CB}" type="datetimeFigureOut">
               <a:rPr lang="zh-CN" altLang="en-US" smtClean="0"/>
-              <a:t>2019/6/30</a:t>
+              <a:t>2019/7/2</a:t>
             </a:fld>
             <a:endParaRPr lang="zh-CN" altLang="en-US"/>
           </a:p>
@@ -1570,7 +1570,7 @@
           <a:p>
             <a:fld id="{00F45E2C-A052-4CA8-89FD-DA47DCEA70CB}" type="datetimeFigureOut">
               <a:rPr lang="zh-CN" altLang="en-US" smtClean="0"/>
-              <a:t>2019/6/30</a:t>
+              <a:t>2019/7/2</a:t>
             </a:fld>
             <a:endParaRPr lang="zh-CN" altLang="en-US"/>
           </a:p>
@@ -1982,7 +1982,7 @@
           <a:p>
             <a:fld id="{00F45E2C-A052-4CA8-89FD-DA47DCEA70CB}" type="datetimeFigureOut">
               <a:rPr lang="zh-CN" altLang="en-US" smtClean="0"/>
-              <a:t>2019/6/30</a:t>
+              <a:t>2019/7/2</a:t>
             </a:fld>
             <a:endParaRPr lang="zh-CN" altLang="en-US"/>
           </a:p>
@@ -2123,7 +2123,7 @@
           <a:p>
             <a:fld id="{00F45E2C-A052-4CA8-89FD-DA47DCEA70CB}" type="datetimeFigureOut">
               <a:rPr lang="zh-CN" altLang="en-US" smtClean="0"/>
-              <a:t>2019/6/30</a:t>
+              <a:t>2019/7/2</a:t>
             </a:fld>
             <a:endParaRPr lang="zh-CN" altLang="en-US"/>
           </a:p>
@@ -2236,7 +2236,7 @@
           <a:p>
             <a:fld id="{00F45E2C-A052-4CA8-89FD-DA47DCEA70CB}" type="datetimeFigureOut">
               <a:rPr lang="zh-CN" altLang="en-US" smtClean="0"/>
-              <a:t>2019/6/30</a:t>
+              <a:t>2019/7/2</a:t>
             </a:fld>
             <a:endParaRPr lang="zh-CN" altLang="en-US"/>
           </a:p>
@@ -2547,7 +2547,7 @@
           <a:p>
             <a:fld id="{00F45E2C-A052-4CA8-89FD-DA47DCEA70CB}" type="datetimeFigureOut">
               <a:rPr lang="zh-CN" altLang="en-US" smtClean="0"/>
-              <a:t>2019/6/30</a:t>
+              <a:t>2019/7/2</a:t>
             </a:fld>
             <a:endParaRPr lang="zh-CN" altLang="en-US"/>
           </a:p>
@@ -2835,7 +2835,7 @@
           <a:p>
             <a:fld id="{00F45E2C-A052-4CA8-89FD-DA47DCEA70CB}" type="datetimeFigureOut">
               <a:rPr lang="zh-CN" altLang="en-US" smtClean="0"/>
-              <a:t>2019/6/30</a:t>
+              <a:t>2019/7/2</a:t>
             </a:fld>
             <a:endParaRPr lang="zh-CN" altLang="en-US"/>
           </a:p>
@@ -3076,7 +3076,7 @@
           <a:p>
             <a:fld id="{00F45E2C-A052-4CA8-89FD-DA47DCEA70CB}" type="datetimeFigureOut">
               <a:rPr lang="zh-CN" altLang="en-US" smtClean="0"/>
-              <a:t>2019/6/30</a:t>
+              <a:t>2019/7/2</a:t>
             </a:fld>
             <a:endParaRPr lang="zh-CN" altLang="en-US"/>
           </a:p>
@@ -13904,7 +13904,7 @@
         </p:nvSpPr>
         <p:spPr>
           <a:xfrm>
-            <a:off x="1819842" y="3702928"/>
+            <a:off x="2016487" y="1984827"/>
             <a:ext cx="568171" cy="470018"/>
           </a:xfrm>
           <a:prstGeom prst="rect">
@@ -13940,7 +13940,7 @@
                 <a:latin typeface="Times New Roman" panose="02020603050405020304" pitchFamily="18" charset="0"/>
                 <a:cs typeface="Times New Roman" panose="02020603050405020304" pitchFamily="18" charset="0"/>
               </a:rPr>
-              <a:t>10</a:t>
+              <a:t>50</a:t>
             </a:r>
             <a:endParaRPr lang="zh-CN" altLang="en-US">
               <a:solidFill>
@@ -13966,7 +13966,7 @@
         </p:nvSpPr>
         <p:spPr>
           <a:xfrm>
-            <a:off x="3663984" y="3760384"/>
+            <a:off x="4302413" y="1955943"/>
             <a:ext cx="568171" cy="540152"/>
           </a:xfrm>
           <a:prstGeom prst="rect">
@@ -14002,7 +14002,7 @@
                 <a:latin typeface="Times New Roman" panose="02020603050405020304" pitchFamily="18" charset="0"/>
                 <a:cs typeface="Times New Roman" panose="02020603050405020304" pitchFamily="18" charset="0"/>
               </a:rPr>
-              <a:t>20</a:t>
+              <a:t>10</a:t>
             </a:r>
             <a:endParaRPr lang="zh-CN" altLang="en-US">
               <a:solidFill>
@@ -14028,7 +14028,7 @@
         </p:nvSpPr>
         <p:spPr>
           <a:xfrm>
-            <a:off x="195775" y="3653852"/>
+            <a:off x="3086243" y="994741"/>
             <a:ext cx="568171" cy="568171"/>
           </a:xfrm>
           <a:prstGeom prst="rect">
@@ -14064,7 +14064,7 @@
                 <a:latin typeface="Times New Roman" panose="02020603050405020304" pitchFamily="18" charset="0"/>
                 <a:cs typeface="Times New Roman" panose="02020603050405020304" pitchFamily="18" charset="0"/>
               </a:rPr>
-              <a:t>-30</a:t>
+              <a:t>2</a:t>
             </a:r>
             <a:endParaRPr lang="zh-CN" altLang="en-US">
               <a:solidFill>
@@ -14090,7 +14090,7 @@
         </p:nvSpPr>
         <p:spPr>
           <a:xfrm>
-            <a:off x="5410066" y="1586787"/>
+            <a:off x="2415046" y="2936774"/>
             <a:ext cx="568171" cy="540152"/>
           </a:xfrm>
           <a:prstGeom prst="rect">
@@ -14126,7 +14126,7 @@
                 <a:latin typeface="Times New Roman" panose="02020603050405020304" pitchFamily="18" charset="0"/>
                 <a:cs typeface="Times New Roman" panose="02020603050405020304" pitchFamily="18" charset="0"/>
               </a:rPr>
-              <a:t>25</a:t>
+              <a:t>30</a:t>
             </a:r>
             <a:endParaRPr lang="zh-CN" altLang="en-US">
               <a:solidFill>
@@ -14152,7 +14152,7 @@
         </p:nvSpPr>
         <p:spPr>
           <a:xfrm>
-            <a:off x="6689389" y="1586787"/>
+            <a:off x="3935281" y="2936774"/>
             <a:ext cx="568171" cy="540152"/>
           </a:xfrm>
           <a:prstGeom prst="rect">
@@ -14188,7 +14188,7 @@
                 <a:latin typeface="Times New Roman" panose="02020603050405020304" pitchFamily="18" charset="0"/>
                 <a:cs typeface="Times New Roman" panose="02020603050405020304" pitchFamily="18" charset="0"/>
               </a:rPr>
-              <a:t>34</a:t>
+              <a:t>60</a:t>
             </a:r>
             <a:endParaRPr lang="zh-CN" altLang="en-US">
               <a:solidFill>
@@ -14214,7 +14214,7 @@
         </p:nvSpPr>
         <p:spPr>
           <a:xfrm>
-            <a:off x="7968712" y="1586787"/>
+            <a:off x="5028679" y="2911480"/>
             <a:ext cx="568171" cy="540152"/>
           </a:xfrm>
           <a:prstGeom prst="rect">
@@ -14250,7 +14250,7 @@
                 <a:latin typeface="Times New Roman" panose="02020603050405020304" pitchFamily="18" charset="0"/>
                 <a:cs typeface="Times New Roman" panose="02020603050405020304" pitchFamily="18" charset="0"/>
               </a:rPr>
-              <a:t>64</a:t>
+              <a:t>70</a:t>
             </a:r>
             <a:endParaRPr lang="zh-CN" altLang="en-US">
               <a:solidFill>
@@ -14276,7 +14276,7 @@
         </p:nvSpPr>
         <p:spPr>
           <a:xfrm>
-            <a:off x="4232155" y="1565828"/>
+            <a:off x="1296129" y="2911480"/>
             <a:ext cx="568171" cy="540152"/>
           </a:xfrm>
           <a:prstGeom prst="rect">
@@ -14312,7 +14312,7 @@
                 <a:latin typeface="Times New Roman" panose="02020603050405020304" pitchFamily="18" charset="0"/>
                 <a:cs typeface="Times New Roman" panose="02020603050405020304" pitchFamily="18" charset="0"/>
               </a:rPr>
-              <a:t>21</a:t>
+              <a:t>16</a:t>
             </a:r>
             <a:endParaRPr lang="zh-CN" altLang="en-US">
               <a:solidFill>
@@ -14338,7 +14338,7 @@
         </p:nvSpPr>
         <p:spPr>
           <a:xfrm>
-            <a:off x="9248038" y="1586787"/>
+            <a:off x="601090" y="3775180"/>
             <a:ext cx="568171" cy="540152"/>
           </a:xfrm>
           <a:prstGeom prst="rect">
@@ -14374,7 +14374,7 @@
                 <a:latin typeface="Times New Roman" panose="02020603050405020304" pitchFamily="18" charset="0"/>
                 <a:cs typeface="Times New Roman" panose="02020603050405020304" pitchFamily="18" charset="0"/>
               </a:rPr>
-              <a:t>21</a:t>
+              <a:t>80</a:t>
             </a:r>
             <a:endParaRPr lang="zh-CN" altLang="en-US">
               <a:solidFill>
@@ -14388,10 +14388,10 @@
       </p:sp>
       <p:sp>
         <p:nvSpPr>
-          <p:cNvPr id="3" name="箭头: 上 2">
-            <a:extLst>
-              <a:ext uri="{FF2B5EF4-FFF2-40B4-BE49-F238E27FC236}">
-                <a16:creationId xmlns:a16="http://schemas.microsoft.com/office/drawing/2014/main" id="{7F57AA1C-BDCC-47B1-875B-8C03A6EF2271}"/>
+          <p:cNvPr id="13" name="矩形 12">
+            <a:extLst>
+              <a:ext uri="{FF2B5EF4-FFF2-40B4-BE49-F238E27FC236}">
+                <a16:creationId xmlns:a16="http://schemas.microsoft.com/office/drawing/2014/main" id="{5B01A373-B8E9-4831-A80C-B12509BA03BD}"/>
               </a:ext>
             </a:extLst>
           </p:cNvPr>
@@ -14400,8 +14400,430 @@
         </p:nvSpPr>
         <p:spPr>
           <a:xfrm>
-            <a:off x="4232155" y="2402100"/>
-            <a:ext cx="463124" cy="1358284"/>
+            <a:off x="1653743" y="3775180"/>
+            <a:ext cx="568171" cy="540152"/>
+          </a:xfrm>
+          <a:prstGeom prst="rect">
+            <a:avLst/>
+          </a:prstGeom>
+        </p:spPr>
+        <p:style>
+          <a:lnRef idx="2">
+            <a:schemeClr val="accent3">
+              <a:shade val="50000"/>
+            </a:schemeClr>
+          </a:lnRef>
+          <a:fillRef idx="1">
+            <a:schemeClr val="accent3"/>
+          </a:fillRef>
+          <a:effectRef idx="0">
+            <a:schemeClr val="accent3"/>
+          </a:effectRef>
+          <a:fontRef idx="minor">
+            <a:schemeClr val="lt1"/>
+          </a:fontRef>
+        </p:style>
+        <p:txBody>
+          <a:bodyPr rtlCol="0" anchor="ctr"/>
+          <a:lstStyle/>
+          <a:p>
+            <a:pPr algn="ctr"/>
+            <a:r>
+              <a:rPr lang="en-US" altLang="zh-CN">
+                <a:solidFill>
+                  <a:schemeClr val="tx1"/>
+                </a:solidFill>
+                <a:latin typeface="Times New Roman" panose="02020603050405020304" pitchFamily="18" charset="0"/>
+                <a:cs typeface="Times New Roman" panose="02020603050405020304" pitchFamily="18" charset="0"/>
+              </a:rPr>
+              <a:t>90</a:t>
+            </a:r>
+            <a:endParaRPr lang="zh-CN" altLang="en-US">
+              <a:solidFill>
+                <a:schemeClr val="tx1"/>
+              </a:solidFill>
+              <a:latin typeface="Times New Roman" panose="02020603050405020304" pitchFamily="18" charset="0"/>
+              <a:cs typeface="Times New Roman" panose="02020603050405020304" pitchFamily="18" charset="0"/>
+            </a:endParaRPr>
+          </a:p>
+        </p:txBody>
+      </p:sp>
+      <p:cxnSp>
+        <p:nvCxnSpPr>
+          <p:cNvPr id="15" name="直接箭头连接符 14">
+            <a:extLst>
+              <a:ext uri="{FF2B5EF4-FFF2-40B4-BE49-F238E27FC236}">
+                <a16:creationId xmlns:a16="http://schemas.microsoft.com/office/drawing/2014/main" id="{C272B2A4-6E72-4C12-87F7-E5E79F127092}"/>
+              </a:ext>
+            </a:extLst>
+          </p:cNvPr>
+          <p:cNvCxnSpPr>
+            <a:stCxn id="6" idx="2"/>
+            <a:endCxn id="4" idx="0"/>
+          </p:cNvCxnSpPr>
+          <p:nvPr/>
+        </p:nvCxnSpPr>
+        <p:spPr>
+          <a:xfrm flipH="1">
+            <a:off x="2300573" y="1562912"/>
+            <a:ext cx="1069756" cy="421915"/>
+          </a:xfrm>
+          <a:prstGeom prst="straightConnector1">
+            <a:avLst/>
+          </a:prstGeom>
+          <a:ln w="28575">
+            <a:solidFill>
+              <a:srgbClr val="FF0000"/>
+            </a:solidFill>
+            <a:tailEnd type="triangle"/>
+          </a:ln>
+        </p:spPr>
+        <p:style>
+          <a:lnRef idx="1">
+            <a:schemeClr val="accent1"/>
+          </a:lnRef>
+          <a:fillRef idx="0">
+            <a:schemeClr val="accent1"/>
+          </a:fillRef>
+          <a:effectRef idx="0">
+            <a:schemeClr val="accent1"/>
+          </a:effectRef>
+          <a:fontRef idx="minor">
+            <a:schemeClr val="tx1"/>
+          </a:fontRef>
+        </p:style>
+      </p:cxnSp>
+      <p:cxnSp>
+        <p:nvCxnSpPr>
+          <p:cNvPr id="16" name="直接箭头连接符 15">
+            <a:extLst>
+              <a:ext uri="{FF2B5EF4-FFF2-40B4-BE49-F238E27FC236}">
+                <a16:creationId xmlns:a16="http://schemas.microsoft.com/office/drawing/2014/main" id="{78EA15C5-9056-4D5B-B591-53962D3A603D}"/>
+              </a:ext>
+            </a:extLst>
+          </p:cNvPr>
+          <p:cNvCxnSpPr>
+            <a:cxnSpLocks/>
+            <a:stCxn id="6" idx="2"/>
+            <a:endCxn id="5" idx="0"/>
+          </p:cNvCxnSpPr>
+          <p:nvPr/>
+        </p:nvCxnSpPr>
+        <p:spPr>
+          <a:xfrm>
+            <a:off x="3370329" y="1562912"/>
+            <a:ext cx="1216170" cy="393031"/>
+          </a:xfrm>
+          <a:prstGeom prst="straightConnector1">
+            <a:avLst/>
+          </a:prstGeom>
+          <a:ln w="28575">
+            <a:solidFill>
+              <a:srgbClr val="FF0000"/>
+            </a:solidFill>
+            <a:tailEnd type="triangle"/>
+          </a:ln>
+        </p:spPr>
+        <p:style>
+          <a:lnRef idx="1">
+            <a:schemeClr val="accent1"/>
+          </a:lnRef>
+          <a:fillRef idx="0">
+            <a:schemeClr val="accent1"/>
+          </a:fillRef>
+          <a:effectRef idx="0">
+            <a:schemeClr val="accent1"/>
+          </a:effectRef>
+          <a:fontRef idx="minor">
+            <a:schemeClr val="tx1"/>
+          </a:fontRef>
+        </p:style>
+      </p:cxnSp>
+      <p:cxnSp>
+        <p:nvCxnSpPr>
+          <p:cNvPr id="19" name="直接箭头连接符 18">
+            <a:extLst>
+              <a:ext uri="{FF2B5EF4-FFF2-40B4-BE49-F238E27FC236}">
+                <a16:creationId xmlns:a16="http://schemas.microsoft.com/office/drawing/2014/main" id="{33AE00C5-3419-4B17-A016-462EE5B03F18}"/>
+              </a:ext>
+            </a:extLst>
+          </p:cNvPr>
+          <p:cNvCxnSpPr>
+            <a:cxnSpLocks/>
+            <a:stCxn id="4" idx="2"/>
+            <a:endCxn id="10" idx="0"/>
+          </p:cNvCxnSpPr>
+          <p:nvPr/>
+        </p:nvCxnSpPr>
+        <p:spPr>
+          <a:xfrm flipH="1">
+            <a:off x="1580215" y="2454845"/>
+            <a:ext cx="720358" cy="456635"/>
+          </a:xfrm>
+          <a:prstGeom prst="straightConnector1">
+            <a:avLst/>
+          </a:prstGeom>
+          <a:ln w="28575">
+            <a:solidFill>
+              <a:srgbClr val="FF0000"/>
+            </a:solidFill>
+            <a:tailEnd type="triangle"/>
+          </a:ln>
+        </p:spPr>
+        <p:style>
+          <a:lnRef idx="1">
+            <a:schemeClr val="accent1"/>
+          </a:lnRef>
+          <a:fillRef idx="0">
+            <a:schemeClr val="accent1"/>
+          </a:fillRef>
+          <a:effectRef idx="0">
+            <a:schemeClr val="accent1"/>
+          </a:effectRef>
+          <a:fontRef idx="minor">
+            <a:schemeClr val="tx1"/>
+          </a:fontRef>
+        </p:style>
+      </p:cxnSp>
+      <p:cxnSp>
+        <p:nvCxnSpPr>
+          <p:cNvPr id="22" name="直接箭头连接符 21">
+            <a:extLst>
+              <a:ext uri="{FF2B5EF4-FFF2-40B4-BE49-F238E27FC236}">
+                <a16:creationId xmlns:a16="http://schemas.microsoft.com/office/drawing/2014/main" id="{DB0D47C8-05FF-40F8-B97F-172E7DEACF89}"/>
+              </a:ext>
+            </a:extLst>
+          </p:cNvPr>
+          <p:cNvCxnSpPr>
+            <a:cxnSpLocks/>
+            <a:stCxn id="4" idx="2"/>
+            <a:endCxn id="7" idx="0"/>
+          </p:cNvCxnSpPr>
+          <p:nvPr/>
+        </p:nvCxnSpPr>
+        <p:spPr>
+          <a:xfrm>
+            <a:off x="2300573" y="2454845"/>
+            <a:ext cx="398559" cy="481929"/>
+          </a:xfrm>
+          <a:prstGeom prst="straightConnector1">
+            <a:avLst/>
+          </a:prstGeom>
+          <a:ln w="28575">
+            <a:solidFill>
+              <a:srgbClr val="FF0000"/>
+            </a:solidFill>
+            <a:tailEnd type="triangle"/>
+          </a:ln>
+        </p:spPr>
+        <p:style>
+          <a:lnRef idx="1">
+            <a:schemeClr val="accent1"/>
+          </a:lnRef>
+          <a:fillRef idx="0">
+            <a:schemeClr val="accent1"/>
+          </a:fillRef>
+          <a:effectRef idx="0">
+            <a:schemeClr val="accent1"/>
+          </a:effectRef>
+          <a:fontRef idx="minor">
+            <a:schemeClr val="tx1"/>
+          </a:fontRef>
+        </p:style>
+      </p:cxnSp>
+      <p:cxnSp>
+        <p:nvCxnSpPr>
+          <p:cNvPr id="25" name="直接箭头连接符 24">
+            <a:extLst>
+              <a:ext uri="{FF2B5EF4-FFF2-40B4-BE49-F238E27FC236}">
+                <a16:creationId xmlns:a16="http://schemas.microsoft.com/office/drawing/2014/main" id="{4BD99565-1C5B-4020-8E10-C58E9090FCA4}"/>
+              </a:ext>
+            </a:extLst>
+          </p:cNvPr>
+          <p:cNvCxnSpPr>
+            <a:cxnSpLocks/>
+            <a:endCxn id="11" idx="0"/>
+          </p:cNvCxnSpPr>
+          <p:nvPr/>
+        </p:nvCxnSpPr>
+        <p:spPr>
+          <a:xfrm flipH="1">
+            <a:off x="885176" y="3385089"/>
+            <a:ext cx="580566" cy="390091"/>
+          </a:xfrm>
+          <a:prstGeom prst="straightConnector1">
+            <a:avLst/>
+          </a:prstGeom>
+          <a:ln w="28575">
+            <a:solidFill>
+              <a:srgbClr val="FF0000"/>
+            </a:solidFill>
+            <a:tailEnd type="triangle"/>
+          </a:ln>
+        </p:spPr>
+        <p:style>
+          <a:lnRef idx="1">
+            <a:schemeClr val="accent1"/>
+          </a:lnRef>
+          <a:fillRef idx="0">
+            <a:schemeClr val="accent1"/>
+          </a:fillRef>
+          <a:effectRef idx="0">
+            <a:schemeClr val="accent1"/>
+          </a:effectRef>
+          <a:fontRef idx="minor">
+            <a:schemeClr val="tx1"/>
+          </a:fontRef>
+        </p:style>
+      </p:cxnSp>
+      <p:cxnSp>
+        <p:nvCxnSpPr>
+          <p:cNvPr id="27" name="直接箭头连接符 26">
+            <a:extLst>
+              <a:ext uri="{FF2B5EF4-FFF2-40B4-BE49-F238E27FC236}">
+                <a16:creationId xmlns:a16="http://schemas.microsoft.com/office/drawing/2014/main" id="{E12E1917-A006-4186-8296-E441EE1B2B4E}"/>
+              </a:ext>
+            </a:extLst>
+          </p:cNvPr>
+          <p:cNvCxnSpPr>
+            <a:cxnSpLocks/>
+          </p:cNvCxnSpPr>
+          <p:nvPr/>
+        </p:nvCxnSpPr>
+        <p:spPr>
+          <a:xfrm>
+            <a:off x="1580214" y="3339169"/>
+            <a:ext cx="398559" cy="481929"/>
+          </a:xfrm>
+          <a:prstGeom prst="straightConnector1">
+            <a:avLst/>
+          </a:prstGeom>
+          <a:ln w="28575">
+            <a:solidFill>
+              <a:srgbClr val="FF0000"/>
+            </a:solidFill>
+            <a:tailEnd type="triangle"/>
+          </a:ln>
+        </p:spPr>
+        <p:style>
+          <a:lnRef idx="1">
+            <a:schemeClr val="accent1"/>
+          </a:lnRef>
+          <a:fillRef idx="0">
+            <a:schemeClr val="accent1"/>
+          </a:fillRef>
+          <a:effectRef idx="0">
+            <a:schemeClr val="accent1"/>
+          </a:effectRef>
+          <a:fontRef idx="minor">
+            <a:schemeClr val="tx1"/>
+          </a:fontRef>
+        </p:style>
+      </p:cxnSp>
+      <p:cxnSp>
+        <p:nvCxnSpPr>
+          <p:cNvPr id="28" name="直接箭头连接符 27">
+            <a:extLst>
+              <a:ext uri="{FF2B5EF4-FFF2-40B4-BE49-F238E27FC236}">
+                <a16:creationId xmlns:a16="http://schemas.microsoft.com/office/drawing/2014/main" id="{65856533-A6EF-47DB-B290-9847545FC56D}"/>
+              </a:ext>
+            </a:extLst>
+          </p:cNvPr>
+          <p:cNvCxnSpPr>
+            <a:cxnSpLocks/>
+          </p:cNvCxnSpPr>
+          <p:nvPr/>
+        </p:nvCxnSpPr>
+        <p:spPr>
+          <a:xfrm>
+            <a:off x="4753183" y="2483910"/>
+            <a:ext cx="398559" cy="481929"/>
+          </a:xfrm>
+          <a:prstGeom prst="straightConnector1">
+            <a:avLst/>
+          </a:prstGeom>
+          <a:ln w="28575">
+            <a:solidFill>
+              <a:srgbClr val="FF0000"/>
+            </a:solidFill>
+            <a:tailEnd type="triangle"/>
+          </a:ln>
+        </p:spPr>
+        <p:style>
+          <a:lnRef idx="1">
+            <a:schemeClr val="accent1"/>
+          </a:lnRef>
+          <a:fillRef idx="0">
+            <a:schemeClr val="accent1"/>
+          </a:fillRef>
+          <a:effectRef idx="0">
+            <a:schemeClr val="accent1"/>
+          </a:effectRef>
+          <a:fontRef idx="minor">
+            <a:schemeClr val="tx1"/>
+          </a:fontRef>
+        </p:style>
+      </p:cxnSp>
+      <p:cxnSp>
+        <p:nvCxnSpPr>
+          <p:cNvPr id="29" name="直接箭头连接符 28">
+            <a:extLst>
+              <a:ext uri="{FF2B5EF4-FFF2-40B4-BE49-F238E27FC236}">
+                <a16:creationId xmlns:a16="http://schemas.microsoft.com/office/drawing/2014/main" id="{94D29DA1-7537-4813-8868-CFEC5FB9A6D7}"/>
+              </a:ext>
+            </a:extLst>
+          </p:cNvPr>
+          <p:cNvCxnSpPr>
+            <a:cxnSpLocks/>
+          </p:cNvCxnSpPr>
+          <p:nvPr/>
+        </p:nvCxnSpPr>
+        <p:spPr>
+          <a:xfrm flipH="1">
+            <a:off x="4012130" y="2521389"/>
+            <a:ext cx="580566" cy="390091"/>
+          </a:xfrm>
+          <a:prstGeom prst="straightConnector1">
+            <a:avLst/>
+          </a:prstGeom>
+          <a:ln w="28575">
+            <a:solidFill>
+              <a:srgbClr val="FF0000"/>
+            </a:solidFill>
+            <a:tailEnd type="triangle"/>
+          </a:ln>
+        </p:spPr>
+        <p:style>
+          <a:lnRef idx="1">
+            <a:schemeClr val="accent1"/>
+          </a:lnRef>
+          <a:fillRef idx="0">
+            <a:schemeClr val="accent1"/>
+          </a:fillRef>
+          <a:effectRef idx="0">
+            <a:schemeClr val="accent1"/>
+          </a:effectRef>
+          <a:fontRef idx="minor">
+            <a:schemeClr val="tx1"/>
+          </a:fontRef>
+        </p:style>
+      </p:cxnSp>
+      <p:sp>
+        <p:nvSpPr>
+          <p:cNvPr id="33" name="箭头: 上 32">
+            <a:extLst>
+              <a:ext uri="{FF2B5EF4-FFF2-40B4-BE49-F238E27FC236}">
+                <a16:creationId xmlns:a16="http://schemas.microsoft.com/office/drawing/2014/main" id="{2B5D9AE8-6854-4260-B6A3-950F4557B749}"/>
+              </a:ext>
+            </a:extLst>
+          </p:cNvPr>
+          <p:cNvSpPr/>
+          <p:nvPr/>
+        </p:nvSpPr>
+        <p:spPr>
+          <a:xfrm>
+            <a:off x="4371896" y="4612875"/>
+            <a:ext cx="580566" cy="1335641"/>
           </a:xfrm>
           <a:prstGeom prst="upArrow">
             <a:avLst/>
@@ -14418,52 +14840,6 @@
           </a:fillRef>
           <a:effectRef idx="0">
             <a:schemeClr val="accent1"/>
-          </a:effectRef>
-          <a:fontRef idx="minor">
-            <a:schemeClr val="lt1"/>
-          </a:fontRef>
-        </p:style>
-        <p:txBody>
-          <a:bodyPr rtlCol="0" anchor="ctr"/>
-          <a:lstStyle/>
-          <a:p>
-            <a:pPr algn="ctr"/>
-            <a:endParaRPr lang="zh-CN" altLang="en-US"/>
-          </a:p>
-        </p:txBody>
-      </p:sp>
-      <p:sp>
-        <p:nvSpPr>
-          <p:cNvPr id="12" name="箭头: 上 11">
-            <a:extLst>
-              <a:ext uri="{FF2B5EF4-FFF2-40B4-BE49-F238E27FC236}">
-                <a16:creationId xmlns:a16="http://schemas.microsoft.com/office/drawing/2014/main" id="{04FDBD06-FF5A-48D2-9E7E-9641BD5E65EA}"/>
-              </a:ext>
-            </a:extLst>
-          </p:cNvPr>
-          <p:cNvSpPr/>
-          <p:nvPr/>
-        </p:nvSpPr>
-        <p:spPr>
-          <a:xfrm>
-            <a:off x="5515113" y="2344644"/>
-            <a:ext cx="463124" cy="1358284"/>
-          </a:xfrm>
-          <a:prstGeom prst="upArrow">
-            <a:avLst/>
-          </a:prstGeom>
-        </p:spPr>
-        <p:style>
-          <a:lnRef idx="2">
-            <a:schemeClr val="accent2">
-              <a:shade val="50000"/>
-            </a:schemeClr>
-          </a:lnRef>
-          <a:fillRef idx="1">
-            <a:schemeClr val="accent2"/>
-          </a:fillRef>
-          <a:effectRef idx="0">
-            <a:schemeClr val="accent2"/>
           </a:effectRef>
           <a:fontRef idx="minor">
             <a:schemeClr val="lt1"/>

--- a/数据结构与算法/线性表/数据结构可视化辅助理解，便于代码开发.pptx
+++ b/数据结构与算法/线性表/数据结构可视化辅助理解，便于代码开发.pptx
@@ -301,7 +301,7 @@
           <a:p>
             <a:fld id="{00F45E2C-A052-4CA8-89FD-DA47DCEA70CB}" type="datetimeFigureOut">
               <a:rPr lang="zh-CN" altLang="en-US" smtClean="0"/>
-              <a:t>2019/7/2</a:t>
+              <a:t>2019/7/3</a:t>
             </a:fld>
             <a:endParaRPr lang="zh-CN" altLang="en-US"/>
           </a:p>
@@ -499,7 +499,7 @@
           <a:p>
             <a:fld id="{00F45E2C-A052-4CA8-89FD-DA47DCEA70CB}" type="datetimeFigureOut">
               <a:rPr lang="zh-CN" altLang="en-US" smtClean="0"/>
-              <a:t>2019/7/2</a:t>
+              <a:t>2019/7/3</a:t>
             </a:fld>
             <a:endParaRPr lang="zh-CN" altLang="en-US"/>
           </a:p>
@@ -707,7 +707,7 @@
           <a:p>
             <a:fld id="{00F45E2C-A052-4CA8-89FD-DA47DCEA70CB}" type="datetimeFigureOut">
               <a:rPr lang="zh-CN" altLang="en-US" smtClean="0"/>
-              <a:t>2019/7/2</a:t>
+              <a:t>2019/7/3</a:t>
             </a:fld>
             <a:endParaRPr lang="zh-CN" altLang="en-US"/>
           </a:p>
@@ -877,7 +877,7 @@
             <a:fld id="{00F45E2C-A052-4CA8-89FD-DA47DCEA70CB}" type="datetimeFigureOut">
               <a:rPr lang="zh-CN" altLang="en-US" smtClean="0"/>
               <a:pPr/>
-              <a:t>2019/7/2</a:t>
+              <a:t>2019/7/3</a:t>
             </a:fld>
             <a:endParaRPr lang="zh-CN" altLang="en-US"/>
           </a:p>
@@ -1305,7 +1305,7 @@
           <a:p>
             <a:fld id="{00F45E2C-A052-4CA8-89FD-DA47DCEA70CB}" type="datetimeFigureOut">
               <a:rPr lang="zh-CN" altLang="en-US" smtClean="0"/>
-              <a:t>2019/7/2</a:t>
+              <a:t>2019/7/3</a:t>
             </a:fld>
             <a:endParaRPr lang="zh-CN" altLang="en-US"/>
           </a:p>
@@ -1570,7 +1570,7 @@
           <a:p>
             <a:fld id="{00F45E2C-A052-4CA8-89FD-DA47DCEA70CB}" type="datetimeFigureOut">
               <a:rPr lang="zh-CN" altLang="en-US" smtClean="0"/>
-              <a:t>2019/7/2</a:t>
+              <a:t>2019/7/3</a:t>
             </a:fld>
             <a:endParaRPr lang="zh-CN" altLang="en-US"/>
           </a:p>
@@ -1982,7 +1982,7 @@
           <a:p>
             <a:fld id="{00F45E2C-A052-4CA8-89FD-DA47DCEA70CB}" type="datetimeFigureOut">
               <a:rPr lang="zh-CN" altLang="en-US" smtClean="0"/>
-              <a:t>2019/7/2</a:t>
+              <a:t>2019/7/3</a:t>
             </a:fld>
             <a:endParaRPr lang="zh-CN" altLang="en-US"/>
           </a:p>
@@ -2123,7 +2123,7 @@
           <a:p>
             <a:fld id="{00F45E2C-A052-4CA8-89FD-DA47DCEA70CB}" type="datetimeFigureOut">
               <a:rPr lang="zh-CN" altLang="en-US" smtClean="0"/>
-              <a:t>2019/7/2</a:t>
+              <a:t>2019/7/3</a:t>
             </a:fld>
             <a:endParaRPr lang="zh-CN" altLang="en-US"/>
           </a:p>
@@ -2236,7 +2236,7 @@
           <a:p>
             <a:fld id="{00F45E2C-A052-4CA8-89FD-DA47DCEA70CB}" type="datetimeFigureOut">
               <a:rPr lang="zh-CN" altLang="en-US" smtClean="0"/>
-              <a:t>2019/7/2</a:t>
+              <a:t>2019/7/3</a:t>
             </a:fld>
             <a:endParaRPr lang="zh-CN" altLang="en-US"/>
           </a:p>
@@ -2547,7 +2547,7 @@
           <a:p>
             <a:fld id="{00F45E2C-A052-4CA8-89FD-DA47DCEA70CB}" type="datetimeFigureOut">
               <a:rPr lang="zh-CN" altLang="en-US" smtClean="0"/>
-              <a:t>2019/7/2</a:t>
+              <a:t>2019/7/3</a:t>
             </a:fld>
             <a:endParaRPr lang="zh-CN" altLang="en-US"/>
           </a:p>
@@ -2835,7 +2835,7 @@
           <a:p>
             <a:fld id="{00F45E2C-A052-4CA8-89FD-DA47DCEA70CB}" type="datetimeFigureOut">
               <a:rPr lang="zh-CN" altLang="en-US" smtClean="0"/>
-              <a:t>2019/7/2</a:t>
+              <a:t>2019/7/3</a:t>
             </a:fld>
             <a:endParaRPr lang="zh-CN" altLang="en-US"/>
           </a:p>
@@ -3076,7 +3076,7 @@
           <a:p>
             <a:fld id="{00F45E2C-A052-4CA8-89FD-DA47DCEA70CB}" type="datetimeFigureOut">
               <a:rPr lang="zh-CN" altLang="en-US" smtClean="0"/>
-              <a:t>2019/7/2</a:t>
+              <a:t>2019/7/3</a:t>
             </a:fld>
             <a:endParaRPr lang="zh-CN" altLang="en-US"/>
           </a:p>
@@ -7779,7 +7779,7 @@
         </p:nvSpPr>
         <p:spPr>
           <a:xfrm>
-            <a:off x="4974627" y="1314634"/>
+            <a:off x="6939988" y="4367315"/>
             <a:ext cx="568171" cy="540152"/>
           </a:xfrm>
           <a:prstGeom prst="rect">
@@ -7839,7 +7839,7 @@
         </p:nvSpPr>
         <p:spPr>
           <a:xfrm>
-            <a:off x="5901777" y="1314634"/>
+            <a:off x="7867138" y="4367315"/>
             <a:ext cx="568171" cy="540152"/>
           </a:xfrm>
           <a:prstGeom prst="rect">
@@ -7899,7 +7899,7 @@
         </p:nvSpPr>
         <p:spPr>
           <a:xfrm>
-            <a:off x="6828927" y="1314634"/>
+            <a:off x="8794288" y="4367315"/>
             <a:ext cx="568171" cy="540152"/>
           </a:xfrm>
           <a:prstGeom prst="rect">
@@ -8019,7 +8019,7 @@
         </p:nvSpPr>
         <p:spPr>
           <a:xfrm>
-            <a:off x="4047477" y="1314634"/>
+            <a:off x="4331419" y="1300625"/>
             <a:ext cx="568171" cy="540152"/>
           </a:xfrm>
           <a:prstGeom prst="rect">
@@ -8079,7 +8079,7 @@
         </p:nvSpPr>
         <p:spPr>
           <a:xfrm>
-            <a:off x="7756077" y="1314634"/>
+            <a:off x="9721438" y="4367315"/>
             <a:ext cx="568171" cy="540152"/>
           </a:xfrm>
           <a:prstGeom prst="rect">
@@ -8400,7 +8400,7 @@
         </p:nvSpPr>
         <p:spPr>
           <a:xfrm>
-            <a:off x="1502765" y="4146315"/>
+            <a:off x="4331562" y="5542867"/>
             <a:ext cx="568171" cy="512134"/>
           </a:xfrm>
           <a:prstGeom prst="rect">
@@ -8462,7 +8462,7 @@
         </p:nvSpPr>
         <p:spPr>
           <a:xfrm rot="16200000">
-            <a:off x="3199674" y="5131788"/>
+            <a:off x="-16459" y="2286004"/>
             <a:ext cx="755679" cy="472945"/>
           </a:xfrm>
           <a:prstGeom prst="stripedRightArrow">
@@ -8508,7 +8508,7 @@
         </p:nvSpPr>
         <p:spPr>
           <a:xfrm rot="16200000">
-            <a:off x="1361398" y="5051923"/>
+            <a:off x="3118967" y="2142868"/>
             <a:ext cx="755679" cy="472945"/>
           </a:xfrm>
           <a:prstGeom prst="stripedRightArrow">
@@ -8554,7 +8554,7 @@
         </p:nvSpPr>
         <p:spPr>
           <a:xfrm>
-            <a:off x="2453589" y="4132306"/>
+            <a:off x="5282386" y="5528858"/>
             <a:ext cx="568171" cy="540152"/>
           </a:xfrm>
           <a:prstGeom prst="rect">
@@ -8616,7 +8616,7 @@
         </p:nvSpPr>
         <p:spPr>
           <a:xfrm>
-            <a:off x="3341041" y="4195850"/>
+            <a:off x="6169838" y="5592402"/>
             <a:ext cx="568171" cy="482798"/>
           </a:xfrm>
           <a:prstGeom prst="rect">
@@ -8678,7 +8678,7 @@
         </p:nvSpPr>
         <p:spPr>
           <a:xfrm>
-            <a:off x="2453588" y="4132306"/>
+            <a:off x="5282385" y="5528858"/>
             <a:ext cx="568171" cy="540152"/>
           </a:xfrm>
           <a:prstGeom prst="rect">

--- a/数据结构与算法/线性表/数据结构可视化辅助理解，便于代码开发.pptx
+++ b/数据结构与算法/线性表/数据结构可视化辅助理解，便于代码开发.pptx
@@ -7587,10 +7587,10 @@
       </p:sp>
       <p:sp>
         <p:nvSpPr>
-          <p:cNvPr id="5" name="矩形 4">
-            <a:extLst>
-              <a:ext uri="{FF2B5EF4-FFF2-40B4-BE49-F238E27FC236}">
-                <a16:creationId xmlns:a16="http://schemas.microsoft.com/office/drawing/2014/main" id="{264300FB-4B5D-4A15-B2C5-72104E5BEFC6}"/>
+          <p:cNvPr id="10" name="矩形 9">
+            <a:extLst>
+              <a:ext uri="{FF2B5EF4-FFF2-40B4-BE49-F238E27FC236}">
+                <a16:creationId xmlns:a16="http://schemas.microsoft.com/office/drawing/2014/main" id="{29C8CBFB-8A19-47E0-A241-BB1FA7B94576}"/>
               </a:ext>
             </a:extLst>
           </p:cNvPr>
@@ -7599,8 +7599,8 @@
         </p:nvSpPr>
         <p:spPr>
           <a:xfrm>
-            <a:off x="1266027" y="1349701"/>
-            <a:ext cx="568171" cy="470018"/>
+            <a:off x="8953509" y="1762866"/>
+            <a:ext cx="568171" cy="540152"/>
           </a:xfrm>
           <a:prstGeom prst="rect">
             <a:avLst/>
@@ -7608,16 +7608,18 @@
         </p:spPr>
         <p:style>
           <a:lnRef idx="2">
-            <a:schemeClr val="accent4"/>
+            <a:schemeClr val="accent5">
+              <a:shade val="50000"/>
+            </a:schemeClr>
           </a:lnRef>
           <a:fillRef idx="1">
-            <a:schemeClr val="lt1"/>
+            <a:schemeClr val="accent5"/>
           </a:fillRef>
           <a:effectRef idx="0">
-            <a:schemeClr val="accent4"/>
+            <a:schemeClr val="accent5"/>
           </a:effectRef>
           <a:fontRef idx="minor">
-            <a:schemeClr val="dk1"/>
+            <a:schemeClr val="lt1"/>
           </a:fontRef>
         </p:style>
         <p:txBody>
@@ -7633,7 +7635,7 @@
                 <a:latin typeface="Times New Roman" panose="02020603050405020304" pitchFamily="18" charset="0"/>
                 <a:cs typeface="Times New Roman" panose="02020603050405020304" pitchFamily="18" charset="0"/>
               </a:rPr>
-              <a:t>-10</a:t>
+              <a:t>5</a:t>
             </a:r>
             <a:endParaRPr lang="zh-CN" altLang="en-US">
               <a:solidFill>
@@ -7647,10 +7649,10 @@
       </p:sp>
       <p:sp>
         <p:nvSpPr>
-          <p:cNvPr id="8" name="矩形 7">
-            <a:extLst>
-              <a:ext uri="{FF2B5EF4-FFF2-40B4-BE49-F238E27FC236}">
-                <a16:creationId xmlns:a16="http://schemas.microsoft.com/office/drawing/2014/main" id="{A84BAC98-8294-47B7-9A5B-3DD3A2077C29}"/>
+          <p:cNvPr id="11" name="矩形 10">
+            <a:extLst>
+              <a:ext uri="{FF2B5EF4-FFF2-40B4-BE49-F238E27FC236}">
+                <a16:creationId xmlns:a16="http://schemas.microsoft.com/office/drawing/2014/main" id="{101A4E39-7BB5-4080-BB39-19BDDFE1C8A6}"/>
               </a:ext>
             </a:extLst>
           </p:cNvPr>
@@ -7659,7 +7661,7 @@
         </p:nvSpPr>
         <p:spPr>
           <a:xfrm>
-            <a:off x="2193177" y="1314634"/>
+            <a:off x="9824393" y="1762866"/>
             <a:ext cx="568171" cy="540152"/>
           </a:xfrm>
           <a:prstGeom prst="rect">
@@ -7668,16 +7670,18 @@
         </p:spPr>
         <p:style>
           <a:lnRef idx="2">
-            <a:schemeClr val="accent4"/>
+            <a:schemeClr val="accent5">
+              <a:shade val="50000"/>
+            </a:schemeClr>
           </a:lnRef>
           <a:fillRef idx="1">
-            <a:schemeClr val="lt1"/>
+            <a:schemeClr val="accent5"/>
           </a:fillRef>
           <a:effectRef idx="0">
-            <a:schemeClr val="accent4"/>
+            <a:schemeClr val="accent5"/>
           </a:effectRef>
           <a:fontRef idx="minor">
-            <a:schemeClr val="dk1"/>
+            <a:schemeClr val="lt1"/>
           </a:fontRef>
         </p:style>
         <p:txBody>
@@ -7693,7 +7697,7 @@
                 <a:latin typeface="Times New Roman" panose="02020603050405020304" pitchFamily="18" charset="0"/>
                 <a:cs typeface="Times New Roman" panose="02020603050405020304" pitchFamily="18" charset="0"/>
               </a:rPr>
-              <a:t>15</a:t>
+              <a:t>1</a:t>
             </a:r>
             <a:endParaRPr lang="zh-CN" altLang="en-US">
               <a:solidFill>
@@ -7707,10 +7711,10 @@
       </p:sp>
       <p:sp>
         <p:nvSpPr>
-          <p:cNvPr id="9" name="矩形 8">
-            <a:extLst>
-              <a:ext uri="{FF2B5EF4-FFF2-40B4-BE49-F238E27FC236}">
-                <a16:creationId xmlns:a16="http://schemas.microsoft.com/office/drawing/2014/main" id="{0E71EFE3-B9B5-45D2-9E0C-51FC38610C1D}"/>
+          <p:cNvPr id="35" name="矩形 34">
+            <a:extLst>
+              <a:ext uri="{FF2B5EF4-FFF2-40B4-BE49-F238E27FC236}">
+                <a16:creationId xmlns:a16="http://schemas.microsoft.com/office/drawing/2014/main" id="{17457BED-8963-4E79-9A97-B619B1FF5D9C}"/>
               </a:ext>
             </a:extLst>
           </p:cNvPr>
@@ -7719,8 +7723,8 @@
         </p:nvSpPr>
         <p:spPr>
           <a:xfrm>
-            <a:off x="338877" y="1328643"/>
-            <a:ext cx="568171" cy="512134"/>
+            <a:off x="1115580" y="1797933"/>
+            <a:ext cx="568171" cy="470018"/>
           </a:xfrm>
           <a:prstGeom prst="rect">
             <a:avLst/>
@@ -7728,16 +7732,18 @@
         </p:spPr>
         <p:style>
           <a:lnRef idx="2">
-            <a:schemeClr val="accent4"/>
+            <a:schemeClr val="accent5">
+              <a:shade val="50000"/>
+            </a:schemeClr>
           </a:lnRef>
           <a:fillRef idx="1">
-            <a:schemeClr val="lt1"/>
+            <a:schemeClr val="accent5"/>
           </a:fillRef>
           <a:effectRef idx="0">
-            <a:schemeClr val="accent4"/>
+            <a:schemeClr val="accent5"/>
           </a:effectRef>
           <a:fontRef idx="minor">
-            <a:schemeClr val="dk1"/>
+            <a:schemeClr val="lt1"/>
           </a:fontRef>
         </p:style>
         <p:txBody>
@@ -7753,7 +7759,7 @@
                 <a:latin typeface="Times New Roman" panose="02020603050405020304" pitchFamily="18" charset="0"/>
                 <a:cs typeface="Times New Roman" panose="02020603050405020304" pitchFamily="18" charset="0"/>
               </a:rPr>
-              <a:t>8</a:t>
+              <a:t>2</a:t>
             </a:r>
             <a:endParaRPr lang="zh-CN" altLang="en-US">
               <a:solidFill>
@@ -7767,10 +7773,10 @@
       </p:sp>
       <p:sp>
         <p:nvSpPr>
-          <p:cNvPr id="10" name="矩形 9">
-            <a:extLst>
-              <a:ext uri="{FF2B5EF4-FFF2-40B4-BE49-F238E27FC236}">
-                <a16:creationId xmlns:a16="http://schemas.microsoft.com/office/drawing/2014/main" id="{29C8CBFB-8A19-47E0-A241-BB1FA7B94576}"/>
+          <p:cNvPr id="36" name="矩形 35">
+            <a:extLst>
+              <a:ext uri="{FF2B5EF4-FFF2-40B4-BE49-F238E27FC236}">
+                <a16:creationId xmlns:a16="http://schemas.microsoft.com/office/drawing/2014/main" id="{5855095B-62BB-4A86-BAC6-30FC72608B4B}"/>
               </a:ext>
             </a:extLst>
           </p:cNvPr>
@@ -7779,8 +7785,8 @@
         </p:nvSpPr>
         <p:spPr>
           <a:xfrm>
-            <a:off x="6939988" y="4367315"/>
-            <a:ext cx="568171" cy="540152"/>
+            <a:off x="3728223" y="1776875"/>
+            <a:ext cx="568171" cy="512134"/>
           </a:xfrm>
           <a:prstGeom prst="rect">
             <a:avLst/>
@@ -7788,76 +7794,18 @@
         </p:spPr>
         <p:style>
           <a:lnRef idx="2">
-            <a:schemeClr val="accent4"/>
+            <a:schemeClr val="accent5">
+              <a:shade val="50000"/>
+            </a:schemeClr>
           </a:lnRef>
           <a:fillRef idx="1">
-            <a:schemeClr val="lt1"/>
+            <a:schemeClr val="accent5"/>
           </a:fillRef>
           <a:effectRef idx="0">
-            <a:schemeClr val="accent4"/>
+            <a:schemeClr val="accent5"/>
           </a:effectRef>
           <a:fontRef idx="minor">
-            <a:schemeClr val="dk1"/>
-          </a:fontRef>
-        </p:style>
-        <p:txBody>
-          <a:bodyPr rtlCol="0" anchor="ctr"/>
-          <a:lstStyle/>
-          <a:p>
-            <a:pPr algn="ctr"/>
-            <a:r>
-              <a:rPr lang="en-US" altLang="zh-CN">
-                <a:solidFill>
-                  <a:schemeClr val="tx1"/>
-                </a:solidFill>
-                <a:latin typeface="Times New Roman" panose="02020603050405020304" pitchFamily="18" charset="0"/>
-                <a:cs typeface="Times New Roman" panose="02020603050405020304" pitchFamily="18" charset="0"/>
-              </a:rPr>
-              <a:t>-25</a:t>
-            </a:r>
-            <a:endParaRPr lang="zh-CN" altLang="en-US">
-              <a:solidFill>
-                <a:schemeClr val="tx1"/>
-              </a:solidFill>
-              <a:latin typeface="Times New Roman" panose="02020603050405020304" pitchFamily="18" charset="0"/>
-              <a:cs typeface="Times New Roman" panose="02020603050405020304" pitchFamily="18" charset="0"/>
-            </a:endParaRPr>
-          </a:p>
-        </p:txBody>
-      </p:sp>
-      <p:sp>
-        <p:nvSpPr>
-          <p:cNvPr id="11" name="矩形 10">
-            <a:extLst>
-              <a:ext uri="{FF2B5EF4-FFF2-40B4-BE49-F238E27FC236}">
-                <a16:creationId xmlns:a16="http://schemas.microsoft.com/office/drawing/2014/main" id="{101A4E39-7BB5-4080-BB39-19BDDFE1C8A6}"/>
-              </a:ext>
-            </a:extLst>
-          </p:cNvPr>
-          <p:cNvSpPr/>
-          <p:nvPr/>
-        </p:nvSpPr>
-        <p:spPr>
-          <a:xfrm>
-            <a:off x="7867138" y="4367315"/>
-            <a:ext cx="568171" cy="540152"/>
-          </a:xfrm>
-          <a:prstGeom prst="rect">
-            <a:avLst/>
-          </a:prstGeom>
-        </p:spPr>
-        <p:style>
-          <a:lnRef idx="2">
-            <a:schemeClr val="accent4"/>
-          </a:lnRef>
-          <a:fillRef idx="1">
             <a:schemeClr val="lt1"/>
-          </a:fillRef>
-          <a:effectRef idx="0">
-            <a:schemeClr val="accent4"/>
-          </a:effectRef>
-          <a:fontRef idx="minor">
-            <a:schemeClr val="dk1"/>
           </a:fontRef>
         </p:style>
         <p:txBody>
@@ -7887,10 +7835,10 @@
       </p:sp>
       <p:sp>
         <p:nvSpPr>
-          <p:cNvPr id="12" name="矩形 11">
-            <a:extLst>
-              <a:ext uri="{FF2B5EF4-FFF2-40B4-BE49-F238E27FC236}">
-                <a16:creationId xmlns:a16="http://schemas.microsoft.com/office/drawing/2014/main" id="{6DC9E9AD-684B-4646-9B2C-DB3B045C0821}"/>
+          <p:cNvPr id="39" name="矩形 38">
+            <a:extLst>
+              <a:ext uri="{FF2B5EF4-FFF2-40B4-BE49-F238E27FC236}">
+                <a16:creationId xmlns:a16="http://schemas.microsoft.com/office/drawing/2014/main" id="{81747441-6AD9-4BD5-AD08-464285DFDF8B}"/>
               </a:ext>
             </a:extLst>
           </p:cNvPr>
@@ -7899,7 +7847,7 @@
         </p:nvSpPr>
         <p:spPr>
           <a:xfrm>
-            <a:off x="8794288" y="4367315"/>
+            <a:off x="7211747" y="1762866"/>
             <a:ext cx="568171" cy="540152"/>
           </a:xfrm>
           <a:prstGeom prst="rect">
@@ -7908,16 +7856,482 @@
         </p:spPr>
         <p:style>
           <a:lnRef idx="2">
-            <a:schemeClr val="accent4"/>
+            <a:schemeClr val="accent5">
+              <a:shade val="50000"/>
+            </a:schemeClr>
           </a:lnRef>
           <a:fillRef idx="1">
-            <a:schemeClr val="lt1"/>
+            <a:schemeClr val="accent5"/>
           </a:fillRef>
           <a:effectRef idx="0">
-            <a:schemeClr val="accent4"/>
+            <a:schemeClr val="accent5"/>
           </a:effectRef>
           <a:fontRef idx="minor">
-            <a:schemeClr val="dk1"/>
+            <a:schemeClr val="lt1"/>
+          </a:fontRef>
+        </p:style>
+        <p:txBody>
+          <a:bodyPr rtlCol="0" anchor="ctr"/>
+          <a:lstStyle/>
+          <a:p>
+            <a:pPr algn="ctr"/>
+            <a:r>
+              <a:rPr lang="en-US" altLang="zh-CN">
+                <a:solidFill>
+                  <a:schemeClr val="tx1"/>
+                </a:solidFill>
+                <a:latin typeface="Times New Roman" panose="02020603050405020304" pitchFamily="18" charset="0"/>
+                <a:cs typeface="Times New Roman" panose="02020603050405020304" pitchFamily="18" charset="0"/>
+              </a:rPr>
+              <a:t>30</a:t>
+            </a:r>
+            <a:endParaRPr lang="zh-CN" altLang="en-US">
+              <a:solidFill>
+                <a:schemeClr val="tx1"/>
+              </a:solidFill>
+              <a:latin typeface="Times New Roman" panose="02020603050405020304" pitchFamily="18" charset="0"/>
+              <a:cs typeface="Times New Roman" panose="02020603050405020304" pitchFamily="18" charset="0"/>
+            </a:endParaRPr>
+          </a:p>
+        </p:txBody>
+      </p:sp>
+      <p:sp>
+        <p:nvSpPr>
+          <p:cNvPr id="40" name="矩形 39">
+            <a:extLst>
+              <a:ext uri="{FF2B5EF4-FFF2-40B4-BE49-F238E27FC236}">
+                <a16:creationId xmlns:a16="http://schemas.microsoft.com/office/drawing/2014/main" id="{33C0750F-19AD-4090-9DDC-149B2FE3141D}"/>
+              </a:ext>
+            </a:extLst>
+          </p:cNvPr>
+          <p:cNvSpPr/>
+          <p:nvPr/>
+        </p:nvSpPr>
+        <p:spPr>
+          <a:xfrm>
+            <a:off x="8082628" y="1799916"/>
+            <a:ext cx="568171" cy="482798"/>
+          </a:xfrm>
+          <a:prstGeom prst="rect">
+            <a:avLst/>
+          </a:prstGeom>
+        </p:spPr>
+        <p:style>
+          <a:lnRef idx="2">
+            <a:schemeClr val="accent5">
+              <a:shade val="50000"/>
+            </a:schemeClr>
+          </a:lnRef>
+          <a:fillRef idx="1">
+            <a:schemeClr val="accent5"/>
+          </a:fillRef>
+          <a:effectRef idx="0">
+            <a:schemeClr val="accent5"/>
+          </a:effectRef>
+          <a:fontRef idx="minor">
+            <a:schemeClr val="lt1"/>
+          </a:fontRef>
+        </p:style>
+        <p:txBody>
+          <a:bodyPr rtlCol="0" anchor="ctr"/>
+          <a:lstStyle/>
+          <a:p>
+            <a:pPr algn="ctr"/>
+            <a:r>
+              <a:rPr lang="en-US" altLang="zh-CN">
+                <a:solidFill>
+                  <a:schemeClr val="tx1"/>
+                </a:solidFill>
+                <a:latin typeface="Times New Roman" panose="02020603050405020304" pitchFamily="18" charset="0"/>
+                <a:cs typeface="Times New Roman" panose="02020603050405020304" pitchFamily="18" charset="0"/>
+              </a:rPr>
+              <a:t>1</a:t>
+            </a:r>
+            <a:endParaRPr lang="zh-CN" altLang="en-US">
+              <a:solidFill>
+                <a:schemeClr val="tx1"/>
+              </a:solidFill>
+              <a:latin typeface="Times New Roman" panose="02020603050405020304" pitchFamily="18" charset="0"/>
+              <a:cs typeface="Times New Roman" panose="02020603050405020304" pitchFamily="18" charset="0"/>
+            </a:endParaRPr>
+          </a:p>
+        </p:txBody>
+      </p:sp>
+      <p:sp>
+        <p:nvSpPr>
+          <p:cNvPr id="45" name="矩形 44">
+            <a:extLst>
+              <a:ext uri="{FF2B5EF4-FFF2-40B4-BE49-F238E27FC236}">
+                <a16:creationId xmlns:a16="http://schemas.microsoft.com/office/drawing/2014/main" id="{AB903BB5-7FA5-441E-A3D7-B81FF73932C1}"/>
+              </a:ext>
+            </a:extLst>
+          </p:cNvPr>
+          <p:cNvSpPr/>
+          <p:nvPr/>
+        </p:nvSpPr>
+        <p:spPr>
+          <a:xfrm>
+            <a:off x="4599104" y="1762866"/>
+            <a:ext cx="568171" cy="540152"/>
+          </a:xfrm>
+          <a:prstGeom prst="rect">
+            <a:avLst/>
+          </a:prstGeom>
+        </p:spPr>
+        <p:style>
+          <a:lnRef idx="2">
+            <a:schemeClr val="accent5">
+              <a:shade val="50000"/>
+            </a:schemeClr>
+          </a:lnRef>
+          <a:fillRef idx="1">
+            <a:schemeClr val="accent5"/>
+          </a:fillRef>
+          <a:effectRef idx="0">
+            <a:schemeClr val="accent5"/>
+          </a:effectRef>
+          <a:fontRef idx="minor">
+            <a:schemeClr val="lt1"/>
+          </a:fontRef>
+        </p:style>
+        <p:txBody>
+          <a:bodyPr rtlCol="0" anchor="ctr"/>
+          <a:lstStyle/>
+          <a:p>
+            <a:pPr algn="ctr"/>
+            <a:r>
+              <a:rPr lang="en-US" altLang="zh-CN">
+                <a:solidFill>
+                  <a:schemeClr val="tx1"/>
+                </a:solidFill>
+                <a:latin typeface="Times New Roman" panose="02020603050405020304" pitchFamily="18" charset="0"/>
+                <a:cs typeface="Times New Roman" panose="02020603050405020304" pitchFamily="18" charset="0"/>
+              </a:rPr>
+              <a:t>1</a:t>
+            </a:r>
+            <a:endParaRPr lang="zh-CN" altLang="en-US">
+              <a:solidFill>
+                <a:schemeClr val="tx1"/>
+              </a:solidFill>
+              <a:latin typeface="Times New Roman" panose="02020603050405020304" pitchFamily="18" charset="0"/>
+              <a:cs typeface="Times New Roman" panose="02020603050405020304" pitchFamily="18" charset="0"/>
+            </a:endParaRPr>
+          </a:p>
+        </p:txBody>
+      </p:sp>
+      <p:sp>
+        <p:nvSpPr>
+          <p:cNvPr id="46" name="矩形 45">
+            <a:extLst>
+              <a:ext uri="{FF2B5EF4-FFF2-40B4-BE49-F238E27FC236}">
+                <a16:creationId xmlns:a16="http://schemas.microsoft.com/office/drawing/2014/main" id="{13F0423E-C37D-4B8A-AA21-3D7B301AEECF}"/>
+              </a:ext>
+            </a:extLst>
+          </p:cNvPr>
+          <p:cNvSpPr/>
+          <p:nvPr/>
+        </p:nvSpPr>
+        <p:spPr>
+          <a:xfrm>
+            <a:off x="244699" y="1762866"/>
+            <a:ext cx="568171" cy="540152"/>
+          </a:xfrm>
+          <a:prstGeom prst="rect">
+            <a:avLst/>
+          </a:prstGeom>
+        </p:spPr>
+        <p:style>
+          <a:lnRef idx="2">
+            <a:schemeClr val="accent5">
+              <a:shade val="50000"/>
+            </a:schemeClr>
+          </a:lnRef>
+          <a:fillRef idx="1">
+            <a:schemeClr val="accent5"/>
+          </a:fillRef>
+          <a:effectRef idx="0">
+            <a:schemeClr val="accent5"/>
+          </a:effectRef>
+          <a:fontRef idx="minor">
+            <a:schemeClr val="lt1"/>
+          </a:fontRef>
+        </p:style>
+        <p:txBody>
+          <a:bodyPr rtlCol="0" anchor="ctr"/>
+          <a:lstStyle/>
+          <a:p>
+            <a:pPr algn="ctr"/>
+            <a:r>
+              <a:rPr lang="en-US" altLang="zh-CN">
+                <a:solidFill>
+                  <a:schemeClr val="tx1"/>
+                </a:solidFill>
+                <a:latin typeface="Times New Roman" panose="02020603050405020304" pitchFamily="18" charset="0"/>
+                <a:cs typeface="Times New Roman" panose="02020603050405020304" pitchFamily="18" charset="0"/>
+              </a:rPr>
+              <a:t>1</a:t>
+            </a:r>
+            <a:endParaRPr lang="zh-CN" altLang="en-US">
+              <a:solidFill>
+                <a:schemeClr val="tx1"/>
+              </a:solidFill>
+              <a:latin typeface="Times New Roman" panose="02020603050405020304" pitchFamily="18" charset="0"/>
+              <a:cs typeface="Times New Roman" panose="02020603050405020304" pitchFamily="18" charset="0"/>
+            </a:endParaRPr>
+          </a:p>
+        </p:txBody>
+      </p:sp>
+      <p:sp>
+        <p:nvSpPr>
+          <p:cNvPr id="47" name="矩形 46">
+            <a:extLst>
+              <a:ext uri="{FF2B5EF4-FFF2-40B4-BE49-F238E27FC236}">
+                <a16:creationId xmlns:a16="http://schemas.microsoft.com/office/drawing/2014/main" id="{95A45B75-6FCB-4906-B49C-91B059BC69CC}"/>
+              </a:ext>
+            </a:extLst>
+          </p:cNvPr>
+          <p:cNvSpPr/>
+          <p:nvPr/>
+        </p:nvSpPr>
+        <p:spPr>
+          <a:xfrm>
+            <a:off x="1986461" y="1797933"/>
+            <a:ext cx="568171" cy="470018"/>
+          </a:xfrm>
+          <a:prstGeom prst="rect">
+            <a:avLst/>
+          </a:prstGeom>
+        </p:spPr>
+        <p:style>
+          <a:lnRef idx="2">
+            <a:schemeClr val="accent5">
+              <a:shade val="50000"/>
+            </a:schemeClr>
+          </a:lnRef>
+          <a:fillRef idx="1">
+            <a:schemeClr val="accent5"/>
+          </a:fillRef>
+          <a:effectRef idx="0">
+            <a:schemeClr val="accent5"/>
+          </a:effectRef>
+          <a:fontRef idx="minor">
+            <a:schemeClr val="lt1"/>
+          </a:fontRef>
+        </p:style>
+        <p:txBody>
+          <a:bodyPr rtlCol="0" anchor="ctr"/>
+          <a:lstStyle/>
+          <a:p>
+            <a:pPr algn="ctr"/>
+            <a:r>
+              <a:rPr lang="en-US" altLang="zh-CN">
+                <a:solidFill>
+                  <a:schemeClr val="tx1"/>
+                </a:solidFill>
+                <a:latin typeface="Times New Roman" panose="02020603050405020304" pitchFamily="18" charset="0"/>
+                <a:cs typeface="Times New Roman" panose="02020603050405020304" pitchFamily="18" charset="0"/>
+              </a:rPr>
+              <a:t>2</a:t>
+            </a:r>
+            <a:endParaRPr lang="zh-CN" altLang="en-US">
+              <a:solidFill>
+                <a:schemeClr val="tx1"/>
+              </a:solidFill>
+              <a:latin typeface="Times New Roman" panose="02020603050405020304" pitchFamily="18" charset="0"/>
+              <a:cs typeface="Times New Roman" panose="02020603050405020304" pitchFamily="18" charset="0"/>
+            </a:endParaRPr>
+          </a:p>
+        </p:txBody>
+      </p:sp>
+      <p:sp>
+        <p:nvSpPr>
+          <p:cNvPr id="51" name="矩形 50">
+            <a:extLst>
+              <a:ext uri="{FF2B5EF4-FFF2-40B4-BE49-F238E27FC236}">
+                <a16:creationId xmlns:a16="http://schemas.microsoft.com/office/drawing/2014/main" id="{00B206B0-E830-4F3A-BE32-F6A01C9723D8}"/>
+              </a:ext>
+            </a:extLst>
+          </p:cNvPr>
+          <p:cNvSpPr/>
+          <p:nvPr/>
+        </p:nvSpPr>
+        <p:spPr>
+          <a:xfrm>
+            <a:off x="2857342" y="1791543"/>
+            <a:ext cx="568171" cy="482798"/>
+          </a:xfrm>
+          <a:prstGeom prst="rect">
+            <a:avLst/>
+          </a:prstGeom>
+        </p:spPr>
+        <p:style>
+          <a:lnRef idx="2">
+            <a:schemeClr val="accent5">
+              <a:shade val="50000"/>
+            </a:schemeClr>
+          </a:lnRef>
+          <a:fillRef idx="1">
+            <a:schemeClr val="accent5"/>
+          </a:fillRef>
+          <a:effectRef idx="0">
+            <a:schemeClr val="accent5"/>
+          </a:effectRef>
+          <a:fontRef idx="minor">
+            <a:schemeClr val="lt1"/>
+          </a:fontRef>
+        </p:style>
+        <p:txBody>
+          <a:bodyPr rtlCol="0" anchor="ctr"/>
+          <a:lstStyle/>
+          <a:p>
+            <a:pPr algn="ctr"/>
+            <a:r>
+              <a:rPr lang="en-US" altLang="zh-CN">
+                <a:solidFill>
+                  <a:schemeClr val="tx1"/>
+                </a:solidFill>
+                <a:latin typeface="Times New Roman" panose="02020603050405020304" pitchFamily="18" charset="0"/>
+                <a:cs typeface="Times New Roman" panose="02020603050405020304" pitchFamily="18" charset="0"/>
+              </a:rPr>
+              <a:t>18</a:t>
+            </a:r>
+            <a:endParaRPr lang="zh-CN" altLang="en-US">
+              <a:solidFill>
+                <a:schemeClr val="tx1"/>
+              </a:solidFill>
+              <a:latin typeface="Times New Roman" panose="02020603050405020304" pitchFamily="18" charset="0"/>
+              <a:cs typeface="Times New Roman" panose="02020603050405020304" pitchFamily="18" charset="0"/>
+            </a:endParaRPr>
+          </a:p>
+        </p:txBody>
+      </p:sp>
+      <p:sp>
+        <p:nvSpPr>
+          <p:cNvPr id="3" name="箭头: 上 2">
+            <a:extLst>
+              <a:ext uri="{FF2B5EF4-FFF2-40B4-BE49-F238E27FC236}">
+                <a16:creationId xmlns:a16="http://schemas.microsoft.com/office/drawing/2014/main" id="{5DCF25D8-A71B-430A-A343-C009A8C1AAC6}"/>
+              </a:ext>
+            </a:extLst>
+          </p:cNvPr>
+          <p:cNvSpPr/>
+          <p:nvPr/>
+        </p:nvSpPr>
+        <p:spPr>
+          <a:xfrm>
+            <a:off x="8953509" y="2363029"/>
+            <a:ext cx="353582" cy="739066"/>
+          </a:xfrm>
+          <a:prstGeom prst="upArrow">
+            <a:avLst/>
+          </a:prstGeom>
+        </p:spPr>
+        <p:style>
+          <a:lnRef idx="2">
+            <a:schemeClr val="accent2">
+              <a:shade val="50000"/>
+            </a:schemeClr>
+          </a:lnRef>
+          <a:fillRef idx="1">
+            <a:schemeClr val="accent2"/>
+          </a:fillRef>
+          <a:effectRef idx="0">
+            <a:schemeClr val="accent2"/>
+          </a:effectRef>
+          <a:fontRef idx="minor">
+            <a:schemeClr val="lt1"/>
+          </a:fontRef>
+        </p:style>
+        <p:txBody>
+          <a:bodyPr rtlCol="0" anchor="ctr"/>
+          <a:lstStyle/>
+          <a:p>
+            <a:pPr algn="ctr"/>
+            <a:endParaRPr lang="zh-CN" altLang="en-US"/>
+          </a:p>
+        </p:txBody>
+      </p:sp>
+      <p:sp>
+        <p:nvSpPr>
+          <p:cNvPr id="44" name="箭头: 上 43">
+            <a:extLst>
+              <a:ext uri="{FF2B5EF4-FFF2-40B4-BE49-F238E27FC236}">
+                <a16:creationId xmlns:a16="http://schemas.microsoft.com/office/drawing/2014/main" id="{9014226A-7AF0-4E5B-A871-C97010801585}"/>
+              </a:ext>
+            </a:extLst>
+          </p:cNvPr>
+          <p:cNvSpPr/>
+          <p:nvPr/>
+        </p:nvSpPr>
+        <p:spPr>
+          <a:xfrm>
+            <a:off x="5473278" y="4032727"/>
+            <a:ext cx="353582" cy="739066"/>
+          </a:xfrm>
+          <a:prstGeom prst="upArrow">
+            <a:avLst/>
+          </a:prstGeom>
+        </p:spPr>
+        <p:style>
+          <a:lnRef idx="2">
+            <a:schemeClr val="accent2">
+              <a:shade val="50000"/>
+            </a:schemeClr>
+          </a:lnRef>
+          <a:fillRef idx="1">
+            <a:schemeClr val="accent2"/>
+          </a:fillRef>
+          <a:effectRef idx="0">
+            <a:schemeClr val="accent2"/>
+          </a:effectRef>
+          <a:fontRef idx="minor">
+            <a:schemeClr val="lt1"/>
+          </a:fontRef>
+        </p:style>
+        <p:txBody>
+          <a:bodyPr rtlCol="0" anchor="ctr"/>
+          <a:lstStyle/>
+          <a:p>
+            <a:pPr algn="ctr"/>
+            <a:endParaRPr lang="zh-CN" altLang="en-US"/>
+          </a:p>
+        </p:txBody>
+      </p:sp>
+      <p:sp>
+        <p:nvSpPr>
+          <p:cNvPr id="48" name="矩形 47">
+            <a:extLst>
+              <a:ext uri="{FF2B5EF4-FFF2-40B4-BE49-F238E27FC236}">
+                <a16:creationId xmlns:a16="http://schemas.microsoft.com/office/drawing/2014/main" id="{72FDDFE6-D782-4F4F-ABEB-B8682809E672}"/>
+              </a:ext>
+            </a:extLst>
+          </p:cNvPr>
+          <p:cNvSpPr/>
+          <p:nvPr/>
+        </p:nvSpPr>
+        <p:spPr>
+          <a:xfrm>
+            <a:off x="5469985" y="1724843"/>
+            <a:ext cx="568171" cy="540152"/>
+          </a:xfrm>
+          <a:prstGeom prst="rect">
+            <a:avLst/>
+          </a:prstGeom>
+        </p:spPr>
+        <p:style>
+          <a:lnRef idx="2">
+            <a:schemeClr val="accent5">
+              <a:shade val="50000"/>
+            </a:schemeClr>
+          </a:lnRef>
+          <a:fillRef idx="1">
+            <a:schemeClr val="accent5"/>
+          </a:fillRef>
+          <a:effectRef idx="0">
+            <a:schemeClr val="accent5"/>
+          </a:effectRef>
+          <a:fontRef idx="minor">
+            <a:schemeClr val="lt1"/>
           </a:fontRef>
         </p:style>
         <p:txBody>
@@ -7947,10 +8361,10 @@
       </p:sp>
       <p:sp>
         <p:nvSpPr>
-          <p:cNvPr id="13" name="矩形 12">
-            <a:extLst>
-              <a:ext uri="{FF2B5EF4-FFF2-40B4-BE49-F238E27FC236}">
-                <a16:creationId xmlns:a16="http://schemas.microsoft.com/office/drawing/2014/main" id="{DF5D2D6D-A445-4D8E-97AE-983AA2088188}"/>
+          <p:cNvPr id="49" name="矩形 48">
+            <a:extLst>
+              <a:ext uri="{FF2B5EF4-FFF2-40B4-BE49-F238E27FC236}">
+                <a16:creationId xmlns:a16="http://schemas.microsoft.com/office/drawing/2014/main" id="{14CD68B7-E9AF-4B3A-822C-698172C56955}"/>
               </a:ext>
             </a:extLst>
           </p:cNvPr>
@@ -7959,8 +8373,8 @@
         </p:nvSpPr>
         <p:spPr>
           <a:xfrm>
-            <a:off x="3120327" y="1343311"/>
-            <a:ext cx="568171" cy="482798"/>
+            <a:off x="6340866" y="1724843"/>
+            <a:ext cx="568171" cy="540152"/>
           </a:xfrm>
           <a:prstGeom prst="rect">
             <a:avLst/>
@@ -7968,394 +8382,15 @@
         </p:spPr>
         <p:style>
           <a:lnRef idx="2">
-            <a:schemeClr val="accent4"/>
-          </a:lnRef>
-          <a:fillRef idx="1">
-            <a:schemeClr val="lt1"/>
-          </a:fillRef>
-          <a:effectRef idx="0">
-            <a:schemeClr val="accent4"/>
-          </a:effectRef>
-          <a:fontRef idx="minor">
-            <a:schemeClr val="dk1"/>
-          </a:fontRef>
-        </p:style>
-        <p:txBody>
-          <a:bodyPr rtlCol="0" anchor="ctr"/>
-          <a:lstStyle/>
-          <a:p>
-            <a:pPr algn="ctr"/>
-            <a:r>
-              <a:rPr lang="en-US" altLang="zh-CN">
-                <a:solidFill>
-                  <a:schemeClr val="tx1"/>
-                </a:solidFill>
-                <a:latin typeface="Times New Roman" panose="02020603050405020304" pitchFamily="18" charset="0"/>
-                <a:cs typeface="Times New Roman" panose="02020603050405020304" pitchFamily="18" charset="0"/>
-              </a:rPr>
-              <a:t>-21</a:t>
-            </a:r>
-            <a:endParaRPr lang="zh-CN" altLang="en-US">
-              <a:solidFill>
-                <a:schemeClr val="tx1"/>
-              </a:solidFill>
-              <a:latin typeface="Times New Roman" panose="02020603050405020304" pitchFamily="18" charset="0"/>
-              <a:cs typeface="Times New Roman" panose="02020603050405020304" pitchFamily="18" charset="0"/>
-            </a:endParaRPr>
-          </a:p>
-        </p:txBody>
-      </p:sp>
-      <p:sp>
-        <p:nvSpPr>
-          <p:cNvPr id="14" name="矩形 13">
-            <a:extLst>
-              <a:ext uri="{FF2B5EF4-FFF2-40B4-BE49-F238E27FC236}">
-                <a16:creationId xmlns:a16="http://schemas.microsoft.com/office/drawing/2014/main" id="{E2C16E97-30D5-4FF2-A1AE-55E1A0545221}"/>
-              </a:ext>
-            </a:extLst>
-          </p:cNvPr>
-          <p:cNvSpPr/>
-          <p:nvPr/>
-        </p:nvSpPr>
-        <p:spPr>
-          <a:xfrm>
-            <a:off x="4331419" y="1300625"/>
-            <a:ext cx="568171" cy="540152"/>
-          </a:xfrm>
-          <a:prstGeom prst="rect">
-            <a:avLst/>
-          </a:prstGeom>
-        </p:spPr>
-        <p:style>
-          <a:lnRef idx="2">
-            <a:schemeClr val="accent4"/>
-          </a:lnRef>
-          <a:fillRef idx="1">
-            <a:schemeClr val="lt1"/>
-          </a:fillRef>
-          <a:effectRef idx="0">
-            <a:schemeClr val="accent4"/>
-          </a:effectRef>
-          <a:fontRef idx="minor">
-            <a:schemeClr val="dk1"/>
-          </a:fontRef>
-        </p:style>
-        <p:txBody>
-          <a:bodyPr rtlCol="0" anchor="ctr"/>
-          <a:lstStyle/>
-          <a:p>
-            <a:pPr algn="ctr"/>
-            <a:r>
-              <a:rPr lang="en-US" altLang="zh-CN">
-                <a:solidFill>
-                  <a:schemeClr val="tx1"/>
-                </a:solidFill>
-                <a:latin typeface="Times New Roman" panose="02020603050405020304" pitchFamily="18" charset="0"/>
-                <a:cs typeface="Times New Roman" panose="02020603050405020304" pitchFamily="18" charset="0"/>
-              </a:rPr>
-              <a:t>13</a:t>
-            </a:r>
-            <a:endParaRPr lang="zh-CN" altLang="en-US">
-              <a:solidFill>
-                <a:schemeClr val="tx1"/>
-              </a:solidFill>
-              <a:latin typeface="Times New Roman" panose="02020603050405020304" pitchFamily="18" charset="0"/>
-              <a:cs typeface="Times New Roman" panose="02020603050405020304" pitchFamily="18" charset="0"/>
-            </a:endParaRPr>
-          </a:p>
-        </p:txBody>
-      </p:sp>
-      <p:sp>
-        <p:nvSpPr>
-          <p:cNvPr id="15" name="矩形 14">
-            <a:extLst>
-              <a:ext uri="{FF2B5EF4-FFF2-40B4-BE49-F238E27FC236}">
-                <a16:creationId xmlns:a16="http://schemas.microsoft.com/office/drawing/2014/main" id="{AFC4177F-9376-4E1F-A440-6DF223520C66}"/>
-              </a:ext>
-            </a:extLst>
-          </p:cNvPr>
-          <p:cNvSpPr/>
-          <p:nvPr/>
-        </p:nvSpPr>
-        <p:spPr>
-          <a:xfrm>
-            <a:off x="9721438" y="4367315"/>
-            <a:ext cx="568171" cy="540152"/>
-          </a:xfrm>
-          <a:prstGeom prst="rect">
-            <a:avLst/>
-          </a:prstGeom>
-        </p:spPr>
-        <p:style>
-          <a:lnRef idx="2">
-            <a:schemeClr val="accent4"/>
-          </a:lnRef>
-          <a:fillRef idx="1">
-            <a:schemeClr val="lt1"/>
-          </a:fillRef>
-          <a:effectRef idx="0">
-            <a:schemeClr val="accent4"/>
-          </a:effectRef>
-          <a:fontRef idx="minor">
-            <a:schemeClr val="dk1"/>
-          </a:fontRef>
-        </p:style>
-        <p:txBody>
-          <a:bodyPr rtlCol="0" anchor="ctr"/>
-          <a:lstStyle/>
-          <a:p>
-            <a:pPr algn="ctr"/>
-            <a:r>
-              <a:rPr lang="en-US" altLang="zh-CN">
-                <a:solidFill>
-                  <a:schemeClr val="tx1"/>
-                </a:solidFill>
-                <a:latin typeface="Times New Roman" panose="02020603050405020304" pitchFamily="18" charset="0"/>
-                <a:cs typeface="Times New Roman" panose="02020603050405020304" pitchFamily="18" charset="0"/>
-              </a:rPr>
-              <a:t>54</a:t>
-            </a:r>
-            <a:endParaRPr lang="zh-CN" altLang="en-US">
-              <a:solidFill>
-                <a:schemeClr val="tx1"/>
-              </a:solidFill>
-              <a:latin typeface="Times New Roman" panose="02020603050405020304" pitchFamily="18" charset="0"/>
-              <a:cs typeface="Times New Roman" panose="02020603050405020304" pitchFamily="18" charset="0"/>
-            </a:endParaRPr>
-          </a:p>
-        </p:txBody>
-      </p:sp>
-      <p:sp>
-        <p:nvSpPr>
-          <p:cNvPr id="16" name="文本占位符 5">
-            <a:extLst>
-              <a:ext uri="{FF2B5EF4-FFF2-40B4-BE49-F238E27FC236}">
-                <a16:creationId xmlns:a16="http://schemas.microsoft.com/office/drawing/2014/main" id="{A71CB2D3-A591-495F-8D1F-4A8EC18FDB8C}"/>
-              </a:ext>
-            </a:extLst>
-          </p:cNvPr>
-          <p:cNvSpPr txBox="1">
-            <a:spLocks/>
-          </p:cNvSpPr>
-          <p:nvPr/>
-        </p:nvSpPr>
-        <p:spPr>
-          <a:xfrm>
-            <a:off x="8794288" y="3080551"/>
-            <a:ext cx="3397712" cy="629035"/>
-          </a:xfrm>
-          <a:prstGeom prst="rect">
-            <a:avLst/>
-          </a:prstGeom>
-        </p:spPr>
-        <p:txBody>
-          <a:bodyPr vert="horz" lIns="91440" tIns="45720" rIns="91440" bIns="45720" rtlCol="0">
-            <a:normAutofit/>
-          </a:bodyPr>
-          <a:lstStyle>
-            <a:lvl1pPr marL="228600" indent="-228600" algn="l" defTabSz="914400" rtl="0" eaLnBrk="1" latinLnBrk="0" hangingPunct="1">
-              <a:lnSpc>
-                <a:spcPct val="90000"/>
-              </a:lnSpc>
-              <a:spcBef>
-                <a:spcPts val="1000"/>
-              </a:spcBef>
-              <a:buFont typeface="Arial" panose="020B0604020202020204" pitchFamily="34" charset="0"/>
-              <a:buChar char="•"/>
-              <a:defRPr sz="1800" kern="1200" baseline="0">
-                <a:solidFill>
-                  <a:schemeClr val="tx1"/>
-                </a:solidFill>
-                <a:latin typeface="Times New Roman" panose="02020603050405020304" pitchFamily="18" charset="0"/>
-                <a:ea typeface="微软雅黑" panose="020B0503020204020204" pitchFamily="34" charset="-122"/>
-                <a:cs typeface="+mn-cs"/>
-              </a:defRPr>
-            </a:lvl1pPr>
-            <a:lvl2pPr marL="685800" indent="-228600" algn="l" defTabSz="914400" rtl="0" eaLnBrk="1" latinLnBrk="0" hangingPunct="1">
-              <a:lnSpc>
-                <a:spcPct val="90000"/>
-              </a:lnSpc>
-              <a:spcBef>
-                <a:spcPts val="500"/>
-              </a:spcBef>
-              <a:buFont typeface="Arial" panose="020B0604020202020204" pitchFamily="34" charset="0"/>
-              <a:buChar char="•"/>
-              <a:defRPr sz="1600" kern="1200" baseline="0">
-                <a:solidFill>
-                  <a:schemeClr val="tx1"/>
-                </a:solidFill>
-                <a:latin typeface="Times New Roman" panose="02020603050405020304" pitchFamily="18" charset="0"/>
-                <a:ea typeface="微软雅黑" panose="020B0503020204020204" pitchFamily="34" charset="-122"/>
-                <a:cs typeface="+mn-cs"/>
-              </a:defRPr>
-            </a:lvl2pPr>
-            <a:lvl3pPr marL="1143000" indent="-228600" algn="l" defTabSz="914400" rtl="0" eaLnBrk="1" latinLnBrk="0" hangingPunct="1">
-              <a:lnSpc>
-                <a:spcPct val="90000"/>
-              </a:lnSpc>
-              <a:spcBef>
-                <a:spcPts val="500"/>
-              </a:spcBef>
-              <a:buFont typeface="Arial" panose="020B0604020202020204" pitchFamily="34" charset="0"/>
-              <a:buChar char="•"/>
-              <a:defRPr sz="1400" kern="1200" baseline="0">
-                <a:solidFill>
-                  <a:schemeClr val="tx1"/>
-                </a:solidFill>
-                <a:latin typeface="Times New Roman" panose="02020603050405020304" pitchFamily="18" charset="0"/>
-                <a:ea typeface="微软雅黑" panose="020B0503020204020204" pitchFamily="34" charset="-122"/>
-                <a:cs typeface="+mn-cs"/>
-              </a:defRPr>
-            </a:lvl3pPr>
-            <a:lvl4pPr marL="1600200" indent="-228600" algn="l" defTabSz="914400" rtl="0" eaLnBrk="1" latinLnBrk="0" hangingPunct="1">
-              <a:lnSpc>
-                <a:spcPct val="90000"/>
-              </a:lnSpc>
-              <a:spcBef>
-                <a:spcPts val="500"/>
-              </a:spcBef>
-              <a:buFont typeface="Arial" panose="020B0604020202020204" pitchFamily="34" charset="0"/>
-              <a:buChar char="•"/>
-              <a:defRPr sz="1200" kern="1200" baseline="0">
-                <a:solidFill>
-                  <a:schemeClr val="tx1"/>
-                </a:solidFill>
-                <a:latin typeface="Times New Roman" panose="02020603050405020304" pitchFamily="18" charset="0"/>
-                <a:ea typeface="微软雅黑" panose="020B0503020204020204" pitchFamily="34" charset="-122"/>
-                <a:cs typeface="+mn-cs"/>
-              </a:defRPr>
-            </a:lvl4pPr>
-            <a:lvl5pPr marL="2057400" indent="-228600" algn="l" defTabSz="914400" rtl="0" eaLnBrk="1" latinLnBrk="0" hangingPunct="1">
-              <a:lnSpc>
-                <a:spcPct val="90000"/>
-              </a:lnSpc>
-              <a:spcBef>
-                <a:spcPts val="500"/>
-              </a:spcBef>
-              <a:buFont typeface="Arial" panose="020B0604020202020204" pitchFamily="34" charset="0"/>
-              <a:buChar char="•"/>
-              <a:defRPr sz="1200" kern="1200" baseline="0">
-                <a:solidFill>
-                  <a:schemeClr val="tx1"/>
-                </a:solidFill>
-                <a:latin typeface="Times New Roman" panose="02020603050405020304" pitchFamily="18" charset="0"/>
-                <a:ea typeface="微软雅黑" panose="020B0503020204020204" pitchFamily="34" charset="-122"/>
-                <a:cs typeface="+mn-cs"/>
-              </a:defRPr>
-            </a:lvl5pPr>
-            <a:lvl6pPr marL="2514600" indent="-228600" algn="l" defTabSz="914400" rtl="0" eaLnBrk="1" latinLnBrk="0" hangingPunct="1">
-              <a:lnSpc>
-                <a:spcPct val="90000"/>
-              </a:lnSpc>
-              <a:spcBef>
-                <a:spcPts val="500"/>
-              </a:spcBef>
-              <a:buFont typeface="Arial" panose="020B0604020202020204" pitchFamily="34" charset="0"/>
-              <a:buChar char="•"/>
-              <a:defRPr sz="1800" kern="1200">
-                <a:solidFill>
-                  <a:schemeClr val="tx1"/>
-                </a:solidFill>
-                <a:latin typeface="+mn-lt"/>
-                <a:ea typeface="+mn-ea"/>
-                <a:cs typeface="+mn-cs"/>
-              </a:defRPr>
-            </a:lvl6pPr>
-            <a:lvl7pPr marL="2971800" indent="-228600" algn="l" defTabSz="914400" rtl="0" eaLnBrk="1" latinLnBrk="0" hangingPunct="1">
-              <a:lnSpc>
-                <a:spcPct val="90000"/>
-              </a:lnSpc>
-              <a:spcBef>
-                <a:spcPts val="500"/>
-              </a:spcBef>
-              <a:buFont typeface="Arial" panose="020B0604020202020204" pitchFamily="34" charset="0"/>
-              <a:buChar char="•"/>
-              <a:defRPr sz="1800" kern="1200">
-                <a:solidFill>
-                  <a:schemeClr val="tx1"/>
-                </a:solidFill>
-                <a:latin typeface="+mn-lt"/>
-                <a:ea typeface="+mn-ea"/>
-                <a:cs typeface="+mn-cs"/>
-              </a:defRPr>
-            </a:lvl7pPr>
-            <a:lvl8pPr marL="3429000" indent="-228600" algn="l" defTabSz="914400" rtl="0" eaLnBrk="1" latinLnBrk="0" hangingPunct="1">
-              <a:lnSpc>
-                <a:spcPct val="90000"/>
-              </a:lnSpc>
-              <a:spcBef>
-                <a:spcPts val="500"/>
-              </a:spcBef>
-              <a:buFont typeface="Arial" panose="020B0604020202020204" pitchFamily="34" charset="0"/>
-              <a:buChar char="•"/>
-              <a:defRPr sz="1800" kern="1200">
-                <a:solidFill>
-                  <a:schemeClr val="tx1"/>
-                </a:solidFill>
-                <a:latin typeface="+mn-lt"/>
-                <a:ea typeface="+mn-ea"/>
-                <a:cs typeface="+mn-cs"/>
-              </a:defRPr>
-            </a:lvl8pPr>
-            <a:lvl9pPr marL="3886200" indent="-228600" algn="l" defTabSz="914400" rtl="0" eaLnBrk="1" latinLnBrk="0" hangingPunct="1">
-              <a:lnSpc>
-                <a:spcPct val="90000"/>
-              </a:lnSpc>
-              <a:spcBef>
-                <a:spcPts val="500"/>
-              </a:spcBef>
-              <a:buFont typeface="Arial" panose="020B0604020202020204" pitchFamily="34" charset="0"/>
-              <a:buChar char="•"/>
-              <a:defRPr sz="1800" kern="1200">
-                <a:solidFill>
-                  <a:schemeClr val="tx1"/>
-                </a:solidFill>
-                <a:latin typeface="+mn-lt"/>
-                <a:ea typeface="+mn-ea"/>
-                <a:cs typeface="+mn-cs"/>
-              </a:defRPr>
-            </a:lvl9pPr>
-          </a:lstStyle>
-          <a:p>
-            <a:pPr marL="0" indent="0">
-              <a:buNone/>
-            </a:pPr>
-            <a:endParaRPr lang="en-US" altLang="zh-CN" sz="1600"/>
-          </a:p>
-        </p:txBody>
-      </p:sp>
-      <p:sp>
-        <p:nvSpPr>
-          <p:cNvPr id="35" name="矩形 34">
-            <a:extLst>
-              <a:ext uri="{FF2B5EF4-FFF2-40B4-BE49-F238E27FC236}">
-                <a16:creationId xmlns:a16="http://schemas.microsoft.com/office/drawing/2014/main" id="{17457BED-8963-4E79-9A97-B619B1FF5D9C}"/>
-              </a:ext>
-            </a:extLst>
-          </p:cNvPr>
-          <p:cNvSpPr/>
-          <p:nvPr/>
-        </p:nvSpPr>
-        <p:spPr>
-          <a:xfrm>
-            <a:off x="551941" y="4167373"/>
-            <a:ext cx="568171" cy="470018"/>
-          </a:xfrm>
-          <a:prstGeom prst="rect">
-            <a:avLst/>
-          </a:prstGeom>
-        </p:spPr>
-        <p:style>
-          <a:lnRef idx="2">
-            <a:schemeClr val="accent4">
+            <a:schemeClr val="accent5">
               <a:shade val="50000"/>
             </a:schemeClr>
           </a:lnRef>
           <a:fillRef idx="1">
-            <a:schemeClr val="accent4"/>
+            <a:schemeClr val="accent5"/>
           </a:fillRef>
           <a:effectRef idx="0">
-            <a:schemeClr val="accent4"/>
+            <a:schemeClr val="accent5"/>
           </a:effectRef>
           <a:fontRef idx="minor">
             <a:schemeClr val="lt1"/>
@@ -8374,7 +8409,7 @@
                 <a:latin typeface="Times New Roman" panose="02020603050405020304" pitchFamily="18" charset="0"/>
                 <a:cs typeface="Times New Roman" panose="02020603050405020304" pitchFamily="18" charset="0"/>
               </a:rPr>
-              <a:t>2</a:t>
+              <a:t>10</a:t>
             </a:r>
             <a:endParaRPr lang="zh-CN" altLang="en-US">
               <a:solidFill>
@@ -8388,10 +8423,10 @@
       </p:sp>
       <p:sp>
         <p:nvSpPr>
-          <p:cNvPr id="36" name="矩形 35">
-            <a:extLst>
-              <a:ext uri="{FF2B5EF4-FFF2-40B4-BE49-F238E27FC236}">
-                <a16:creationId xmlns:a16="http://schemas.microsoft.com/office/drawing/2014/main" id="{5855095B-62BB-4A86-BAC6-30FC72608B4B}"/>
+          <p:cNvPr id="50" name="矩形 49">
+            <a:extLst>
+              <a:ext uri="{FF2B5EF4-FFF2-40B4-BE49-F238E27FC236}">
+                <a16:creationId xmlns:a16="http://schemas.microsoft.com/office/drawing/2014/main" id="{C1BE7982-886D-41D3-8DA0-07CD55772E34}"/>
               </a:ext>
             </a:extLst>
           </p:cNvPr>
@@ -8400,8 +8435,8 @@
         </p:nvSpPr>
         <p:spPr>
           <a:xfrm>
-            <a:off x="4331562" y="5542867"/>
-            <a:ext cx="568171" cy="512134"/>
+            <a:off x="8953509" y="3447472"/>
+            <a:ext cx="568171" cy="540152"/>
           </a:xfrm>
           <a:prstGeom prst="rect">
             <a:avLst/>
@@ -8409,15 +8444,15 @@
         </p:spPr>
         <p:style>
           <a:lnRef idx="2">
-            <a:schemeClr val="accent4">
+            <a:schemeClr val="accent5">
               <a:shade val="50000"/>
             </a:schemeClr>
           </a:lnRef>
           <a:fillRef idx="1">
-            <a:schemeClr val="accent4"/>
+            <a:schemeClr val="accent5"/>
           </a:fillRef>
           <a:effectRef idx="0">
-            <a:schemeClr val="accent4"/>
+            <a:schemeClr val="accent5"/>
           </a:effectRef>
           <a:fontRef idx="minor">
             <a:schemeClr val="lt1"/>
@@ -8436,7 +8471,7 @@
                 <a:latin typeface="Times New Roman" panose="02020603050405020304" pitchFamily="18" charset="0"/>
                 <a:cs typeface="Times New Roman" panose="02020603050405020304" pitchFamily="18" charset="0"/>
               </a:rPr>
-              <a:t>28</a:t>
+              <a:t>1</a:t>
             </a:r>
             <a:endParaRPr lang="zh-CN" altLang="en-US">
               <a:solidFill>
@@ -8450,10 +8485,10 @@
       </p:sp>
       <p:sp>
         <p:nvSpPr>
-          <p:cNvPr id="37" name="箭头: 虚尾 36">
-            <a:extLst>
-              <a:ext uri="{FF2B5EF4-FFF2-40B4-BE49-F238E27FC236}">
-                <a16:creationId xmlns:a16="http://schemas.microsoft.com/office/drawing/2014/main" id="{2679DF4C-2C60-4E39-AE62-1B59EDDFBD27}"/>
+          <p:cNvPr id="52" name="矩形 51">
+            <a:extLst>
+              <a:ext uri="{FF2B5EF4-FFF2-40B4-BE49-F238E27FC236}">
+                <a16:creationId xmlns:a16="http://schemas.microsoft.com/office/drawing/2014/main" id="{0E063B3B-D957-4C72-80EB-5E38651F832A}"/>
               </a:ext>
             </a:extLst>
           </p:cNvPr>
@@ -8461,25 +8496,25 @@
           <p:nvPr/>
         </p:nvSpPr>
         <p:spPr>
-          <a:xfrm rot="16200000">
-            <a:off x="-16459" y="2286004"/>
-            <a:ext cx="755679" cy="472945"/>
-          </a:xfrm>
-          <a:prstGeom prst="stripedRightArrow">
+          <a:xfrm>
+            <a:off x="8965829" y="5001064"/>
+            <a:ext cx="568171" cy="540152"/>
+          </a:xfrm>
+          <a:prstGeom prst="rect">
             <a:avLst/>
           </a:prstGeom>
         </p:spPr>
         <p:style>
           <a:lnRef idx="2">
-            <a:schemeClr val="accent1">
+            <a:schemeClr val="accent5">
               <a:shade val="50000"/>
             </a:schemeClr>
           </a:lnRef>
           <a:fillRef idx="1">
-            <a:schemeClr val="accent1"/>
+            <a:schemeClr val="accent5"/>
           </a:fillRef>
           <a:effectRef idx="0">
-            <a:schemeClr val="accent1"/>
+            <a:schemeClr val="accent5"/>
           </a:effectRef>
           <a:fontRef idx="minor">
             <a:schemeClr val="lt1"/>
@@ -8490,16 +8525,32 @@
           <a:lstStyle/>
           <a:p>
             <a:pPr algn="ctr"/>
-            <a:endParaRPr lang="zh-CN" altLang="en-US" dirty="0"/>
+            <a:r>
+              <a:rPr lang="en-US" altLang="zh-CN">
+                <a:solidFill>
+                  <a:schemeClr val="tx1"/>
+                </a:solidFill>
+                <a:latin typeface="Times New Roman" panose="02020603050405020304" pitchFamily="18" charset="0"/>
+                <a:cs typeface="Times New Roman" panose="02020603050405020304" pitchFamily="18" charset="0"/>
+              </a:rPr>
+              <a:t>2</a:t>
+            </a:r>
+            <a:endParaRPr lang="zh-CN" altLang="en-US">
+              <a:solidFill>
+                <a:schemeClr val="tx1"/>
+              </a:solidFill>
+              <a:latin typeface="Times New Roman" panose="02020603050405020304" pitchFamily="18" charset="0"/>
+              <a:cs typeface="Times New Roman" panose="02020603050405020304" pitchFamily="18" charset="0"/>
+            </a:endParaRPr>
           </a:p>
         </p:txBody>
       </p:sp>
       <p:sp>
         <p:nvSpPr>
-          <p:cNvPr id="38" name="箭头: 虚尾 37">
-            <a:extLst>
-              <a:ext uri="{FF2B5EF4-FFF2-40B4-BE49-F238E27FC236}">
-                <a16:creationId xmlns:a16="http://schemas.microsoft.com/office/drawing/2014/main" id="{02C7C737-910C-49AF-9431-20606110F6CE}"/>
+          <p:cNvPr id="53" name="矩形 52">
+            <a:extLst>
+              <a:ext uri="{FF2B5EF4-FFF2-40B4-BE49-F238E27FC236}">
+                <a16:creationId xmlns:a16="http://schemas.microsoft.com/office/drawing/2014/main" id="{284D4E18-395E-40BC-8F6B-013BEF0FC43E}"/>
               </a:ext>
             </a:extLst>
           </p:cNvPr>
@@ -8507,25 +8558,25 @@
           <p:nvPr/>
         </p:nvSpPr>
         <p:spPr>
-          <a:xfrm rot="16200000">
-            <a:off x="3118967" y="2142868"/>
-            <a:ext cx="755679" cy="472945"/>
-          </a:xfrm>
-          <a:prstGeom prst="stripedRightArrow">
+          <a:xfrm>
+            <a:off x="3728223" y="3461481"/>
+            <a:ext cx="568171" cy="512134"/>
+          </a:xfrm>
+          <a:prstGeom prst="rect">
             <a:avLst/>
           </a:prstGeom>
         </p:spPr>
         <p:style>
           <a:lnRef idx="2">
-            <a:schemeClr val="accent1">
+            <a:schemeClr val="accent5">
               <a:shade val="50000"/>
             </a:schemeClr>
           </a:lnRef>
           <a:fillRef idx="1">
-            <a:schemeClr val="accent1"/>
+            <a:schemeClr val="accent5"/>
           </a:fillRef>
           <a:effectRef idx="0">
-            <a:schemeClr val="accent1"/>
+            <a:schemeClr val="accent5"/>
           </a:effectRef>
           <a:fontRef idx="minor">
             <a:schemeClr val="lt1"/>
@@ -8536,16 +8587,32 @@
           <a:lstStyle/>
           <a:p>
             <a:pPr algn="ctr"/>
-            <a:endParaRPr lang="zh-CN" altLang="en-US" dirty="0"/>
+            <a:r>
+              <a:rPr lang="en-US" altLang="zh-CN">
+                <a:solidFill>
+                  <a:schemeClr val="tx1"/>
+                </a:solidFill>
+                <a:latin typeface="Times New Roman" panose="02020603050405020304" pitchFamily="18" charset="0"/>
+                <a:cs typeface="Times New Roman" panose="02020603050405020304" pitchFamily="18" charset="0"/>
+              </a:rPr>
+              <a:t>30</a:t>
+            </a:r>
+            <a:endParaRPr lang="zh-CN" altLang="en-US">
+              <a:solidFill>
+                <a:schemeClr val="tx1"/>
+              </a:solidFill>
+              <a:latin typeface="Times New Roman" panose="02020603050405020304" pitchFamily="18" charset="0"/>
+              <a:cs typeface="Times New Roman" panose="02020603050405020304" pitchFamily="18" charset="0"/>
+            </a:endParaRPr>
           </a:p>
         </p:txBody>
       </p:sp>
       <p:sp>
         <p:nvSpPr>
-          <p:cNvPr id="39" name="矩形 38">
-            <a:extLst>
-              <a:ext uri="{FF2B5EF4-FFF2-40B4-BE49-F238E27FC236}">
-                <a16:creationId xmlns:a16="http://schemas.microsoft.com/office/drawing/2014/main" id="{81747441-6AD9-4BD5-AD08-464285DFDF8B}"/>
+          <p:cNvPr id="54" name="矩形 53">
+            <a:extLst>
+              <a:ext uri="{FF2B5EF4-FFF2-40B4-BE49-F238E27FC236}">
+                <a16:creationId xmlns:a16="http://schemas.microsoft.com/office/drawing/2014/main" id="{63A15932-A503-4B84-85F3-F2169299EB62}"/>
               </a:ext>
             </a:extLst>
           </p:cNvPr>
@@ -8554,7 +8621,7 @@
         </p:nvSpPr>
         <p:spPr>
           <a:xfrm>
-            <a:off x="5282386" y="5528858"/>
+            <a:off x="7211747" y="3447472"/>
             <a:ext cx="568171" cy="540152"/>
           </a:xfrm>
           <a:prstGeom prst="rect">
@@ -8563,15 +8630,15 @@
         </p:spPr>
         <p:style>
           <a:lnRef idx="2">
-            <a:schemeClr val="accent6">
+            <a:schemeClr val="accent5">
               <a:shade val="50000"/>
             </a:schemeClr>
           </a:lnRef>
           <a:fillRef idx="1">
-            <a:schemeClr val="accent6"/>
+            <a:schemeClr val="accent5"/>
           </a:fillRef>
           <a:effectRef idx="0">
-            <a:schemeClr val="accent6"/>
+            <a:schemeClr val="accent5"/>
           </a:effectRef>
           <a:fontRef idx="minor">
             <a:schemeClr val="lt1"/>
@@ -8590,7 +8657,7 @@
                 <a:latin typeface="Times New Roman" panose="02020603050405020304" pitchFamily="18" charset="0"/>
                 <a:cs typeface="Times New Roman" panose="02020603050405020304" pitchFamily="18" charset="0"/>
               </a:rPr>
-              <a:t>1</a:t>
+              <a:t>30</a:t>
             </a:r>
             <a:endParaRPr lang="zh-CN" altLang="en-US">
               <a:solidFill>
@@ -8604,10 +8671,10 @@
       </p:sp>
       <p:sp>
         <p:nvSpPr>
-          <p:cNvPr id="40" name="矩形 39">
-            <a:extLst>
-              <a:ext uri="{FF2B5EF4-FFF2-40B4-BE49-F238E27FC236}">
-                <a16:creationId xmlns:a16="http://schemas.microsoft.com/office/drawing/2014/main" id="{33C0750F-19AD-4090-9DDC-149B2FE3141D}"/>
+          <p:cNvPr id="55" name="矩形 54">
+            <a:extLst>
+              <a:ext uri="{FF2B5EF4-FFF2-40B4-BE49-F238E27FC236}">
+                <a16:creationId xmlns:a16="http://schemas.microsoft.com/office/drawing/2014/main" id="{BF62EB68-9C6D-445D-AFBF-72077BEEA7A7}"/>
               </a:ext>
             </a:extLst>
           </p:cNvPr>
@@ -8616,7 +8683,7 @@
         </p:nvSpPr>
         <p:spPr>
           <a:xfrm>
-            <a:off x="6169838" y="5592402"/>
+            <a:off x="8082628" y="3476149"/>
             <a:ext cx="568171" cy="482798"/>
           </a:xfrm>
           <a:prstGeom prst="rect">
@@ -8625,15 +8692,15 @@
         </p:spPr>
         <p:style>
           <a:lnRef idx="2">
-            <a:schemeClr val="accent6">
+            <a:schemeClr val="accent5">
               <a:shade val="50000"/>
             </a:schemeClr>
           </a:lnRef>
           <a:fillRef idx="1">
-            <a:schemeClr val="accent6"/>
+            <a:schemeClr val="accent5"/>
           </a:fillRef>
           <a:effectRef idx="0">
-            <a:schemeClr val="accent6"/>
+            <a:schemeClr val="accent5"/>
           </a:effectRef>
           <a:fontRef idx="minor">
             <a:schemeClr val="lt1"/>
@@ -8652,7 +8719,7 @@
                 <a:latin typeface="Times New Roman" panose="02020603050405020304" pitchFamily="18" charset="0"/>
                 <a:cs typeface="Times New Roman" panose="02020603050405020304" pitchFamily="18" charset="0"/>
               </a:rPr>
-              <a:t>18</a:t>
+              <a:t>1</a:t>
             </a:r>
             <a:endParaRPr lang="zh-CN" altLang="en-US">
               <a:solidFill>
@@ -8666,10 +8733,10 @@
       </p:sp>
       <p:sp>
         <p:nvSpPr>
-          <p:cNvPr id="45" name="矩形 44">
-            <a:extLst>
-              <a:ext uri="{FF2B5EF4-FFF2-40B4-BE49-F238E27FC236}">
-                <a16:creationId xmlns:a16="http://schemas.microsoft.com/office/drawing/2014/main" id="{AB903BB5-7FA5-441E-A3D7-B81FF73932C1}"/>
+          <p:cNvPr id="56" name="矩形 55">
+            <a:extLst>
+              <a:ext uri="{FF2B5EF4-FFF2-40B4-BE49-F238E27FC236}">
+                <a16:creationId xmlns:a16="http://schemas.microsoft.com/office/drawing/2014/main" id="{4E872333-C3C8-4309-97EB-7D6A2344C860}"/>
               </a:ext>
             </a:extLst>
           </p:cNvPr>
@@ -8678,7 +8745,7 @@
         </p:nvSpPr>
         <p:spPr>
           <a:xfrm>
-            <a:off x="5282385" y="5528858"/>
+            <a:off x="4599104" y="3447472"/>
             <a:ext cx="568171" cy="540152"/>
           </a:xfrm>
           <a:prstGeom prst="rect">
@@ -8687,15 +8754,15 @@
         </p:spPr>
         <p:style>
           <a:lnRef idx="2">
-            <a:schemeClr val="accent6">
+            <a:schemeClr val="accent5">
               <a:shade val="50000"/>
             </a:schemeClr>
           </a:lnRef>
           <a:fillRef idx="1">
-            <a:schemeClr val="accent6"/>
+            <a:schemeClr val="accent5"/>
           </a:fillRef>
           <a:effectRef idx="0">
-            <a:schemeClr val="accent6"/>
+            <a:schemeClr val="accent5"/>
           </a:effectRef>
           <a:fontRef idx="minor">
             <a:schemeClr val="lt1"/>
@@ -8728,10 +8795,10 @@
       </p:sp>
       <p:sp>
         <p:nvSpPr>
-          <p:cNvPr id="46" name="矩形 45">
-            <a:extLst>
-              <a:ext uri="{FF2B5EF4-FFF2-40B4-BE49-F238E27FC236}">
-                <a16:creationId xmlns:a16="http://schemas.microsoft.com/office/drawing/2014/main" id="{13F0423E-C37D-4B8A-AA21-3D7B301AEECF}"/>
+          <p:cNvPr id="57" name="矩形 56">
+            <a:extLst>
+              <a:ext uri="{FF2B5EF4-FFF2-40B4-BE49-F238E27FC236}">
+                <a16:creationId xmlns:a16="http://schemas.microsoft.com/office/drawing/2014/main" id="{8C69491D-74E3-41C7-ACBF-CA5924C19510}"/>
               </a:ext>
             </a:extLst>
           </p:cNvPr>
@@ -8740,7 +8807,7 @@
         </p:nvSpPr>
         <p:spPr>
           <a:xfrm>
-            <a:off x="551940" y="6023632"/>
+            <a:off x="5469985" y="3409449"/>
             <a:ext cx="568171" cy="540152"/>
           </a:xfrm>
           <a:prstGeom prst="rect">
@@ -8749,15 +8816,15 @@
         </p:spPr>
         <p:style>
           <a:lnRef idx="2">
-            <a:schemeClr val="accent6">
+            <a:schemeClr val="accent5">
               <a:shade val="50000"/>
             </a:schemeClr>
           </a:lnRef>
           <a:fillRef idx="1">
-            <a:schemeClr val="accent6"/>
+            <a:schemeClr val="accent5"/>
           </a:fillRef>
           <a:effectRef idx="0">
-            <a:schemeClr val="accent6"/>
+            <a:schemeClr val="accent5"/>
           </a:effectRef>
           <a:fontRef idx="minor">
             <a:schemeClr val="lt1"/>
@@ -8776,7 +8843,7 @@
                 <a:latin typeface="Times New Roman" panose="02020603050405020304" pitchFamily="18" charset="0"/>
                 <a:cs typeface="Times New Roman" panose="02020603050405020304" pitchFamily="18" charset="0"/>
               </a:rPr>
-              <a:t>1</a:t>
+              <a:t>-64</a:t>
             </a:r>
             <a:endParaRPr lang="zh-CN" altLang="en-US">
               <a:solidFill>
@@ -8790,10 +8857,10 @@
       </p:sp>
       <p:sp>
         <p:nvSpPr>
-          <p:cNvPr id="47" name="矩形 46">
-            <a:extLst>
-              <a:ext uri="{FF2B5EF4-FFF2-40B4-BE49-F238E27FC236}">
-                <a16:creationId xmlns:a16="http://schemas.microsoft.com/office/drawing/2014/main" id="{95A45B75-6FCB-4906-B49C-91B059BC69CC}"/>
+          <p:cNvPr id="58" name="矩形 57">
+            <a:extLst>
+              <a:ext uri="{FF2B5EF4-FFF2-40B4-BE49-F238E27FC236}">
+                <a16:creationId xmlns:a16="http://schemas.microsoft.com/office/drawing/2014/main" id="{0FEE4EE5-F844-471B-9F73-6646E3BAFFF2}"/>
               </a:ext>
             </a:extLst>
           </p:cNvPr>
@@ -8802,8 +8869,8 @@
         </p:nvSpPr>
         <p:spPr>
           <a:xfrm>
-            <a:off x="1625006" y="6055963"/>
-            <a:ext cx="568171" cy="470018"/>
+            <a:off x="6340866" y="3409449"/>
+            <a:ext cx="568171" cy="540152"/>
           </a:xfrm>
           <a:prstGeom prst="rect">
             <a:avLst/>
@@ -8811,15 +8878,15 @@
         </p:spPr>
         <p:style>
           <a:lnRef idx="2">
-            <a:schemeClr val="accent4">
+            <a:schemeClr val="accent5">
               <a:shade val="50000"/>
             </a:schemeClr>
           </a:lnRef>
           <a:fillRef idx="1">
-            <a:schemeClr val="accent4"/>
+            <a:schemeClr val="accent5"/>
           </a:fillRef>
           <a:effectRef idx="0">
-            <a:schemeClr val="accent4"/>
+            <a:schemeClr val="accent5"/>
           </a:effectRef>
           <a:fontRef idx="minor">
             <a:schemeClr val="lt1"/>
@@ -8838,7 +8905,7 @@
                 <a:latin typeface="Times New Roman" panose="02020603050405020304" pitchFamily="18" charset="0"/>
                 <a:cs typeface="Times New Roman" panose="02020603050405020304" pitchFamily="18" charset="0"/>
               </a:rPr>
-              <a:t>2</a:t>
+              <a:t>10</a:t>
             </a:r>
             <a:endParaRPr lang="zh-CN" altLang="en-US">
               <a:solidFill>
@@ -8852,10 +8919,10 @@
       </p:sp>
       <p:sp>
         <p:nvSpPr>
-          <p:cNvPr id="51" name="矩形 50">
-            <a:extLst>
-              <a:ext uri="{FF2B5EF4-FFF2-40B4-BE49-F238E27FC236}">
-                <a16:creationId xmlns:a16="http://schemas.microsoft.com/office/drawing/2014/main" id="{00B206B0-E830-4F3A-BE32-F6A01C9723D8}"/>
+          <p:cNvPr id="59" name="矩形 58">
+            <a:extLst>
+              <a:ext uri="{FF2B5EF4-FFF2-40B4-BE49-F238E27FC236}">
+                <a16:creationId xmlns:a16="http://schemas.microsoft.com/office/drawing/2014/main" id="{E8E7528B-A767-4EFA-97E3-78139254C5D5}"/>
               </a:ext>
             </a:extLst>
           </p:cNvPr>
@@ -8864,8 +8931,8 @@
         </p:nvSpPr>
         <p:spPr>
           <a:xfrm>
-            <a:off x="2485983" y="6055963"/>
-            <a:ext cx="568171" cy="482798"/>
+            <a:off x="10580045" y="1818653"/>
+            <a:ext cx="568171" cy="470018"/>
           </a:xfrm>
           <a:prstGeom prst="rect">
             <a:avLst/>
@@ -8873,15 +8940,15 @@
         </p:spPr>
         <p:style>
           <a:lnRef idx="2">
-            <a:schemeClr val="accent6">
+            <a:schemeClr val="accent5">
               <a:shade val="50000"/>
             </a:schemeClr>
           </a:lnRef>
           <a:fillRef idx="1">
-            <a:schemeClr val="accent6"/>
+            <a:schemeClr val="accent5"/>
           </a:fillRef>
           <a:effectRef idx="0">
-            <a:schemeClr val="accent6"/>
+            <a:schemeClr val="accent5"/>
           </a:effectRef>
           <a:fontRef idx="minor">
             <a:schemeClr val="lt1"/>
@@ -8900,7 +8967,813 @@
                 <a:latin typeface="Times New Roman" panose="02020603050405020304" pitchFamily="18" charset="0"/>
                 <a:cs typeface="Times New Roman" panose="02020603050405020304" pitchFamily="18" charset="0"/>
               </a:rPr>
+              <a:t>2</a:t>
+            </a:r>
+            <a:endParaRPr lang="zh-CN" altLang="en-US">
+              <a:solidFill>
+                <a:schemeClr val="tx1"/>
+              </a:solidFill>
+              <a:latin typeface="Times New Roman" panose="02020603050405020304" pitchFamily="18" charset="0"/>
+              <a:cs typeface="Times New Roman" panose="02020603050405020304" pitchFamily="18" charset="0"/>
+            </a:endParaRPr>
+          </a:p>
+        </p:txBody>
+      </p:sp>
+      <p:sp>
+        <p:nvSpPr>
+          <p:cNvPr id="60" name="矩形 59">
+            <a:extLst>
+              <a:ext uri="{FF2B5EF4-FFF2-40B4-BE49-F238E27FC236}">
+                <a16:creationId xmlns:a16="http://schemas.microsoft.com/office/drawing/2014/main" id="{B4FD995C-7EBB-4023-9835-1A4F1E6F89C6}"/>
+              </a:ext>
+            </a:extLst>
+          </p:cNvPr>
+          <p:cNvSpPr/>
+          <p:nvPr/>
+        </p:nvSpPr>
+        <p:spPr>
+          <a:xfrm>
+            <a:off x="11450926" y="1812263"/>
+            <a:ext cx="568171" cy="482798"/>
+          </a:xfrm>
+          <a:prstGeom prst="rect">
+            <a:avLst/>
+          </a:prstGeom>
+        </p:spPr>
+        <p:style>
+          <a:lnRef idx="2">
+            <a:schemeClr val="accent5">
+              <a:shade val="50000"/>
+            </a:schemeClr>
+          </a:lnRef>
+          <a:fillRef idx="1">
+            <a:schemeClr val="accent5"/>
+          </a:fillRef>
+          <a:effectRef idx="0">
+            <a:schemeClr val="accent5"/>
+          </a:effectRef>
+          <a:fontRef idx="minor">
+            <a:schemeClr val="lt1"/>
+          </a:fontRef>
+        </p:style>
+        <p:txBody>
+          <a:bodyPr rtlCol="0" anchor="ctr"/>
+          <a:lstStyle/>
+          <a:p>
+            <a:pPr algn="ctr"/>
+            <a:r>
+              <a:rPr lang="en-US" altLang="zh-CN">
+                <a:solidFill>
+                  <a:schemeClr val="tx1"/>
+                </a:solidFill>
+                <a:latin typeface="Times New Roman" panose="02020603050405020304" pitchFamily="18" charset="0"/>
+                <a:cs typeface="Times New Roman" panose="02020603050405020304" pitchFamily="18" charset="0"/>
+              </a:rPr>
               <a:t>18</a:t>
+            </a:r>
+            <a:endParaRPr lang="zh-CN" altLang="en-US">
+              <a:solidFill>
+                <a:schemeClr val="tx1"/>
+              </a:solidFill>
+              <a:latin typeface="Times New Roman" panose="02020603050405020304" pitchFamily="18" charset="0"/>
+              <a:cs typeface="Times New Roman" panose="02020603050405020304" pitchFamily="18" charset="0"/>
+            </a:endParaRPr>
+          </a:p>
+        </p:txBody>
+      </p:sp>
+      <p:sp>
+        <p:nvSpPr>
+          <p:cNvPr id="61" name="矩形 60">
+            <a:extLst>
+              <a:ext uri="{FF2B5EF4-FFF2-40B4-BE49-F238E27FC236}">
+                <a16:creationId xmlns:a16="http://schemas.microsoft.com/office/drawing/2014/main" id="{8551ACF8-8DE7-473D-B099-2788B1B2FD22}"/>
+              </a:ext>
+            </a:extLst>
+          </p:cNvPr>
+          <p:cNvSpPr/>
+          <p:nvPr/>
+        </p:nvSpPr>
+        <p:spPr>
+          <a:xfrm>
+            <a:off x="5527829" y="5053833"/>
+            <a:ext cx="568171" cy="540152"/>
+          </a:xfrm>
+          <a:prstGeom prst="rect">
+            <a:avLst/>
+          </a:prstGeom>
+        </p:spPr>
+        <p:style>
+          <a:lnRef idx="2">
+            <a:schemeClr val="accent5">
+              <a:shade val="50000"/>
+            </a:schemeClr>
+          </a:lnRef>
+          <a:fillRef idx="1">
+            <a:schemeClr val="accent5"/>
+          </a:fillRef>
+          <a:effectRef idx="0">
+            <a:schemeClr val="accent5"/>
+          </a:effectRef>
+          <a:fontRef idx="minor">
+            <a:schemeClr val="lt1"/>
+          </a:fontRef>
+        </p:style>
+        <p:txBody>
+          <a:bodyPr rtlCol="0" anchor="ctr"/>
+          <a:lstStyle/>
+          <a:p>
+            <a:pPr algn="ctr"/>
+            <a:r>
+              <a:rPr lang="en-US" altLang="zh-CN">
+                <a:solidFill>
+                  <a:schemeClr val="tx1"/>
+                </a:solidFill>
+                <a:latin typeface="Times New Roman" panose="02020603050405020304" pitchFamily="18" charset="0"/>
+                <a:cs typeface="Times New Roman" panose="02020603050405020304" pitchFamily="18" charset="0"/>
+              </a:rPr>
+              <a:t>0</a:t>
+            </a:r>
+            <a:endParaRPr lang="zh-CN" altLang="en-US">
+              <a:solidFill>
+                <a:schemeClr val="tx1"/>
+              </a:solidFill>
+              <a:latin typeface="Times New Roman" panose="02020603050405020304" pitchFamily="18" charset="0"/>
+              <a:cs typeface="Times New Roman" panose="02020603050405020304" pitchFamily="18" charset="0"/>
+            </a:endParaRPr>
+          </a:p>
+        </p:txBody>
+      </p:sp>
+      <p:sp>
+        <p:nvSpPr>
+          <p:cNvPr id="62" name="矩形 61">
+            <a:extLst>
+              <a:ext uri="{FF2B5EF4-FFF2-40B4-BE49-F238E27FC236}">
+                <a16:creationId xmlns:a16="http://schemas.microsoft.com/office/drawing/2014/main" id="{E6974A43-F736-4F2F-A83F-CF7C900A7112}"/>
+              </a:ext>
+            </a:extLst>
+          </p:cNvPr>
+          <p:cNvSpPr/>
+          <p:nvPr/>
+        </p:nvSpPr>
+        <p:spPr>
+          <a:xfrm>
+            <a:off x="3728222" y="5039014"/>
+            <a:ext cx="568171" cy="540152"/>
+          </a:xfrm>
+          <a:prstGeom prst="rect">
+            <a:avLst/>
+          </a:prstGeom>
+        </p:spPr>
+        <p:style>
+          <a:lnRef idx="2">
+            <a:schemeClr val="accent5">
+              <a:shade val="50000"/>
+            </a:schemeClr>
+          </a:lnRef>
+          <a:fillRef idx="1">
+            <a:schemeClr val="accent5"/>
+          </a:fillRef>
+          <a:effectRef idx="0">
+            <a:schemeClr val="accent5"/>
+          </a:effectRef>
+          <a:fontRef idx="minor">
+            <a:schemeClr val="lt1"/>
+          </a:fontRef>
+        </p:style>
+        <p:txBody>
+          <a:bodyPr rtlCol="0" anchor="ctr"/>
+          <a:lstStyle/>
+          <a:p>
+            <a:pPr algn="ctr"/>
+            <a:r>
+              <a:rPr lang="en-US" altLang="zh-CN">
+                <a:solidFill>
+                  <a:schemeClr val="tx1"/>
+                </a:solidFill>
+                <a:latin typeface="Times New Roman" panose="02020603050405020304" pitchFamily="18" charset="0"/>
+                <a:cs typeface="Times New Roman" panose="02020603050405020304" pitchFamily="18" charset="0"/>
+              </a:rPr>
+              <a:t>-1</a:t>
+            </a:r>
+            <a:endParaRPr lang="zh-CN" altLang="en-US">
+              <a:solidFill>
+                <a:schemeClr val="tx1"/>
+              </a:solidFill>
+              <a:latin typeface="Times New Roman" panose="02020603050405020304" pitchFamily="18" charset="0"/>
+              <a:cs typeface="Times New Roman" panose="02020603050405020304" pitchFamily="18" charset="0"/>
+            </a:endParaRPr>
+          </a:p>
+        </p:txBody>
+      </p:sp>
+      <p:sp>
+        <p:nvSpPr>
+          <p:cNvPr id="63" name="矩形 62">
+            <a:extLst>
+              <a:ext uri="{FF2B5EF4-FFF2-40B4-BE49-F238E27FC236}">
+                <a16:creationId xmlns:a16="http://schemas.microsoft.com/office/drawing/2014/main" id="{4EDC13B7-E966-491B-BA5D-8EAAC753144D}"/>
+              </a:ext>
+            </a:extLst>
+          </p:cNvPr>
+          <p:cNvSpPr/>
+          <p:nvPr/>
+        </p:nvSpPr>
+        <p:spPr>
+          <a:xfrm>
+            <a:off x="4652605" y="5037286"/>
+            <a:ext cx="568171" cy="540152"/>
+          </a:xfrm>
+          <a:prstGeom prst="rect">
+            <a:avLst/>
+          </a:prstGeom>
+        </p:spPr>
+        <p:style>
+          <a:lnRef idx="2">
+            <a:schemeClr val="accent5">
+              <a:shade val="50000"/>
+            </a:schemeClr>
+          </a:lnRef>
+          <a:fillRef idx="1">
+            <a:schemeClr val="accent5"/>
+          </a:fillRef>
+          <a:effectRef idx="0">
+            <a:schemeClr val="accent5"/>
+          </a:effectRef>
+          <a:fontRef idx="minor">
+            <a:schemeClr val="lt1"/>
+          </a:fontRef>
+        </p:style>
+        <p:txBody>
+          <a:bodyPr rtlCol="0" anchor="ctr"/>
+          <a:lstStyle/>
+          <a:p>
+            <a:pPr algn="ctr"/>
+            <a:r>
+              <a:rPr lang="en-US" altLang="zh-CN">
+                <a:solidFill>
+                  <a:schemeClr val="tx1"/>
+                </a:solidFill>
+                <a:latin typeface="Times New Roman" panose="02020603050405020304" pitchFamily="18" charset="0"/>
+                <a:cs typeface="Times New Roman" panose="02020603050405020304" pitchFamily="18" charset="0"/>
+              </a:rPr>
+              <a:t>0</a:t>
+            </a:r>
+            <a:endParaRPr lang="zh-CN" altLang="en-US">
+              <a:solidFill>
+                <a:schemeClr val="tx1"/>
+              </a:solidFill>
+              <a:latin typeface="Times New Roman" panose="02020603050405020304" pitchFamily="18" charset="0"/>
+              <a:cs typeface="Times New Roman" panose="02020603050405020304" pitchFamily="18" charset="0"/>
+            </a:endParaRPr>
+          </a:p>
+        </p:txBody>
+      </p:sp>
+      <p:sp>
+        <p:nvSpPr>
+          <p:cNvPr id="64" name="矩形 63">
+            <a:extLst>
+              <a:ext uri="{FF2B5EF4-FFF2-40B4-BE49-F238E27FC236}">
+                <a16:creationId xmlns:a16="http://schemas.microsoft.com/office/drawing/2014/main" id="{73767352-A829-448F-9D29-CD04015F7187}"/>
+              </a:ext>
+            </a:extLst>
+          </p:cNvPr>
+          <p:cNvSpPr/>
+          <p:nvPr/>
+        </p:nvSpPr>
+        <p:spPr>
+          <a:xfrm>
+            <a:off x="547409" y="3388246"/>
+            <a:ext cx="568171" cy="540152"/>
+          </a:xfrm>
+          <a:prstGeom prst="rect">
+            <a:avLst/>
+          </a:prstGeom>
+        </p:spPr>
+        <p:style>
+          <a:lnRef idx="2">
+            <a:schemeClr val="accent5">
+              <a:shade val="50000"/>
+            </a:schemeClr>
+          </a:lnRef>
+          <a:fillRef idx="1">
+            <a:schemeClr val="accent5"/>
+          </a:fillRef>
+          <a:effectRef idx="0">
+            <a:schemeClr val="accent5"/>
+          </a:effectRef>
+          <a:fontRef idx="minor">
+            <a:schemeClr val="lt1"/>
+          </a:fontRef>
+        </p:style>
+        <p:txBody>
+          <a:bodyPr rtlCol="0" anchor="ctr"/>
+          <a:lstStyle/>
+          <a:p>
+            <a:pPr algn="ctr"/>
+            <a:r>
+              <a:rPr lang="en-US" altLang="zh-CN">
+                <a:solidFill>
+                  <a:schemeClr val="tx1"/>
+                </a:solidFill>
+                <a:latin typeface="Times New Roman" panose="02020603050405020304" pitchFamily="18" charset="0"/>
+                <a:cs typeface="Times New Roman" panose="02020603050405020304" pitchFamily="18" charset="0"/>
+              </a:rPr>
+              <a:t>0</a:t>
+            </a:r>
+            <a:endParaRPr lang="zh-CN" altLang="en-US">
+              <a:solidFill>
+                <a:schemeClr val="tx1"/>
+              </a:solidFill>
+              <a:latin typeface="Times New Roman" panose="02020603050405020304" pitchFamily="18" charset="0"/>
+              <a:cs typeface="Times New Roman" panose="02020603050405020304" pitchFamily="18" charset="0"/>
+            </a:endParaRPr>
+          </a:p>
+        </p:txBody>
+      </p:sp>
+      <p:sp>
+        <p:nvSpPr>
+          <p:cNvPr id="65" name="矩形 64">
+            <a:extLst>
+              <a:ext uri="{FF2B5EF4-FFF2-40B4-BE49-F238E27FC236}">
+                <a16:creationId xmlns:a16="http://schemas.microsoft.com/office/drawing/2014/main" id="{E62BF0DD-CBE5-4B52-8A2E-15EE547F4243}"/>
+              </a:ext>
+            </a:extLst>
+          </p:cNvPr>
+          <p:cNvSpPr/>
+          <p:nvPr/>
+        </p:nvSpPr>
+        <p:spPr>
+          <a:xfrm>
+            <a:off x="517854" y="4231641"/>
+            <a:ext cx="568171" cy="540152"/>
+          </a:xfrm>
+          <a:prstGeom prst="rect">
+            <a:avLst/>
+          </a:prstGeom>
+        </p:spPr>
+        <p:style>
+          <a:lnRef idx="2">
+            <a:schemeClr val="accent5">
+              <a:shade val="50000"/>
+            </a:schemeClr>
+          </a:lnRef>
+          <a:fillRef idx="1">
+            <a:schemeClr val="accent5"/>
+          </a:fillRef>
+          <a:effectRef idx="0">
+            <a:schemeClr val="accent5"/>
+          </a:effectRef>
+          <a:fontRef idx="minor">
+            <a:schemeClr val="lt1"/>
+          </a:fontRef>
+        </p:style>
+        <p:txBody>
+          <a:bodyPr rtlCol="0" anchor="ctr"/>
+          <a:lstStyle/>
+          <a:p>
+            <a:pPr algn="ctr"/>
+            <a:r>
+              <a:rPr lang="en-US" altLang="zh-CN">
+                <a:solidFill>
+                  <a:schemeClr val="tx1"/>
+                </a:solidFill>
+                <a:latin typeface="Times New Roman" panose="02020603050405020304" pitchFamily="18" charset="0"/>
+                <a:cs typeface="Times New Roman" panose="02020603050405020304" pitchFamily="18" charset="0"/>
+              </a:rPr>
+              <a:t>0</a:t>
+            </a:r>
+            <a:endParaRPr lang="zh-CN" altLang="en-US">
+              <a:solidFill>
+                <a:schemeClr val="tx1"/>
+              </a:solidFill>
+              <a:latin typeface="Times New Roman" panose="02020603050405020304" pitchFamily="18" charset="0"/>
+              <a:cs typeface="Times New Roman" panose="02020603050405020304" pitchFamily="18" charset="0"/>
+            </a:endParaRPr>
+          </a:p>
+        </p:txBody>
+      </p:sp>
+      <p:sp>
+        <p:nvSpPr>
+          <p:cNvPr id="66" name="矩形 65">
+            <a:extLst>
+              <a:ext uri="{FF2B5EF4-FFF2-40B4-BE49-F238E27FC236}">
+                <a16:creationId xmlns:a16="http://schemas.microsoft.com/office/drawing/2014/main" id="{F7DE8238-6336-4034-872E-2AE1B2676839}"/>
+              </a:ext>
+            </a:extLst>
+          </p:cNvPr>
+          <p:cNvSpPr/>
+          <p:nvPr/>
+        </p:nvSpPr>
+        <p:spPr>
+          <a:xfrm>
+            <a:off x="517853" y="5001064"/>
+            <a:ext cx="568171" cy="540152"/>
+          </a:xfrm>
+          <a:prstGeom prst="rect">
+            <a:avLst/>
+          </a:prstGeom>
+        </p:spPr>
+        <p:style>
+          <a:lnRef idx="2">
+            <a:schemeClr val="accent5">
+              <a:shade val="50000"/>
+            </a:schemeClr>
+          </a:lnRef>
+          <a:fillRef idx="1">
+            <a:schemeClr val="accent5"/>
+          </a:fillRef>
+          <a:effectRef idx="0">
+            <a:schemeClr val="accent5"/>
+          </a:effectRef>
+          <a:fontRef idx="minor">
+            <a:schemeClr val="lt1"/>
+          </a:fontRef>
+        </p:style>
+        <p:txBody>
+          <a:bodyPr rtlCol="0" anchor="ctr"/>
+          <a:lstStyle/>
+          <a:p>
+            <a:pPr algn="ctr"/>
+            <a:r>
+              <a:rPr lang="en-US" altLang="zh-CN">
+                <a:solidFill>
+                  <a:schemeClr val="tx1"/>
+                </a:solidFill>
+                <a:latin typeface="Times New Roman" panose="02020603050405020304" pitchFamily="18" charset="0"/>
+                <a:cs typeface="Times New Roman" panose="02020603050405020304" pitchFamily="18" charset="0"/>
+              </a:rPr>
+              <a:t>0</a:t>
+            </a:r>
+            <a:endParaRPr lang="zh-CN" altLang="en-US">
+              <a:solidFill>
+                <a:schemeClr val="tx1"/>
+              </a:solidFill>
+              <a:latin typeface="Times New Roman" panose="02020603050405020304" pitchFamily="18" charset="0"/>
+              <a:cs typeface="Times New Roman" panose="02020603050405020304" pitchFamily="18" charset="0"/>
+            </a:endParaRPr>
+          </a:p>
+        </p:txBody>
+      </p:sp>
+      <p:sp>
+        <p:nvSpPr>
+          <p:cNvPr id="67" name="矩形 66">
+            <a:extLst>
+              <a:ext uri="{FF2B5EF4-FFF2-40B4-BE49-F238E27FC236}">
+                <a16:creationId xmlns:a16="http://schemas.microsoft.com/office/drawing/2014/main" id="{287B0B74-334A-484A-933B-3F3D41C4E60B}"/>
+              </a:ext>
+            </a:extLst>
+          </p:cNvPr>
+          <p:cNvSpPr/>
+          <p:nvPr/>
+        </p:nvSpPr>
+        <p:spPr>
+          <a:xfrm>
+            <a:off x="517852" y="5857021"/>
+            <a:ext cx="568171" cy="540152"/>
+          </a:xfrm>
+          <a:prstGeom prst="rect">
+            <a:avLst/>
+          </a:prstGeom>
+        </p:spPr>
+        <p:style>
+          <a:lnRef idx="2">
+            <a:schemeClr val="accent5">
+              <a:shade val="50000"/>
+            </a:schemeClr>
+          </a:lnRef>
+          <a:fillRef idx="1">
+            <a:schemeClr val="accent5"/>
+          </a:fillRef>
+          <a:effectRef idx="0">
+            <a:schemeClr val="accent5"/>
+          </a:effectRef>
+          <a:fontRef idx="minor">
+            <a:schemeClr val="lt1"/>
+          </a:fontRef>
+        </p:style>
+        <p:txBody>
+          <a:bodyPr rtlCol="0" anchor="ctr"/>
+          <a:lstStyle/>
+          <a:p>
+            <a:pPr algn="ctr"/>
+            <a:r>
+              <a:rPr lang="en-US" altLang="zh-CN">
+                <a:solidFill>
+                  <a:schemeClr val="tx1"/>
+                </a:solidFill>
+                <a:latin typeface="Times New Roman" panose="02020603050405020304" pitchFamily="18" charset="0"/>
+                <a:cs typeface="Times New Roman" panose="02020603050405020304" pitchFamily="18" charset="0"/>
+              </a:rPr>
+              <a:t>0</a:t>
+            </a:r>
+            <a:endParaRPr lang="zh-CN" altLang="en-US">
+              <a:solidFill>
+                <a:schemeClr val="tx1"/>
+              </a:solidFill>
+              <a:latin typeface="Times New Roman" panose="02020603050405020304" pitchFamily="18" charset="0"/>
+              <a:cs typeface="Times New Roman" panose="02020603050405020304" pitchFamily="18" charset="0"/>
+            </a:endParaRPr>
+          </a:p>
+        </p:txBody>
+      </p:sp>
+      <p:sp>
+        <p:nvSpPr>
+          <p:cNvPr id="68" name="矩形 67">
+            <a:extLst>
+              <a:ext uri="{FF2B5EF4-FFF2-40B4-BE49-F238E27FC236}">
+                <a16:creationId xmlns:a16="http://schemas.microsoft.com/office/drawing/2014/main" id="{D55AD847-C3F4-476D-81FA-0AB0D68088BA}"/>
+              </a:ext>
+            </a:extLst>
+          </p:cNvPr>
+          <p:cNvSpPr/>
+          <p:nvPr/>
+        </p:nvSpPr>
+        <p:spPr>
+          <a:xfrm>
+            <a:off x="1299087" y="6265618"/>
+            <a:ext cx="568171" cy="540152"/>
+          </a:xfrm>
+          <a:prstGeom prst="rect">
+            <a:avLst/>
+          </a:prstGeom>
+        </p:spPr>
+        <p:style>
+          <a:lnRef idx="2">
+            <a:schemeClr val="accent5">
+              <a:shade val="50000"/>
+            </a:schemeClr>
+          </a:lnRef>
+          <a:fillRef idx="1">
+            <a:schemeClr val="accent5"/>
+          </a:fillRef>
+          <a:effectRef idx="0">
+            <a:schemeClr val="accent5"/>
+          </a:effectRef>
+          <a:fontRef idx="minor">
+            <a:schemeClr val="lt1"/>
+          </a:fontRef>
+        </p:style>
+        <p:txBody>
+          <a:bodyPr rtlCol="0" anchor="ctr"/>
+          <a:lstStyle/>
+          <a:p>
+            <a:pPr algn="ctr"/>
+            <a:r>
+              <a:rPr lang="en-US" altLang="zh-CN">
+                <a:solidFill>
+                  <a:schemeClr val="tx1"/>
+                </a:solidFill>
+                <a:latin typeface="Times New Roman" panose="02020603050405020304" pitchFamily="18" charset="0"/>
+                <a:cs typeface="Times New Roman" panose="02020603050405020304" pitchFamily="18" charset="0"/>
+              </a:rPr>
+              <a:t>0</a:t>
+            </a:r>
+            <a:endParaRPr lang="zh-CN" altLang="en-US">
+              <a:solidFill>
+                <a:schemeClr val="tx1"/>
+              </a:solidFill>
+              <a:latin typeface="Times New Roman" panose="02020603050405020304" pitchFamily="18" charset="0"/>
+              <a:cs typeface="Times New Roman" panose="02020603050405020304" pitchFamily="18" charset="0"/>
+            </a:endParaRPr>
+          </a:p>
+        </p:txBody>
+      </p:sp>
+      <p:sp>
+        <p:nvSpPr>
+          <p:cNvPr id="69" name="矩形 68">
+            <a:extLst>
+              <a:ext uri="{FF2B5EF4-FFF2-40B4-BE49-F238E27FC236}">
+                <a16:creationId xmlns:a16="http://schemas.microsoft.com/office/drawing/2014/main" id="{82AF2D2A-701F-412D-A7B7-599DF993F154}"/>
+              </a:ext>
+            </a:extLst>
+          </p:cNvPr>
+          <p:cNvSpPr/>
+          <p:nvPr/>
+        </p:nvSpPr>
+        <p:spPr>
+          <a:xfrm>
+            <a:off x="2399918" y="6265618"/>
+            <a:ext cx="568171" cy="540152"/>
+          </a:xfrm>
+          <a:prstGeom prst="rect">
+            <a:avLst/>
+          </a:prstGeom>
+        </p:spPr>
+        <p:style>
+          <a:lnRef idx="2">
+            <a:schemeClr val="accent5">
+              <a:shade val="50000"/>
+            </a:schemeClr>
+          </a:lnRef>
+          <a:fillRef idx="1">
+            <a:schemeClr val="accent5"/>
+          </a:fillRef>
+          <a:effectRef idx="0">
+            <a:schemeClr val="accent5"/>
+          </a:effectRef>
+          <a:fontRef idx="minor">
+            <a:schemeClr val="lt1"/>
+          </a:fontRef>
+        </p:style>
+        <p:txBody>
+          <a:bodyPr rtlCol="0" anchor="ctr"/>
+          <a:lstStyle/>
+          <a:p>
+            <a:pPr algn="ctr"/>
+            <a:r>
+              <a:rPr lang="en-US" altLang="zh-CN">
+                <a:solidFill>
+                  <a:schemeClr val="tx1"/>
+                </a:solidFill>
+                <a:latin typeface="Times New Roman" panose="02020603050405020304" pitchFamily="18" charset="0"/>
+                <a:cs typeface="Times New Roman" panose="02020603050405020304" pitchFamily="18" charset="0"/>
+              </a:rPr>
+              <a:t>2</a:t>
+            </a:r>
+            <a:endParaRPr lang="zh-CN" altLang="en-US">
+              <a:solidFill>
+                <a:schemeClr val="tx1"/>
+              </a:solidFill>
+              <a:latin typeface="Times New Roman" panose="02020603050405020304" pitchFamily="18" charset="0"/>
+              <a:cs typeface="Times New Roman" panose="02020603050405020304" pitchFamily="18" charset="0"/>
+            </a:endParaRPr>
+          </a:p>
+        </p:txBody>
+      </p:sp>
+      <p:sp>
+        <p:nvSpPr>
+          <p:cNvPr id="70" name="矩形 69">
+            <a:extLst>
+              <a:ext uri="{FF2B5EF4-FFF2-40B4-BE49-F238E27FC236}">
+                <a16:creationId xmlns:a16="http://schemas.microsoft.com/office/drawing/2014/main" id="{9FB5514A-30E0-4EE5-BC77-58310C569C37}"/>
+              </a:ext>
+            </a:extLst>
+          </p:cNvPr>
+          <p:cNvSpPr/>
+          <p:nvPr/>
+        </p:nvSpPr>
+        <p:spPr>
+          <a:xfrm>
+            <a:off x="6340866" y="5053833"/>
+            <a:ext cx="568171" cy="540152"/>
+          </a:xfrm>
+          <a:prstGeom prst="rect">
+            <a:avLst/>
+          </a:prstGeom>
+        </p:spPr>
+        <p:style>
+          <a:lnRef idx="2">
+            <a:schemeClr val="accent5">
+              <a:shade val="50000"/>
+            </a:schemeClr>
+          </a:lnRef>
+          <a:fillRef idx="1">
+            <a:schemeClr val="accent5"/>
+          </a:fillRef>
+          <a:effectRef idx="0">
+            <a:schemeClr val="accent5"/>
+          </a:effectRef>
+          <a:fontRef idx="minor">
+            <a:schemeClr val="lt1"/>
+          </a:fontRef>
+        </p:style>
+        <p:txBody>
+          <a:bodyPr rtlCol="0" anchor="ctr"/>
+          <a:lstStyle/>
+          <a:p>
+            <a:pPr algn="ctr"/>
+            <a:r>
+              <a:rPr lang="en-US" altLang="zh-CN">
+                <a:solidFill>
+                  <a:schemeClr val="tx1"/>
+                </a:solidFill>
+                <a:latin typeface="Times New Roman" panose="02020603050405020304" pitchFamily="18" charset="0"/>
+                <a:cs typeface="Times New Roman" panose="02020603050405020304" pitchFamily="18" charset="0"/>
+              </a:rPr>
+              <a:t>0</a:t>
+            </a:r>
+            <a:endParaRPr lang="zh-CN" altLang="en-US">
+              <a:solidFill>
+                <a:schemeClr val="tx1"/>
+              </a:solidFill>
+              <a:latin typeface="Times New Roman" panose="02020603050405020304" pitchFamily="18" charset="0"/>
+              <a:cs typeface="Times New Roman" panose="02020603050405020304" pitchFamily="18" charset="0"/>
+            </a:endParaRPr>
+          </a:p>
+        </p:txBody>
+      </p:sp>
+      <p:sp>
+        <p:nvSpPr>
+          <p:cNvPr id="71" name="矩形 70">
+            <a:extLst>
+              <a:ext uri="{FF2B5EF4-FFF2-40B4-BE49-F238E27FC236}">
+                <a16:creationId xmlns:a16="http://schemas.microsoft.com/office/drawing/2014/main" id="{F06E2ADC-5D54-4435-BB6E-95ACEF3E8094}"/>
+              </a:ext>
+            </a:extLst>
+          </p:cNvPr>
+          <p:cNvSpPr/>
+          <p:nvPr/>
+        </p:nvSpPr>
+        <p:spPr>
+          <a:xfrm>
+            <a:off x="7246829" y="5053833"/>
+            <a:ext cx="568171" cy="540152"/>
+          </a:xfrm>
+          <a:prstGeom prst="rect">
+            <a:avLst/>
+          </a:prstGeom>
+        </p:spPr>
+        <p:style>
+          <a:lnRef idx="2">
+            <a:schemeClr val="accent5">
+              <a:shade val="50000"/>
+            </a:schemeClr>
+          </a:lnRef>
+          <a:fillRef idx="1">
+            <a:schemeClr val="accent5"/>
+          </a:fillRef>
+          <a:effectRef idx="0">
+            <a:schemeClr val="accent5"/>
+          </a:effectRef>
+          <a:fontRef idx="minor">
+            <a:schemeClr val="lt1"/>
+          </a:fontRef>
+        </p:style>
+        <p:txBody>
+          <a:bodyPr rtlCol="0" anchor="ctr"/>
+          <a:lstStyle/>
+          <a:p>
+            <a:pPr algn="ctr"/>
+            <a:r>
+              <a:rPr lang="en-US" altLang="zh-CN">
+                <a:solidFill>
+                  <a:schemeClr val="tx1"/>
+                </a:solidFill>
+                <a:latin typeface="Times New Roman" panose="02020603050405020304" pitchFamily="18" charset="0"/>
+                <a:cs typeface="Times New Roman" panose="02020603050405020304" pitchFamily="18" charset="0"/>
+              </a:rPr>
+              <a:t>0</a:t>
+            </a:r>
+            <a:endParaRPr lang="zh-CN" altLang="en-US">
+              <a:solidFill>
+                <a:schemeClr val="tx1"/>
+              </a:solidFill>
+              <a:latin typeface="Times New Roman" panose="02020603050405020304" pitchFamily="18" charset="0"/>
+              <a:cs typeface="Times New Roman" panose="02020603050405020304" pitchFamily="18" charset="0"/>
+            </a:endParaRPr>
+          </a:p>
+        </p:txBody>
+      </p:sp>
+      <p:sp>
+        <p:nvSpPr>
+          <p:cNvPr id="72" name="矩形 71">
+            <a:extLst>
+              <a:ext uri="{FF2B5EF4-FFF2-40B4-BE49-F238E27FC236}">
+                <a16:creationId xmlns:a16="http://schemas.microsoft.com/office/drawing/2014/main" id="{AB06D23E-39D6-4E15-B38B-2AC814B7CDE7}"/>
+              </a:ext>
+            </a:extLst>
+          </p:cNvPr>
+          <p:cNvSpPr/>
+          <p:nvPr/>
+        </p:nvSpPr>
+        <p:spPr>
+          <a:xfrm>
+            <a:off x="8078418" y="5012203"/>
+            <a:ext cx="568171" cy="540152"/>
+          </a:xfrm>
+          <a:prstGeom prst="rect">
+            <a:avLst/>
+          </a:prstGeom>
+        </p:spPr>
+        <p:style>
+          <a:lnRef idx="2">
+            <a:schemeClr val="accent5">
+              <a:shade val="50000"/>
+            </a:schemeClr>
+          </a:lnRef>
+          <a:fillRef idx="1">
+            <a:schemeClr val="accent5"/>
+          </a:fillRef>
+          <a:effectRef idx="0">
+            <a:schemeClr val="accent5"/>
+          </a:effectRef>
+          <a:fontRef idx="minor">
+            <a:schemeClr val="lt1"/>
+          </a:fontRef>
+        </p:style>
+        <p:txBody>
+          <a:bodyPr rtlCol="0" anchor="ctr"/>
+          <a:lstStyle/>
+          <a:p>
+            <a:pPr algn="ctr"/>
+            <a:r>
+              <a:rPr lang="en-US" altLang="zh-CN">
+                <a:solidFill>
+                  <a:schemeClr val="tx1"/>
+                </a:solidFill>
+                <a:latin typeface="Times New Roman" panose="02020603050405020304" pitchFamily="18" charset="0"/>
+                <a:cs typeface="Times New Roman" panose="02020603050405020304" pitchFamily="18" charset="0"/>
+              </a:rPr>
+              <a:t>0</a:t>
             </a:r>
             <a:endParaRPr lang="zh-CN" altLang="en-US">
               <a:solidFill>

--- a/数据结构与算法/线性表/数据结构可视化辅助理解，便于代码开发.pptx
+++ b/数据结构与算法/线性表/数据结构可视化辅助理解，便于代码开发.pptx
@@ -16,11 +16,14 @@
     <p:sldId id="264" r:id="rId10"/>
     <p:sldId id="265" r:id="rId11"/>
     <p:sldId id="266" r:id="rId12"/>
-    <p:sldId id="268" r:id="rId13"/>
-    <p:sldId id="270" r:id="rId14"/>
-    <p:sldId id="269" r:id="rId15"/>
-    <p:sldId id="271" r:id="rId16"/>
-    <p:sldId id="272" r:id="rId17"/>
+    <p:sldId id="275" r:id="rId13"/>
+    <p:sldId id="273" r:id="rId14"/>
+    <p:sldId id="274" r:id="rId15"/>
+    <p:sldId id="268" r:id="rId16"/>
+    <p:sldId id="270" r:id="rId17"/>
+    <p:sldId id="269" r:id="rId18"/>
+    <p:sldId id="271" r:id="rId19"/>
+    <p:sldId id="272" r:id="rId20"/>
   </p:sldIdLst>
   <p:sldSz cx="12192000" cy="6858000"/>
   <p:notesSz cx="6858000" cy="9144000"/>
@@ -135,6 +138,9 @@
             <p14:sldId id="264"/>
             <p14:sldId id="265"/>
             <p14:sldId id="266"/>
+            <p14:sldId id="275"/>
+            <p14:sldId id="273"/>
+            <p14:sldId id="274"/>
             <p14:sldId id="268"/>
             <p14:sldId id="270"/>
             <p14:sldId id="269"/>
@@ -301,7 +307,7 @@
           <a:p>
             <a:fld id="{00F45E2C-A052-4CA8-89FD-DA47DCEA70CB}" type="datetimeFigureOut">
               <a:rPr lang="zh-CN" altLang="en-US" smtClean="0"/>
-              <a:t>2019/7/3</a:t>
+              <a:t>2019/7/4</a:t>
             </a:fld>
             <a:endParaRPr lang="zh-CN" altLang="en-US"/>
           </a:p>
@@ -499,7 +505,7 @@
           <a:p>
             <a:fld id="{00F45E2C-A052-4CA8-89FD-DA47DCEA70CB}" type="datetimeFigureOut">
               <a:rPr lang="zh-CN" altLang="en-US" smtClean="0"/>
-              <a:t>2019/7/3</a:t>
+              <a:t>2019/7/4</a:t>
             </a:fld>
             <a:endParaRPr lang="zh-CN" altLang="en-US"/>
           </a:p>
@@ -707,7 +713,7 @@
           <a:p>
             <a:fld id="{00F45E2C-A052-4CA8-89FD-DA47DCEA70CB}" type="datetimeFigureOut">
               <a:rPr lang="zh-CN" altLang="en-US" smtClean="0"/>
-              <a:t>2019/7/3</a:t>
+              <a:t>2019/7/4</a:t>
             </a:fld>
             <a:endParaRPr lang="zh-CN" altLang="en-US"/>
           </a:p>
@@ -877,7 +883,7 @@
             <a:fld id="{00F45E2C-A052-4CA8-89FD-DA47DCEA70CB}" type="datetimeFigureOut">
               <a:rPr lang="zh-CN" altLang="en-US" smtClean="0"/>
               <a:pPr/>
-              <a:t>2019/7/3</a:t>
+              <a:t>2019/7/4</a:t>
             </a:fld>
             <a:endParaRPr lang="zh-CN" altLang="en-US"/>
           </a:p>
@@ -1305,7 +1311,7 @@
           <a:p>
             <a:fld id="{00F45E2C-A052-4CA8-89FD-DA47DCEA70CB}" type="datetimeFigureOut">
               <a:rPr lang="zh-CN" altLang="en-US" smtClean="0"/>
-              <a:t>2019/7/3</a:t>
+              <a:t>2019/7/4</a:t>
             </a:fld>
             <a:endParaRPr lang="zh-CN" altLang="en-US"/>
           </a:p>
@@ -1570,7 +1576,7 @@
           <a:p>
             <a:fld id="{00F45E2C-A052-4CA8-89FD-DA47DCEA70CB}" type="datetimeFigureOut">
               <a:rPr lang="zh-CN" altLang="en-US" smtClean="0"/>
-              <a:t>2019/7/3</a:t>
+              <a:t>2019/7/4</a:t>
             </a:fld>
             <a:endParaRPr lang="zh-CN" altLang="en-US"/>
           </a:p>
@@ -1982,7 +1988,7 @@
           <a:p>
             <a:fld id="{00F45E2C-A052-4CA8-89FD-DA47DCEA70CB}" type="datetimeFigureOut">
               <a:rPr lang="zh-CN" altLang="en-US" smtClean="0"/>
-              <a:t>2019/7/3</a:t>
+              <a:t>2019/7/4</a:t>
             </a:fld>
             <a:endParaRPr lang="zh-CN" altLang="en-US"/>
           </a:p>
@@ -2123,7 +2129,7 @@
           <a:p>
             <a:fld id="{00F45E2C-A052-4CA8-89FD-DA47DCEA70CB}" type="datetimeFigureOut">
               <a:rPr lang="zh-CN" altLang="en-US" smtClean="0"/>
-              <a:t>2019/7/3</a:t>
+              <a:t>2019/7/4</a:t>
             </a:fld>
             <a:endParaRPr lang="zh-CN" altLang="en-US"/>
           </a:p>
@@ -2236,7 +2242,7 @@
           <a:p>
             <a:fld id="{00F45E2C-A052-4CA8-89FD-DA47DCEA70CB}" type="datetimeFigureOut">
               <a:rPr lang="zh-CN" altLang="en-US" smtClean="0"/>
-              <a:t>2019/7/3</a:t>
+              <a:t>2019/7/4</a:t>
             </a:fld>
             <a:endParaRPr lang="zh-CN" altLang="en-US"/>
           </a:p>
@@ -2547,7 +2553,7 @@
           <a:p>
             <a:fld id="{00F45E2C-A052-4CA8-89FD-DA47DCEA70CB}" type="datetimeFigureOut">
               <a:rPr lang="zh-CN" altLang="en-US" smtClean="0"/>
-              <a:t>2019/7/3</a:t>
+              <a:t>2019/7/4</a:t>
             </a:fld>
             <a:endParaRPr lang="zh-CN" altLang="en-US"/>
           </a:p>
@@ -2835,7 +2841,7 @@
           <a:p>
             <a:fld id="{00F45E2C-A052-4CA8-89FD-DA47DCEA70CB}" type="datetimeFigureOut">
               <a:rPr lang="zh-CN" altLang="en-US" smtClean="0"/>
-              <a:t>2019/7/3</a:t>
+              <a:t>2019/7/4</a:t>
             </a:fld>
             <a:endParaRPr lang="zh-CN" altLang="en-US"/>
           </a:p>
@@ -3076,7 +3082,7 @@
           <a:p>
             <a:fld id="{00F45E2C-A052-4CA8-89FD-DA47DCEA70CB}" type="datetimeFigureOut">
               <a:rPr lang="zh-CN" altLang="en-US" smtClean="0"/>
-              <a:t>2019/7/3</a:t>
+              <a:t>2019/7/4</a:t>
             </a:fld>
             <a:endParaRPr lang="zh-CN" altLang="en-US"/>
           </a:p>
@@ -9843,6 +9849,2084 @@
           <a:p>
             <a:r>
               <a:rPr lang="zh-CN" altLang="en-US"/>
+              <a:t>归并排序</a:t>
+            </a:r>
+          </a:p>
+        </p:txBody>
+      </p:sp>
+      <p:sp>
+        <p:nvSpPr>
+          <p:cNvPr id="35" name="矩形 34">
+            <a:extLst>
+              <a:ext uri="{FF2B5EF4-FFF2-40B4-BE49-F238E27FC236}">
+                <a16:creationId xmlns:a16="http://schemas.microsoft.com/office/drawing/2014/main" id="{17457BED-8963-4E79-9A97-B619B1FF5D9C}"/>
+              </a:ext>
+            </a:extLst>
+          </p:cNvPr>
+          <p:cNvSpPr/>
+          <p:nvPr/>
+        </p:nvSpPr>
+        <p:spPr>
+          <a:xfrm>
+            <a:off x="8720635" y="1618640"/>
+            <a:ext cx="568171" cy="480612"/>
+          </a:xfrm>
+          <a:prstGeom prst="rect">
+            <a:avLst/>
+          </a:prstGeom>
+        </p:spPr>
+        <p:style>
+          <a:lnRef idx="2">
+            <a:schemeClr val="accent5">
+              <a:shade val="50000"/>
+            </a:schemeClr>
+          </a:lnRef>
+          <a:fillRef idx="1">
+            <a:schemeClr val="accent5"/>
+          </a:fillRef>
+          <a:effectRef idx="0">
+            <a:schemeClr val="accent5"/>
+          </a:effectRef>
+          <a:fontRef idx="minor">
+            <a:schemeClr val="lt1"/>
+          </a:fontRef>
+        </p:style>
+        <p:txBody>
+          <a:bodyPr rtlCol="0" anchor="ctr"/>
+          <a:lstStyle/>
+          <a:p>
+            <a:pPr algn="ctr"/>
+            <a:r>
+              <a:rPr lang="en-US" altLang="zh-CN">
+                <a:solidFill>
+                  <a:schemeClr val="tx1"/>
+                </a:solidFill>
+                <a:latin typeface="Times New Roman" panose="02020603050405020304" pitchFamily="18" charset="0"/>
+                <a:cs typeface="Times New Roman" panose="02020603050405020304" pitchFamily="18" charset="0"/>
+              </a:rPr>
+              <a:t>2</a:t>
+            </a:r>
+            <a:endParaRPr lang="zh-CN" altLang="en-US">
+              <a:solidFill>
+                <a:schemeClr val="tx1"/>
+              </a:solidFill>
+              <a:latin typeface="Times New Roman" panose="02020603050405020304" pitchFamily="18" charset="0"/>
+              <a:cs typeface="Times New Roman" panose="02020603050405020304" pitchFamily="18" charset="0"/>
+            </a:endParaRPr>
+          </a:p>
+        </p:txBody>
+      </p:sp>
+      <p:sp>
+        <p:nvSpPr>
+          <p:cNvPr id="36" name="矩形 35">
+            <a:extLst>
+              <a:ext uri="{FF2B5EF4-FFF2-40B4-BE49-F238E27FC236}">
+                <a16:creationId xmlns:a16="http://schemas.microsoft.com/office/drawing/2014/main" id="{5855095B-62BB-4A86-BAC6-30FC72608B4B}"/>
+              </a:ext>
+            </a:extLst>
+          </p:cNvPr>
+          <p:cNvSpPr/>
+          <p:nvPr/>
+        </p:nvSpPr>
+        <p:spPr>
+          <a:xfrm>
+            <a:off x="7490258" y="1604039"/>
+            <a:ext cx="568171" cy="509815"/>
+          </a:xfrm>
+          <a:prstGeom prst="rect">
+            <a:avLst/>
+          </a:prstGeom>
+        </p:spPr>
+        <p:style>
+          <a:lnRef idx="2">
+            <a:schemeClr val="accent5">
+              <a:shade val="50000"/>
+            </a:schemeClr>
+          </a:lnRef>
+          <a:fillRef idx="1">
+            <a:schemeClr val="accent5"/>
+          </a:fillRef>
+          <a:effectRef idx="0">
+            <a:schemeClr val="accent5"/>
+          </a:effectRef>
+          <a:fontRef idx="minor">
+            <a:schemeClr val="lt1"/>
+          </a:fontRef>
+        </p:style>
+        <p:txBody>
+          <a:bodyPr rtlCol="0" anchor="ctr"/>
+          <a:lstStyle/>
+          <a:p>
+            <a:pPr algn="ctr"/>
+            <a:r>
+              <a:rPr lang="en-US" altLang="zh-CN">
+                <a:solidFill>
+                  <a:schemeClr val="tx1"/>
+                </a:solidFill>
+                <a:latin typeface="Times New Roman" panose="02020603050405020304" pitchFamily="18" charset="0"/>
+                <a:cs typeface="Times New Roman" panose="02020603050405020304" pitchFamily="18" charset="0"/>
+              </a:rPr>
+              <a:t>30</a:t>
+            </a:r>
+            <a:endParaRPr lang="zh-CN" altLang="en-US">
+              <a:solidFill>
+                <a:schemeClr val="tx1"/>
+              </a:solidFill>
+              <a:latin typeface="Times New Roman" panose="02020603050405020304" pitchFamily="18" charset="0"/>
+              <a:cs typeface="Times New Roman" panose="02020603050405020304" pitchFamily="18" charset="0"/>
+            </a:endParaRPr>
+          </a:p>
+        </p:txBody>
+      </p:sp>
+      <p:sp>
+        <p:nvSpPr>
+          <p:cNvPr id="47" name="矩形 46">
+            <a:extLst>
+              <a:ext uri="{FF2B5EF4-FFF2-40B4-BE49-F238E27FC236}">
+                <a16:creationId xmlns:a16="http://schemas.microsoft.com/office/drawing/2014/main" id="{95A45B75-6FCB-4906-B49C-91B059BC69CC}"/>
+              </a:ext>
+            </a:extLst>
+          </p:cNvPr>
+          <p:cNvSpPr/>
+          <p:nvPr/>
+        </p:nvSpPr>
+        <p:spPr>
+          <a:xfrm>
+            <a:off x="5029500" y="1625001"/>
+            <a:ext cx="568171" cy="467890"/>
+          </a:xfrm>
+          <a:prstGeom prst="rect">
+            <a:avLst/>
+          </a:prstGeom>
+        </p:spPr>
+        <p:style>
+          <a:lnRef idx="2">
+            <a:schemeClr val="accent5">
+              <a:shade val="50000"/>
+            </a:schemeClr>
+          </a:lnRef>
+          <a:fillRef idx="1">
+            <a:schemeClr val="accent5"/>
+          </a:fillRef>
+          <a:effectRef idx="0">
+            <a:schemeClr val="accent5"/>
+          </a:effectRef>
+          <a:fontRef idx="minor">
+            <a:schemeClr val="lt1"/>
+          </a:fontRef>
+        </p:style>
+        <p:txBody>
+          <a:bodyPr rtlCol="0" anchor="ctr"/>
+          <a:lstStyle/>
+          <a:p>
+            <a:pPr algn="ctr"/>
+            <a:r>
+              <a:rPr lang="en-US" altLang="zh-CN">
+                <a:solidFill>
+                  <a:schemeClr val="tx1"/>
+                </a:solidFill>
+                <a:latin typeface="Times New Roman" panose="02020603050405020304" pitchFamily="18" charset="0"/>
+                <a:cs typeface="Times New Roman" panose="02020603050405020304" pitchFamily="18" charset="0"/>
+              </a:rPr>
+              <a:t>2</a:t>
+            </a:r>
+            <a:endParaRPr lang="zh-CN" altLang="en-US">
+              <a:solidFill>
+                <a:schemeClr val="tx1"/>
+              </a:solidFill>
+              <a:latin typeface="Times New Roman" panose="02020603050405020304" pitchFamily="18" charset="0"/>
+              <a:cs typeface="Times New Roman" panose="02020603050405020304" pitchFamily="18" charset="0"/>
+            </a:endParaRPr>
+          </a:p>
+        </p:txBody>
+      </p:sp>
+      <p:sp>
+        <p:nvSpPr>
+          <p:cNvPr id="51" name="矩形 50">
+            <a:extLst>
+              <a:ext uri="{FF2B5EF4-FFF2-40B4-BE49-F238E27FC236}">
+                <a16:creationId xmlns:a16="http://schemas.microsoft.com/office/drawing/2014/main" id="{00B206B0-E830-4F3A-BE32-F6A01C9723D8}"/>
+              </a:ext>
+            </a:extLst>
+          </p:cNvPr>
+          <p:cNvSpPr/>
+          <p:nvPr/>
+        </p:nvSpPr>
+        <p:spPr>
+          <a:xfrm>
+            <a:off x="6259879" y="1618640"/>
+            <a:ext cx="568171" cy="480612"/>
+          </a:xfrm>
+          <a:prstGeom prst="rect">
+            <a:avLst/>
+          </a:prstGeom>
+        </p:spPr>
+        <p:style>
+          <a:lnRef idx="2">
+            <a:schemeClr val="accent5">
+              <a:shade val="50000"/>
+            </a:schemeClr>
+          </a:lnRef>
+          <a:fillRef idx="1">
+            <a:schemeClr val="accent5"/>
+          </a:fillRef>
+          <a:effectRef idx="0">
+            <a:schemeClr val="accent5"/>
+          </a:effectRef>
+          <a:fontRef idx="minor">
+            <a:schemeClr val="lt1"/>
+          </a:fontRef>
+        </p:style>
+        <p:txBody>
+          <a:bodyPr rtlCol="0" anchor="ctr"/>
+          <a:lstStyle/>
+          <a:p>
+            <a:pPr algn="ctr"/>
+            <a:r>
+              <a:rPr lang="en-US" altLang="zh-CN">
+                <a:solidFill>
+                  <a:schemeClr val="tx1"/>
+                </a:solidFill>
+                <a:latin typeface="Times New Roman" panose="02020603050405020304" pitchFamily="18" charset="0"/>
+                <a:cs typeface="Times New Roman" panose="02020603050405020304" pitchFamily="18" charset="0"/>
+              </a:rPr>
+              <a:t>18</a:t>
+            </a:r>
+            <a:endParaRPr lang="zh-CN" altLang="en-US">
+              <a:solidFill>
+                <a:schemeClr val="tx1"/>
+              </a:solidFill>
+              <a:latin typeface="Times New Roman" panose="02020603050405020304" pitchFamily="18" charset="0"/>
+              <a:cs typeface="Times New Roman" panose="02020603050405020304" pitchFamily="18" charset="0"/>
+            </a:endParaRPr>
+          </a:p>
+        </p:txBody>
+      </p:sp>
+      <p:sp>
+        <p:nvSpPr>
+          <p:cNvPr id="3" name="箭头: 上 2">
+            <a:extLst>
+              <a:ext uri="{FF2B5EF4-FFF2-40B4-BE49-F238E27FC236}">
+                <a16:creationId xmlns:a16="http://schemas.microsoft.com/office/drawing/2014/main" id="{5DCF25D8-A71B-430A-A343-C009A8C1AAC6}"/>
+              </a:ext>
+            </a:extLst>
+          </p:cNvPr>
+          <p:cNvSpPr/>
+          <p:nvPr/>
+        </p:nvSpPr>
+        <p:spPr>
+          <a:xfrm>
+            <a:off x="1338363" y="2261306"/>
+            <a:ext cx="568171" cy="1167694"/>
+          </a:xfrm>
+          <a:prstGeom prst="upArrow">
+            <a:avLst/>
+          </a:prstGeom>
+        </p:spPr>
+        <p:style>
+          <a:lnRef idx="2">
+            <a:schemeClr val="accent2">
+              <a:shade val="50000"/>
+            </a:schemeClr>
+          </a:lnRef>
+          <a:fillRef idx="1">
+            <a:schemeClr val="accent2"/>
+          </a:fillRef>
+          <a:effectRef idx="0">
+            <a:schemeClr val="accent2"/>
+          </a:effectRef>
+          <a:fontRef idx="minor">
+            <a:schemeClr val="lt1"/>
+          </a:fontRef>
+        </p:style>
+        <p:txBody>
+          <a:bodyPr rtlCol="0" anchor="ctr"/>
+          <a:lstStyle/>
+          <a:p>
+            <a:pPr algn="ctr"/>
+            <a:endParaRPr lang="zh-CN" altLang="en-US"/>
+          </a:p>
+        </p:txBody>
+      </p:sp>
+      <p:sp>
+        <p:nvSpPr>
+          <p:cNvPr id="48" name="矩形 47">
+            <a:extLst>
+              <a:ext uri="{FF2B5EF4-FFF2-40B4-BE49-F238E27FC236}">
+                <a16:creationId xmlns:a16="http://schemas.microsoft.com/office/drawing/2014/main" id="{72FDDFE6-D782-4F4F-ABEB-B8682809E672}"/>
+              </a:ext>
+            </a:extLst>
+          </p:cNvPr>
+          <p:cNvSpPr/>
+          <p:nvPr/>
+        </p:nvSpPr>
+        <p:spPr>
+          <a:xfrm>
+            <a:off x="1338363" y="1590093"/>
+            <a:ext cx="568171" cy="537706"/>
+          </a:xfrm>
+          <a:prstGeom prst="rect">
+            <a:avLst/>
+          </a:prstGeom>
+        </p:spPr>
+        <p:style>
+          <a:lnRef idx="2">
+            <a:schemeClr val="accent5">
+              <a:shade val="50000"/>
+            </a:schemeClr>
+          </a:lnRef>
+          <a:fillRef idx="1">
+            <a:schemeClr val="accent5"/>
+          </a:fillRef>
+          <a:effectRef idx="0">
+            <a:schemeClr val="accent5"/>
+          </a:effectRef>
+          <a:fontRef idx="minor">
+            <a:schemeClr val="lt1"/>
+          </a:fontRef>
+        </p:style>
+        <p:txBody>
+          <a:bodyPr rtlCol="0" anchor="ctr"/>
+          <a:lstStyle/>
+          <a:p>
+            <a:pPr algn="ctr"/>
+            <a:r>
+              <a:rPr lang="en-US" altLang="zh-CN">
+                <a:solidFill>
+                  <a:schemeClr val="tx1"/>
+                </a:solidFill>
+                <a:latin typeface="Times New Roman" panose="02020603050405020304" pitchFamily="18" charset="0"/>
+                <a:cs typeface="Times New Roman" panose="02020603050405020304" pitchFamily="18" charset="0"/>
+              </a:rPr>
+              <a:t>-64</a:t>
+            </a:r>
+            <a:endParaRPr lang="zh-CN" altLang="en-US">
+              <a:solidFill>
+                <a:schemeClr val="tx1"/>
+              </a:solidFill>
+              <a:latin typeface="Times New Roman" panose="02020603050405020304" pitchFamily="18" charset="0"/>
+              <a:cs typeface="Times New Roman" panose="02020603050405020304" pitchFamily="18" charset="0"/>
+            </a:endParaRPr>
+          </a:p>
+        </p:txBody>
+      </p:sp>
+      <p:sp>
+        <p:nvSpPr>
+          <p:cNvPr id="49" name="矩形 48">
+            <a:extLst>
+              <a:ext uri="{FF2B5EF4-FFF2-40B4-BE49-F238E27FC236}">
+                <a16:creationId xmlns:a16="http://schemas.microsoft.com/office/drawing/2014/main" id="{14CD68B7-E9AF-4B3A-822C-698172C56955}"/>
+              </a:ext>
+            </a:extLst>
+          </p:cNvPr>
+          <p:cNvSpPr/>
+          <p:nvPr/>
+        </p:nvSpPr>
+        <p:spPr>
+          <a:xfrm>
+            <a:off x="2568742" y="1590093"/>
+            <a:ext cx="568171" cy="537706"/>
+          </a:xfrm>
+          <a:prstGeom prst="rect">
+            <a:avLst/>
+          </a:prstGeom>
+        </p:spPr>
+        <p:style>
+          <a:lnRef idx="2">
+            <a:schemeClr val="accent5">
+              <a:shade val="50000"/>
+            </a:schemeClr>
+          </a:lnRef>
+          <a:fillRef idx="1">
+            <a:schemeClr val="accent5"/>
+          </a:fillRef>
+          <a:effectRef idx="0">
+            <a:schemeClr val="accent5"/>
+          </a:effectRef>
+          <a:fontRef idx="minor">
+            <a:schemeClr val="lt1"/>
+          </a:fontRef>
+        </p:style>
+        <p:txBody>
+          <a:bodyPr rtlCol="0" anchor="ctr"/>
+          <a:lstStyle/>
+          <a:p>
+            <a:pPr algn="ctr"/>
+            <a:r>
+              <a:rPr lang="en-US" altLang="zh-CN">
+                <a:solidFill>
+                  <a:schemeClr val="tx1"/>
+                </a:solidFill>
+                <a:latin typeface="Times New Roman" panose="02020603050405020304" pitchFamily="18" charset="0"/>
+                <a:cs typeface="Times New Roman" panose="02020603050405020304" pitchFamily="18" charset="0"/>
+              </a:rPr>
+              <a:t>10</a:t>
+            </a:r>
+            <a:endParaRPr lang="zh-CN" altLang="en-US">
+              <a:solidFill>
+                <a:schemeClr val="tx1"/>
+              </a:solidFill>
+              <a:latin typeface="Times New Roman" panose="02020603050405020304" pitchFamily="18" charset="0"/>
+              <a:cs typeface="Times New Roman" panose="02020603050405020304" pitchFamily="18" charset="0"/>
+            </a:endParaRPr>
+          </a:p>
+        </p:txBody>
+      </p:sp>
+      <p:sp>
+        <p:nvSpPr>
+          <p:cNvPr id="41" name="矩形 40">
+            <a:extLst>
+              <a:ext uri="{FF2B5EF4-FFF2-40B4-BE49-F238E27FC236}">
+                <a16:creationId xmlns:a16="http://schemas.microsoft.com/office/drawing/2014/main" id="{31320077-0276-4160-AC19-B8BD967127EC}"/>
+              </a:ext>
+            </a:extLst>
+          </p:cNvPr>
+          <p:cNvSpPr/>
+          <p:nvPr/>
+        </p:nvSpPr>
+        <p:spPr>
+          <a:xfrm>
+            <a:off x="3799121" y="1604039"/>
+            <a:ext cx="568171" cy="509815"/>
+          </a:xfrm>
+          <a:prstGeom prst="rect">
+            <a:avLst/>
+          </a:prstGeom>
+        </p:spPr>
+        <p:style>
+          <a:lnRef idx="2">
+            <a:schemeClr val="accent5">
+              <a:shade val="50000"/>
+            </a:schemeClr>
+          </a:lnRef>
+          <a:fillRef idx="1">
+            <a:schemeClr val="accent5"/>
+          </a:fillRef>
+          <a:effectRef idx="0">
+            <a:schemeClr val="accent5"/>
+          </a:effectRef>
+          <a:fontRef idx="minor">
+            <a:schemeClr val="lt1"/>
+          </a:fontRef>
+        </p:style>
+        <p:txBody>
+          <a:bodyPr rtlCol="0" anchor="ctr"/>
+          <a:lstStyle/>
+          <a:p>
+            <a:pPr algn="ctr"/>
+            <a:r>
+              <a:rPr lang="en-US" altLang="zh-CN">
+                <a:solidFill>
+                  <a:schemeClr val="tx1"/>
+                </a:solidFill>
+                <a:latin typeface="Times New Roman" panose="02020603050405020304" pitchFamily="18" charset="0"/>
+                <a:cs typeface="Times New Roman" panose="02020603050405020304" pitchFamily="18" charset="0"/>
+              </a:rPr>
+              <a:t>25</a:t>
+            </a:r>
+            <a:endParaRPr lang="zh-CN" altLang="en-US">
+              <a:solidFill>
+                <a:schemeClr val="tx1"/>
+              </a:solidFill>
+              <a:latin typeface="Times New Roman" panose="02020603050405020304" pitchFamily="18" charset="0"/>
+              <a:cs typeface="Times New Roman" panose="02020603050405020304" pitchFamily="18" charset="0"/>
+            </a:endParaRPr>
+          </a:p>
+        </p:txBody>
+      </p:sp>
+      <p:sp>
+        <p:nvSpPr>
+          <p:cNvPr id="11" name="箭头: 上 10">
+            <a:extLst>
+              <a:ext uri="{FF2B5EF4-FFF2-40B4-BE49-F238E27FC236}">
+                <a16:creationId xmlns:a16="http://schemas.microsoft.com/office/drawing/2014/main" id="{548EBD50-9355-4BF0-8A57-370DBEEE4F0E}"/>
+              </a:ext>
+            </a:extLst>
+          </p:cNvPr>
+          <p:cNvSpPr/>
+          <p:nvPr/>
+        </p:nvSpPr>
+        <p:spPr>
+          <a:xfrm>
+            <a:off x="2568742" y="2318871"/>
+            <a:ext cx="568171" cy="1167694"/>
+          </a:xfrm>
+          <a:prstGeom prst="upArrow">
+            <a:avLst/>
+          </a:prstGeom>
+        </p:spPr>
+        <p:style>
+          <a:lnRef idx="2">
+            <a:schemeClr val="accent1">
+              <a:shade val="50000"/>
+            </a:schemeClr>
+          </a:lnRef>
+          <a:fillRef idx="1">
+            <a:schemeClr val="accent1"/>
+          </a:fillRef>
+          <a:effectRef idx="0">
+            <a:schemeClr val="accent1"/>
+          </a:effectRef>
+          <a:fontRef idx="minor">
+            <a:schemeClr val="lt1"/>
+          </a:fontRef>
+        </p:style>
+        <p:txBody>
+          <a:bodyPr rtlCol="0" anchor="ctr"/>
+          <a:lstStyle/>
+          <a:p>
+            <a:pPr algn="ctr"/>
+            <a:endParaRPr lang="zh-CN" altLang="en-US"/>
+          </a:p>
+        </p:txBody>
+      </p:sp>
+    </p:spTree>
+    <p:extLst>
+      <p:ext uri="{BB962C8B-B14F-4D97-AF65-F5344CB8AC3E}">
+        <p14:creationId xmlns:p14="http://schemas.microsoft.com/office/powerpoint/2010/main" val="3449563006"/>
+      </p:ext>
+    </p:extLst>
+  </p:cSld>
+  <p:clrMapOvr>
+    <a:masterClrMapping/>
+  </p:clrMapOvr>
+</p:sld>
+</file>
+
+<file path=ppt/slides/slide13.xml><?xml version="1.0" encoding="utf-8"?>
+<p:sld xmlns:a="http://schemas.openxmlformats.org/drawingml/2006/main" xmlns:r="http://schemas.openxmlformats.org/officeDocument/2006/relationships" xmlns:p="http://schemas.openxmlformats.org/presentationml/2006/main">
+  <p:cSld>
+    <p:spTree>
+      <p:nvGrpSpPr>
+        <p:cNvPr id="1" name=""/>
+        <p:cNvGrpSpPr/>
+        <p:nvPr/>
+      </p:nvGrpSpPr>
+      <p:grpSpPr>
+        <a:xfrm>
+          <a:off x="0" y="0"/>
+          <a:ext cx="0" cy="0"/>
+          <a:chOff x="0" y="0"/>
+          <a:chExt cx="0" cy="0"/>
+        </a:xfrm>
+      </p:grpSpPr>
+      <p:sp>
+        <p:nvSpPr>
+          <p:cNvPr id="2" name="标题 1">
+            <a:extLst>
+              <a:ext uri="{FF2B5EF4-FFF2-40B4-BE49-F238E27FC236}">
+                <a16:creationId xmlns:a16="http://schemas.microsoft.com/office/drawing/2014/main" id="{E81F6451-B986-4134-B043-26A2549520A7}"/>
+              </a:ext>
+            </a:extLst>
+          </p:cNvPr>
+          <p:cNvSpPr>
+            <a:spLocks noGrp="1"/>
+          </p:cNvSpPr>
+          <p:nvPr>
+            <p:ph type="title"/>
+          </p:nvPr>
+        </p:nvSpPr>
+        <p:spPr>
+          <a:xfrm>
+            <a:off x="99645" y="48603"/>
+            <a:ext cx="12092355" cy="629035"/>
+          </a:xfrm>
+        </p:spPr>
+        <p:txBody>
+          <a:bodyPr/>
+          <a:lstStyle/>
+          <a:p>
+            <a:r>
+              <a:rPr lang="zh-CN" altLang="en-US"/>
+              <a:t>归并排序</a:t>
+            </a:r>
+          </a:p>
+        </p:txBody>
+      </p:sp>
+      <p:sp>
+        <p:nvSpPr>
+          <p:cNvPr id="46" name="矩形 45">
+            <a:extLst>
+              <a:ext uri="{FF2B5EF4-FFF2-40B4-BE49-F238E27FC236}">
+                <a16:creationId xmlns:a16="http://schemas.microsoft.com/office/drawing/2014/main" id="{13F0423E-C37D-4B8A-AA21-3D7B301AEECF}"/>
+              </a:ext>
+            </a:extLst>
+          </p:cNvPr>
+          <p:cNvSpPr/>
+          <p:nvPr/>
+        </p:nvSpPr>
+        <p:spPr>
+          <a:xfrm>
+            <a:off x="1869312" y="1132550"/>
+            <a:ext cx="7638672" cy="540152"/>
+          </a:xfrm>
+          <a:prstGeom prst="rect">
+            <a:avLst/>
+          </a:prstGeom>
+        </p:spPr>
+        <p:style>
+          <a:lnRef idx="2">
+            <a:schemeClr val="accent5">
+              <a:shade val="50000"/>
+            </a:schemeClr>
+          </a:lnRef>
+          <a:fillRef idx="1">
+            <a:schemeClr val="accent5"/>
+          </a:fillRef>
+          <a:effectRef idx="0">
+            <a:schemeClr val="accent5"/>
+          </a:effectRef>
+          <a:fontRef idx="minor">
+            <a:schemeClr val="lt1"/>
+          </a:fontRef>
+        </p:style>
+        <p:txBody>
+          <a:bodyPr rtlCol="0" anchor="ctr"/>
+          <a:lstStyle/>
+          <a:p>
+            <a:pPr algn="ctr"/>
+            <a:r>
+              <a:rPr lang="en-US" altLang="zh-CN">
+                <a:solidFill>
+                  <a:schemeClr val="tx1"/>
+                </a:solidFill>
+                <a:latin typeface="Times New Roman" panose="02020603050405020304" pitchFamily="18" charset="0"/>
+                <a:cs typeface="Times New Roman" panose="02020603050405020304" pitchFamily="18" charset="0"/>
+              </a:rPr>
+              <a:t>100</a:t>
+            </a:r>
+            <a:r>
+              <a:rPr lang="zh-CN" altLang="en-US">
+                <a:solidFill>
+                  <a:schemeClr val="tx1"/>
+                </a:solidFill>
+                <a:latin typeface="Times New Roman" panose="02020603050405020304" pitchFamily="18" charset="0"/>
+                <a:cs typeface="Times New Roman" panose="02020603050405020304" pitchFamily="18" charset="0"/>
+              </a:rPr>
+              <a:t>亿</a:t>
+            </a:r>
+          </a:p>
+        </p:txBody>
+      </p:sp>
+      <p:sp>
+        <p:nvSpPr>
+          <p:cNvPr id="41" name="矩形 40">
+            <a:extLst>
+              <a:ext uri="{FF2B5EF4-FFF2-40B4-BE49-F238E27FC236}">
+                <a16:creationId xmlns:a16="http://schemas.microsoft.com/office/drawing/2014/main" id="{FC83EFF0-56BE-4D1C-A9D2-1919AE05B148}"/>
+              </a:ext>
+            </a:extLst>
+          </p:cNvPr>
+          <p:cNvSpPr/>
+          <p:nvPr/>
+        </p:nvSpPr>
+        <p:spPr>
+          <a:xfrm>
+            <a:off x="333476" y="2614381"/>
+            <a:ext cx="989298" cy="540152"/>
+          </a:xfrm>
+          <a:prstGeom prst="rect">
+            <a:avLst/>
+          </a:prstGeom>
+        </p:spPr>
+        <p:style>
+          <a:lnRef idx="2">
+            <a:schemeClr val="accent5">
+              <a:shade val="50000"/>
+            </a:schemeClr>
+          </a:lnRef>
+          <a:fillRef idx="1">
+            <a:schemeClr val="accent5"/>
+          </a:fillRef>
+          <a:effectRef idx="0">
+            <a:schemeClr val="accent5"/>
+          </a:effectRef>
+          <a:fontRef idx="minor">
+            <a:schemeClr val="lt1"/>
+          </a:fontRef>
+        </p:style>
+        <p:txBody>
+          <a:bodyPr rtlCol="0" anchor="ctr"/>
+          <a:lstStyle/>
+          <a:p>
+            <a:pPr algn="ctr"/>
+            <a:r>
+              <a:rPr lang="en-US" altLang="zh-CN">
+                <a:solidFill>
+                  <a:schemeClr val="tx1"/>
+                </a:solidFill>
+                <a:latin typeface="Times New Roman" panose="02020603050405020304" pitchFamily="18" charset="0"/>
+                <a:cs typeface="Times New Roman" panose="02020603050405020304" pitchFamily="18" charset="0"/>
+              </a:rPr>
+              <a:t>1000</a:t>
+            </a:r>
+            <a:r>
+              <a:rPr lang="zh-CN" altLang="en-US">
+                <a:solidFill>
+                  <a:schemeClr val="tx1"/>
+                </a:solidFill>
+                <a:latin typeface="Times New Roman" panose="02020603050405020304" pitchFamily="18" charset="0"/>
+                <a:cs typeface="Times New Roman" panose="02020603050405020304" pitchFamily="18" charset="0"/>
+              </a:rPr>
+              <a:t>万</a:t>
+            </a:r>
+          </a:p>
+        </p:txBody>
+      </p:sp>
+      <p:sp>
+        <p:nvSpPr>
+          <p:cNvPr id="80" name="矩形 79">
+            <a:extLst>
+              <a:ext uri="{FF2B5EF4-FFF2-40B4-BE49-F238E27FC236}">
+                <a16:creationId xmlns:a16="http://schemas.microsoft.com/office/drawing/2014/main" id="{AF170627-4EF0-410F-8E2B-003212B6D1F4}"/>
+              </a:ext>
+            </a:extLst>
+          </p:cNvPr>
+          <p:cNvSpPr/>
+          <p:nvPr/>
+        </p:nvSpPr>
+        <p:spPr>
+          <a:xfrm>
+            <a:off x="1647372" y="2614381"/>
+            <a:ext cx="989298" cy="540152"/>
+          </a:xfrm>
+          <a:prstGeom prst="rect">
+            <a:avLst/>
+          </a:prstGeom>
+        </p:spPr>
+        <p:style>
+          <a:lnRef idx="2">
+            <a:schemeClr val="accent5">
+              <a:shade val="50000"/>
+            </a:schemeClr>
+          </a:lnRef>
+          <a:fillRef idx="1">
+            <a:schemeClr val="accent5"/>
+          </a:fillRef>
+          <a:effectRef idx="0">
+            <a:schemeClr val="accent5"/>
+          </a:effectRef>
+          <a:fontRef idx="minor">
+            <a:schemeClr val="lt1"/>
+          </a:fontRef>
+        </p:style>
+        <p:txBody>
+          <a:bodyPr rtlCol="0" anchor="ctr"/>
+          <a:lstStyle/>
+          <a:p>
+            <a:pPr algn="ctr"/>
+            <a:r>
+              <a:rPr lang="en-US" altLang="zh-CN">
+                <a:solidFill>
+                  <a:schemeClr val="tx1"/>
+                </a:solidFill>
+                <a:latin typeface="Times New Roman" panose="02020603050405020304" pitchFamily="18" charset="0"/>
+                <a:cs typeface="Times New Roman" panose="02020603050405020304" pitchFamily="18" charset="0"/>
+              </a:rPr>
+              <a:t>1000</a:t>
+            </a:r>
+            <a:r>
+              <a:rPr lang="zh-CN" altLang="en-US">
+                <a:solidFill>
+                  <a:schemeClr val="tx1"/>
+                </a:solidFill>
+                <a:latin typeface="Times New Roman" panose="02020603050405020304" pitchFamily="18" charset="0"/>
+                <a:cs typeface="Times New Roman" panose="02020603050405020304" pitchFamily="18" charset="0"/>
+              </a:rPr>
+              <a:t>万</a:t>
+            </a:r>
+          </a:p>
+        </p:txBody>
+      </p:sp>
+      <p:sp>
+        <p:nvSpPr>
+          <p:cNvPr id="81" name="矩形 80">
+            <a:extLst>
+              <a:ext uri="{FF2B5EF4-FFF2-40B4-BE49-F238E27FC236}">
+                <a16:creationId xmlns:a16="http://schemas.microsoft.com/office/drawing/2014/main" id="{9E1865F5-137E-4A91-835A-5D69F5A5636A}"/>
+              </a:ext>
+            </a:extLst>
+          </p:cNvPr>
+          <p:cNvSpPr/>
+          <p:nvPr/>
+        </p:nvSpPr>
+        <p:spPr>
+          <a:xfrm>
+            <a:off x="3076676" y="2614381"/>
+            <a:ext cx="989298" cy="540152"/>
+          </a:xfrm>
+          <a:prstGeom prst="rect">
+            <a:avLst/>
+          </a:prstGeom>
+        </p:spPr>
+        <p:style>
+          <a:lnRef idx="2">
+            <a:schemeClr val="accent5">
+              <a:shade val="50000"/>
+            </a:schemeClr>
+          </a:lnRef>
+          <a:fillRef idx="1">
+            <a:schemeClr val="accent5"/>
+          </a:fillRef>
+          <a:effectRef idx="0">
+            <a:schemeClr val="accent5"/>
+          </a:effectRef>
+          <a:fontRef idx="minor">
+            <a:schemeClr val="lt1"/>
+          </a:fontRef>
+        </p:style>
+        <p:txBody>
+          <a:bodyPr rtlCol="0" anchor="ctr"/>
+          <a:lstStyle/>
+          <a:p>
+            <a:pPr algn="ctr"/>
+            <a:r>
+              <a:rPr lang="en-US" altLang="zh-CN">
+                <a:solidFill>
+                  <a:schemeClr val="tx1"/>
+                </a:solidFill>
+                <a:latin typeface="Times New Roman" panose="02020603050405020304" pitchFamily="18" charset="0"/>
+                <a:cs typeface="Times New Roman" panose="02020603050405020304" pitchFamily="18" charset="0"/>
+              </a:rPr>
+              <a:t>1000</a:t>
+            </a:r>
+            <a:r>
+              <a:rPr lang="zh-CN" altLang="en-US">
+                <a:solidFill>
+                  <a:schemeClr val="tx1"/>
+                </a:solidFill>
+                <a:latin typeface="Times New Roman" panose="02020603050405020304" pitchFamily="18" charset="0"/>
+                <a:cs typeface="Times New Roman" panose="02020603050405020304" pitchFamily="18" charset="0"/>
+              </a:rPr>
+              <a:t>万</a:t>
+            </a:r>
+          </a:p>
+        </p:txBody>
+      </p:sp>
+      <p:sp>
+        <p:nvSpPr>
+          <p:cNvPr id="82" name="矩形 81">
+            <a:extLst>
+              <a:ext uri="{FF2B5EF4-FFF2-40B4-BE49-F238E27FC236}">
+                <a16:creationId xmlns:a16="http://schemas.microsoft.com/office/drawing/2014/main" id="{B58461D2-CE31-4982-A0EF-8DA796D22B14}"/>
+              </a:ext>
+            </a:extLst>
+          </p:cNvPr>
+          <p:cNvSpPr/>
+          <p:nvPr/>
+        </p:nvSpPr>
+        <p:spPr>
+          <a:xfrm>
+            <a:off x="4505980" y="2614381"/>
+            <a:ext cx="989298" cy="540152"/>
+          </a:xfrm>
+          <a:prstGeom prst="rect">
+            <a:avLst/>
+          </a:prstGeom>
+        </p:spPr>
+        <p:style>
+          <a:lnRef idx="2">
+            <a:schemeClr val="accent5">
+              <a:shade val="50000"/>
+            </a:schemeClr>
+          </a:lnRef>
+          <a:fillRef idx="1">
+            <a:schemeClr val="accent5"/>
+          </a:fillRef>
+          <a:effectRef idx="0">
+            <a:schemeClr val="accent5"/>
+          </a:effectRef>
+          <a:fontRef idx="minor">
+            <a:schemeClr val="lt1"/>
+          </a:fontRef>
+        </p:style>
+        <p:txBody>
+          <a:bodyPr rtlCol="0" anchor="ctr"/>
+          <a:lstStyle/>
+          <a:p>
+            <a:pPr algn="ctr"/>
+            <a:r>
+              <a:rPr lang="en-US" altLang="zh-CN">
+                <a:solidFill>
+                  <a:schemeClr val="tx1"/>
+                </a:solidFill>
+                <a:latin typeface="Times New Roman" panose="02020603050405020304" pitchFamily="18" charset="0"/>
+                <a:cs typeface="Times New Roman" panose="02020603050405020304" pitchFamily="18" charset="0"/>
+              </a:rPr>
+              <a:t>1000</a:t>
+            </a:r>
+            <a:r>
+              <a:rPr lang="zh-CN" altLang="en-US">
+                <a:solidFill>
+                  <a:schemeClr val="tx1"/>
+                </a:solidFill>
+                <a:latin typeface="Times New Roman" panose="02020603050405020304" pitchFamily="18" charset="0"/>
+                <a:cs typeface="Times New Roman" panose="02020603050405020304" pitchFamily="18" charset="0"/>
+              </a:rPr>
+              <a:t>万</a:t>
+            </a:r>
+          </a:p>
+        </p:txBody>
+      </p:sp>
+      <p:sp>
+        <p:nvSpPr>
+          <p:cNvPr id="83" name="矩形 82">
+            <a:extLst>
+              <a:ext uri="{FF2B5EF4-FFF2-40B4-BE49-F238E27FC236}">
+                <a16:creationId xmlns:a16="http://schemas.microsoft.com/office/drawing/2014/main" id="{9475CEEA-FB57-4FA6-8E0C-F044B0653281}"/>
+              </a:ext>
+            </a:extLst>
+          </p:cNvPr>
+          <p:cNvSpPr/>
+          <p:nvPr/>
+        </p:nvSpPr>
+        <p:spPr>
+          <a:xfrm>
+            <a:off x="5819876" y="2614381"/>
+            <a:ext cx="989298" cy="540152"/>
+          </a:xfrm>
+          <a:prstGeom prst="rect">
+            <a:avLst/>
+          </a:prstGeom>
+        </p:spPr>
+        <p:style>
+          <a:lnRef idx="2">
+            <a:schemeClr val="accent5">
+              <a:shade val="50000"/>
+            </a:schemeClr>
+          </a:lnRef>
+          <a:fillRef idx="1">
+            <a:schemeClr val="accent5"/>
+          </a:fillRef>
+          <a:effectRef idx="0">
+            <a:schemeClr val="accent5"/>
+          </a:effectRef>
+          <a:fontRef idx="minor">
+            <a:schemeClr val="lt1"/>
+          </a:fontRef>
+        </p:style>
+        <p:txBody>
+          <a:bodyPr rtlCol="0" anchor="ctr"/>
+          <a:lstStyle/>
+          <a:p>
+            <a:pPr algn="ctr"/>
+            <a:r>
+              <a:rPr lang="en-US" altLang="zh-CN">
+                <a:solidFill>
+                  <a:schemeClr val="tx1"/>
+                </a:solidFill>
+                <a:latin typeface="Times New Roman" panose="02020603050405020304" pitchFamily="18" charset="0"/>
+                <a:cs typeface="Times New Roman" panose="02020603050405020304" pitchFamily="18" charset="0"/>
+              </a:rPr>
+              <a:t>1000</a:t>
+            </a:r>
+            <a:r>
+              <a:rPr lang="zh-CN" altLang="en-US">
+                <a:solidFill>
+                  <a:schemeClr val="tx1"/>
+                </a:solidFill>
+                <a:latin typeface="Times New Roman" panose="02020603050405020304" pitchFamily="18" charset="0"/>
+                <a:cs typeface="Times New Roman" panose="02020603050405020304" pitchFamily="18" charset="0"/>
+              </a:rPr>
+              <a:t>万</a:t>
+            </a:r>
+          </a:p>
+        </p:txBody>
+      </p:sp>
+      <p:sp>
+        <p:nvSpPr>
+          <p:cNvPr id="84" name="矩形 83">
+            <a:extLst>
+              <a:ext uri="{FF2B5EF4-FFF2-40B4-BE49-F238E27FC236}">
+                <a16:creationId xmlns:a16="http://schemas.microsoft.com/office/drawing/2014/main" id="{4CFCD238-0C3F-460E-A05E-0B15101F0C94}"/>
+              </a:ext>
+            </a:extLst>
+          </p:cNvPr>
+          <p:cNvSpPr/>
+          <p:nvPr/>
+        </p:nvSpPr>
+        <p:spPr>
+          <a:xfrm>
+            <a:off x="7249180" y="2614381"/>
+            <a:ext cx="989298" cy="540152"/>
+          </a:xfrm>
+          <a:prstGeom prst="rect">
+            <a:avLst/>
+          </a:prstGeom>
+        </p:spPr>
+        <p:style>
+          <a:lnRef idx="2">
+            <a:schemeClr val="accent5">
+              <a:shade val="50000"/>
+            </a:schemeClr>
+          </a:lnRef>
+          <a:fillRef idx="1">
+            <a:schemeClr val="accent5"/>
+          </a:fillRef>
+          <a:effectRef idx="0">
+            <a:schemeClr val="accent5"/>
+          </a:effectRef>
+          <a:fontRef idx="minor">
+            <a:schemeClr val="lt1"/>
+          </a:fontRef>
+        </p:style>
+        <p:txBody>
+          <a:bodyPr rtlCol="0" anchor="ctr"/>
+          <a:lstStyle/>
+          <a:p>
+            <a:pPr algn="ctr"/>
+            <a:r>
+              <a:rPr lang="en-US" altLang="zh-CN">
+                <a:solidFill>
+                  <a:schemeClr val="tx1"/>
+                </a:solidFill>
+                <a:latin typeface="Times New Roman" panose="02020603050405020304" pitchFamily="18" charset="0"/>
+                <a:cs typeface="Times New Roman" panose="02020603050405020304" pitchFamily="18" charset="0"/>
+              </a:rPr>
+              <a:t>1000</a:t>
+            </a:r>
+            <a:r>
+              <a:rPr lang="zh-CN" altLang="en-US">
+                <a:solidFill>
+                  <a:schemeClr val="tx1"/>
+                </a:solidFill>
+                <a:latin typeface="Times New Roman" panose="02020603050405020304" pitchFamily="18" charset="0"/>
+                <a:cs typeface="Times New Roman" panose="02020603050405020304" pitchFamily="18" charset="0"/>
+              </a:rPr>
+              <a:t>万</a:t>
+            </a:r>
+          </a:p>
+        </p:txBody>
+      </p:sp>
+      <p:sp>
+        <p:nvSpPr>
+          <p:cNvPr id="91" name="矩形 90">
+            <a:extLst>
+              <a:ext uri="{FF2B5EF4-FFF2-40B4-BE49-F238E27FC236}">
+                <a16:creationId xmlns:a16="http://schemas.microsoft.com/office/drawing/2014/main" id="{D82BDFB3-A49E-4B33-BA6A-121D4F4C02FC}"/>
+              </a:ext>
+            </a:extLst>
+          </p:cNvPr>
+          <p:cNvSpPr/>
+          <p:nvPr/>
+        </p:nvSpPr>
+        <p:spPr>
+          <a:xfrm>
+            <a:off x="8678484" y="2582119"/>
+            <a:ext cx="989298" cy="540152"/>
+          </a:xfrm>
+          <a:prstGeom prst="rect">
+            <a:avLst/>
+          </a:prstGeom>
+        </p:spPr>
+        <p:style>
+          <a:lnRef idx="2">
+            <a:schemeClr val="accent5">
+              <a:shade val="50000"/>
+            </a:schemeClr>
+          </a:lnRef>
+          <a:fillRef idx="1">
+            <a:schemeClr val="accent5"/>
+          </a:fillRef>
+          <a:effectRef idx="0">
+            <a:schemeClr val="accent5"/>
+          </a:effectRef>
+          <a:fontRef idx="minor">
+            <a:schemeClr val="lt1"/>
+          </a:fontRef>
+        </p:style>
+        <p:txBody>
+          <a:bodyPr rtlCol="0" anchor="ctr"/>
+          <a:lstStyle/>
+          <a:p>
+            <a:pPr algn="ctr"/>
+            <a:r>
+              <a:rPr lang="en-US" altLang="zh-CN">
+                <a:solidFill>
+                  <a:schemeClr val="tx1"/>
+                </a:solidFill>
+                <a:latin typeface="Times New Roman" panose="02020603050405020304" pitchFamily="18" charset="0"/>
+                <a:cs typeface="Times New Roman" panose="02020603050405020304" pitchFamily="18" charset="0"/>
+              </a:rPr>
+              <a:t>1000</a:t>
+            </a:r>
+            <a:r>
+              <a:rPr lang="zh-CN" altLang="en-US">
+                <a:solidFill>
+                  <a:schemeClr val="tx1"/>
+                </a:solidFill>
+                <a:latin typeface="Times New Roman" panose="02020603050405020304" pitchFamily="18" charset="0"/>
+                <a:cs typeface="Times New Roman" panose="02020603050405020304" pitchFamily="18" charset="0"/>
+              </a:rPr>
+              <a:t>万</a:t>
+            </a:r>
+          </a:p>
+        </p:txBody>
+      </p:sp>
+      <p:sp>
+        <p:nvSpPr>
+          <p:cNvPr id="92" name="矩形 91">
+            <a:extLst>
+              <a:ext uri="{FF2B5EF4-FFF2-40B4-BE49-F238E27FC236}">
+                <a16:creationId xmlns:a16="http://schemas.microsoft.com/office/drawing/2014/main" id="{AAECCC87-4244-48F7-8ED4-76CBAFD0B612}"/>
+              </a:ext>
+            </a:extLst>
+          </p:cNvPr>
+          <p:cNvSpPr/>
+          <p:nvPr/>
+        </p:nvSpPr>
+        <p:spPr>
+          <a:xfrm>
+            <a:off x="10107788" y="2582119"/>
+            <a:ext cx="989298" cy="540152"/>
+          </a:xfrm>
+          <a:prstGeom prst="rect">
+            <a:avLst/>
+          </a:prstGeom>
+        </p:spPr>
+        <p:style>
+          <a:lnRef idx="2">
+            <a:schemeClr val="accent5">
+              <a:shade val="50000"/>
+            </a:schemeClr>
+          </a:lnRef>
+          <a:fillRef idx="1">
+            <a:schemeClr val="accent5"/>
+          </a:fillRef>
+          <a:effectRef idx="0">
+            <a:schemeClr val="accent5"/>
+          </a:effectRef>
+          <a:fontRef idx="minor">
+            <a:schemeClr val="lt1"/>
+          </a:fontRef>
+        </p:style>
+        <p:txBody>
+          <a:bodyPr rtlCol="0" anchor="ctr"/>
+          <a:lstStyle/>
+          <a:p>
+            <a:pPr algn="ctr"/>
+            <a:r>
+              <a:rPr lang="en-US" altLang="zh-CN">
+                <a:solidFill>
+                  <a:schemeClr val="tx1"/>
+                </a:solidFill>
+                <a:latin typeface="Times New Roman" panose="02020603050405020304" pitchFamily="18" charset="0"/>
+                <a:cs typeface="Times New Roman" panose="02020603050405020304" pitchFamily="18" charset="0"/>
+              </a:rPr>
+              <a:t>1000</a:t>
+            </a:r>
+            <a:r>
+              <a:rPr lang="zh-CN" altLang="en-US">
+                <a:solidFill>
+                  <a:schemeClr val="tx1"/>
+                </a:solidFill>
+                <a:latin typeface="Times New Roman" panose="02020603050405020304" pitchFamily="18" charset="0"/>
+                <a:cs typeface="Times New Roman" panose="02020603050405020304" pitchFamily="18" charset="0"/>
+              </a:rPr>
+              <a:t>万</a:t>
+            </a:r>
+          </a:p>
+        </p:txBody>
+      </p:sp>
+      <p:sp>
+        <p:nvSpPr>
+          <p:cNvPr id="93" name="矩形 92">
+            <a:extLst>
+              <a:ext uri="{FF2B5EF4-FFF2-40B4-BE49-F238E27FC236}">
+                <a16:creationId xmlns:a16="http://schemas.microsoft.com/office/drawing/2014/main" id="{3AE55882-83DD-493A-B57E-79B15A6EDB55}"/>
+              </a:ext>
+            </a:extLst>
+          </p:cNvPr>
+          <p:cNvSpPr/>
+          <p:nvPr/>
+        </p:nvSpPr>
+        <p:spPr>
+          <a:xfrm>
+            <a:off x="2087378" y="3990419"/>
+            <a:ext cx="989298" cy="540152"/>
+          </a:xfrm>
+          <a:prstGeom prst="rect">
+            <a:avLst/>
+          </a:prstGeom>
+        </p:spPr>
+        <p:style>
+          <a:lnRef idx="2">
+            <a:schemeClr val="accent5">
+              <a:shade val="50000"/>
+            </a:schemeClr>
+          </a:lnRef>
+          <a:fillRef idx="1">
+            <a:schemeClr val="accent5"/>
+          </a:fillRef>
+          <a:effectRef idx="0">
+            <a:schemeClr val="accent5"/>
+          </a:effectRef>
+          <a:fontRef idx="minor">
+            <a:schemeClr val="lt1"/>
+          </a:fontRef>
+        </p:style>
+        <p:txBody>
+          <a:bodyPr rtlCol="0" anchor="ctr"/>
+          <a:lstStyle/>
+          <a:p>
+            <a:pPr algn="ctr"/>
+            <a:r>
+              <a:rPr lang="en-US" altLang="zh-CN">
+                <a:solidFill>
+                  <a:schemeClr val="tx1"/>
+                </a:solidFill>
+                <a:latin typeface="Times New Roman" panose="02020603050405020304" pitchFamily="18" charset="0"/>
+                <a:cs typeface="Times New Roman" panose="02020603050405020304" pitchFamily="18" charset="0"/>
+              </a:rPr>
+              <a:t>10</a:t>
+            </a:r>
+            <a:r>
+              <a:rPr lang="zh-CN" altLang="en-US">
+                <a:solidFill>
+                  <a:schemeClr val="tx1"/>
+                </a:solidFill>
+                <a:latin typeface="Times New Roman" panose="02020603050405020304" pitchFamily="18" charset="0"/>
+                <a:cs typeface="Times New Roman" panose="02020603050405020304" pitchFamily="18" charset="0"/>
+              </a:rPr>
+              <a:t>万</a:t>
+            </a:r>
+          </a:p>
+        </p:txBody>
+      </p:sp>
+      <p:sp>
+        <p:nvSpPr>
+          <p:cNvPr id="4" name="左大括号 3">
+            <a:extLst>
+              <a:ext uri="{FF2B5EF4-FFF2-40B4-BE49-F238E27FC236}">
+                <a16:creationId xmlns:a16="http://schemas.microsoft.com/office/drawing/2014/main" id="{5591FE81-673F-41F9-ADEC-25CED1E1DC05}"/>
+              </a:ext>
+            </a:extLst>
+          </p:cNvPr>
+          <p:cNvSpPr/>
+          <p:nvPr/>
+        </p:nvSpPr>
+        <p:spPr>
+          <a:xfrm rot="5400000">
+            <a:off x="6010876" y="-63623"/>
+            <a:ext cx="540153" cy="7448367"/>
+          </a:xfrm>
+          <a:prstGeom prst="leftBrace">
+            <a:avLst/>
+          </a:prstGeom>
+          <a:ln w="38100">
+            <a:solidFill>
+              <a:srgbClr val="FF0000"/>
+            </a:solidFill>
+          </a:ln>
+        </p:spPr>
+        <p:style>
+          <a:lnRef idx="1">
+            <a:schemeClr val="accent1"/>
+          </a:lnRef>
+          <a:fillRef idx="0">
+            <a:schemeClr val="accent1"/>
+          </a:fillRef>
+          <a:effectRef idx="0">
+            <a:schemeClr val="accent1"/>
+          </a:effectRef>
+          <a:fontRef idx="minor">
+            <a:schemeClr val="tx1"/>
+          </a:fontRef>
+        </p:style>
+        <p:txBody>
+          <a:bodyPr rtlCol="0" anchor="ctr"/>
+          <a:lstStyle/>
+          <a:p>
+            <a:pPr algn="ctr"/>
+            <a:endParaRPr lang="zh-CN" altLang="en-US"/>
+          </a:p>
+        </p:txBody>
+      </p:sp>
+      <p:sp>
+        <p:nvSpPr>
+          <p:cNvPr id="94" name="矩形 93">
+            <a:extLst>
+              <a:ext uri="{FF2B5EF4-FFF2-40B4-BE49-F238E27FC236}">
+                <a16:creationId xmlns:a16="http://schemas.microsoft.com/office/drawing/2014/main" id="{3EF0E3F2-1FA9-4380-9AE3-68C92EA7BB5E}"/>
+              </a:ext>
+            </a:extLst>
+          </p:cNvPr>
+          <p:cNvSpPr/>
+          <p:nvPr/>
+        </p:nvSpPr>
+        <p:spPr>
+          <a:xfrm>
+            <a:off x="3427906" y="3990419"/>
+            <a:ext cx="989298" cy="540152"/>
+          </a:xfrm>
+          <a:prstGeom prst="rect">
+            <a:avLst/>
+          </a:prstGeom>
+        </p:spPr>
+        <p:style>
+          <a:lnRef idx="2">
+            <a:schemeClr val="accent5">
+              <a:shade val="50000"/>
+            </a:schemeClr>
+          </a:lnRef>
+          <a:fillRef idx="1">
+            <a:schemeClr val="accent5"/>
+          </a:fillRef>
+          <a:effectRef idx="0">
+            <a:schemeClr val="accent5"/>
+          </a:effectRef>
+          <a:fontRef idx="minor">
+            <a:schemeClr val="lt1"/>
+          </a:fontRef>
+        </p:style>
+        <p:txBody>
+          <a:bodyPr rtlCol="0" anchor="ctr"/>
+          <a:lstStyle/>
+          <a:p>
+            <a:pPr algn="ctr"/>
+            <a:r>
+              <a:rPr lang="en-US" altLang="zh-CN">
+                <a:solidFill>
+                  <a:schemeClr val="tx1"/>
+                </a:solidFill>
+                <a:latin typeface="Times New Roman" panose="02020603050405020304" pitchFamily="18" charset="0"/>
+                <a:cs typeface="Times New Roman" panose="02020603050405020304" pitchFamily="18" charset="0"/>
+              </a:rPr>
+              <a:t>10</a:t>
+            </a:r>
+            <a:r>
+              <a:rPr lang="zh-CN" altLang="en-US">
+                <a:solidFill>
+                  <a:schemeClr val="tx1"/>
+                </a:solidFill>
+                <a:latin typeface="Times New Roman" panose="02020603050405020304" pitchFamily="18" charset="0"/>
+                <a:cs typeface="Times New Roman" panose="02020603050405020304" pitchFamily="18" charset="0"/>
+              </a:rPr>
+              <a:t>万</a:t>
+            </a:r>
+          </a:p>
+        </p:txBody>
+      </p:sp>
+      <p:sp>
+        <p:nvSpPr>
+          <p:cNvPr id="95" name="矩形 94">
+            <a:extLst>
+              <a:ext uri="{FF2B5EF4-FFF2-40B4-BE49-F238E27FC236}">
+                <a16:creationId xmlns:a16="http://schemas.microsoft.com/office/drawing/2014/main" id="{8B143131-4A21-49E5-845D-B572080D868E}"/>
+              </a:ext>
+            </a:extLst>
+          </p:cNvPr>
+          <p:cNvSpPr/>
+          <p:nvPr/>
+        </p:nvSpPr>
+        <p:spPr>
+          <a:xfrm>
+            <a:off x="5000629" y="3990419"/>
+            <a:ext cx="989298" cy="540152"/>
+          </a:xfrm>
+          <a:prstGeom prst="rect">
+            <a:avLst/>
+          </a:prstGeom>
+        </p:spPr>
+        <p:style>
+          <a:lnRef idx="2">
+            <a:schemeClr val="accent5">
+              <a:shade val="50000"/>
+            </a:schemeClr>
+          </a:lnRef>
+          <a:fillRef idx="1">
+            <a:schemeClr val="accent5"/>
+          </a:fillRef>
+          <a:effectRef idx="0">
+            <a:schemeClr val="accent5"/>
+          </a:effectRef>
+          <a:fontRef idx="minor">
+            <a:schemeClr val="lt1"/>
+          </a:fontRef>
+        </p:style>
+        <p:txBody>
+          <a:bodyPr rtlCol="0" anchor="ctr"/>
+          <a:lstStyle/>
+          <a:p>
+            <a:pPr algn="ctr"/>
+            <a:r>
+              <a:rPr lang="en-US" altLang="zh-CN">
+                <a:solidFill>
+                  <a:schemeClr val="tx1"/>
+                </a:solidFill>
+                <a:latin typeface="Times New Roman" panose="02020603050405020304" pitchFamily="18" charset="0"/>
+                <a:cs typeface="Times New Roman" panose="02020603050405020304" pitchFamily="18" charset="0"/>
+              </a:rPr>
+              <a:t>10</a:t>
+            </a:r>
+            <a:r>
+              <a:rPr lang="zh-CN" altLang="en-US">
+                <a:solidFill>
+                  <a:schemeClr val="tx1"/>
+                </a:solidFill>
+                <a:latin typeface="Times New Roman" panose="02020603050405020304" pitchFamily="18" charset="0"/>
+                <a:cs typeface="Times New Roman" panose="02020603050405020304" pitchFamily="18" charset="0"/>
+              </a:rPr>
+              <a:t>万</a:t>
+            </a:r>
+          </a:p>
+        </p:txBody>
+      </p:sp>
+      <p:sp>
+        <p:nvSpPr>
+          <p:cNvPr id="96" name="矩形 95">
+            <a:extLst>
+              <a:ext uri="{FF2B5EF4-FFF2-40B4-BE49-F238E27FC236}">
+                <a16:creationId xmlns:a16="http://schemas.microsoft.com/office/drawing/2014/main" id="{ECC2BF72-9942-4F76-9AE8-C5A32CA00E1A}"/>
+              </a:ext>
+            </a:extLst>
+          </p:cNvPr>
+          <p:cNvSpPr/>
+          <p:nvPr/>
+        </p:nvSpPr>
+        <p:spPr>
+          <a:xfrm>
+            <a:off x="6314525" y="3990419"/>
+            <a:ext cx="989298" cy="540152"/>
+          </a:xfrm>
+          <a:prstGeom prst="rect">
+            <a:avLst/>
+          </a:prstGeom>
+        </p:spPr>
+        <p:style>
+          <a:lnRef idx="2">
+            <a:schemeClr val="accent5">
+              <a:shade val="50000"/>
+            </a:schemeClr>
+          </a:lnRef>
+          <a:fillRef idx="1">
+            <a:schemeClr val="accent5"/>
+          </a:fillRef>
+          <a:effectRef idx="0">
+            <a:schemeClr val="accent5"/>
+          </a:effectRef>
+          <a:fontRef idx="minor">
+            <a:schemeClr val="lt1"/>
+          </a:fontRef>
+        </p:style>
+        <p:txBody>
+          <a:bodyPr rtlCol="0" anchor="ctr"/>
+          <a:lstStyle/>
+          <a:p>
+            <a:pPr algn="ctr"/>
+            <a:r>
+              <a:rPr lang="en-US" altLang="zh-CN">
+                <a:solidFill>
+                  <a:schemeClr val="tx1"/>
+                </a:solidFill>
+                <a:latin typeface="Times New Roman" panose="02020603050405020304" pitchFamily="18" charset="0"/>
+                <a:cs typeface="Times New Roman" panose="02020603050405020304" pitchFamily="18" charset="0"/>
+              </a:rPr>
+              <a:t>10</a:t>
+            </a:r>
+            <a:r>
+              <a:rPr lang="zh-CN" altLang="en-US">
+                <a:solidFill>
+                  <a:schemeClr val="tx1"/>
+                </a:solidFill>
+                <a:latin typeface="Times New Roman" panose="02020603050405020304" pitchFamily="18" charset="0"/>
+                <a:cs typeface="Times New Roman" panose="02020603050405020304" pitchFamily="18" charset="0"/>
+              </a:rPr>
+              <a:t>万</a:t>
+            </a:r>
+          </a:p>
+        </p:txBody>
+      </p:sp>
+      <p:sp>
+        <p:nvSpPr>
+          <p:cNvPr id="97" name="矩形 96">
+            <a:extLst>
+              <a:ext uri="{FF2B5EF4-FFF2-40B4-BE49-F238E27FC236}">
+                <a16:creationId xmlns:a16="http://schemas.microsoft.com/office/drawing/2014/main" id="{E4F66B71-EFE0-49A8-85B0-EC6F3519BDB5}"/>
+              </a:ext>
+            </a:extLst>
+          </p:cNvPr>
+          <p:cNvSpPr/>
+          <p:nvPr/>
+        </p:nvSpPr>
+        <p:spPr>
+          <a:xfrm>
+            <a:off x="7655053" y="3990419"/>
+            <a:ext cx="989298" cy="540152"/>
+          </a:xfrm>
+          <a:prstGeom prst="rect">
+            <a:avLst/>
+          </a:prstGeom>
+        </p:spPr>
+        <p:style>
+          <a:lnRef idx="2">
+            <a:schemeClr val="accent5">
+              <a:shade val="50000"/>
+            </a:schemeClr>
+          </a:lnRef>
+          <a:fillRef idx="1">
+            <a:schemeClr val="accent5"/>
+          </a:fillRef>
+          <a:effectRef idx="0">
+            <a:schemeClr val="accent5"/>
+          </a:effectRef>
+          <a:fontRef idx="minor">
+            <a:schemeClr val="lt1"/>
+          </a:fontRef>
+        </p:style>
+        <p:txBody>
+          <a:bodyPr rtlCol="0" anchor="ctr"/>
+          <a:lstStyle/>
+          <a:p>
+            <a:pPr algn="ctr"/>
+            <a:r>
+              <a:rPr lang="en-US" altLang="zh-CN">
+                <a:solidFill>
+                  <a:schemeClr val="tx1"/>
+                </a:solidFill>
+                <a:latin typeface="Times New Roman" panose="02020603050405020304" pitchFamily="18" charset="0"/>
+                <a:cs typeface="Times New Roman" panose="02020603050405020304" pitchFamily="18" charset="0"/>
+              </a:rPr>
+              <a:t>10</a:t>
+            </a:r>
+            <a:r>
+              <a:rPr lang="zh-CN" altLang="en-US">
+                <a:solidFill>
+                  <a:schemeClr val="tx1"/>
+                </a:solidFill>
+                <a:latin typeface="Times New Roman" panose="02020603050405020304" pitchFamily="18" charset="0"/>
+                <a:cs typeface="Times New Roman" panose="02020603050405020304" pitchFamily="18" charset="0"/>
+              </a:rPr>
+              <a:t>万</a:t>
+            </a:r>
+          </a:p>
+        </p:txBody>
+      </p:sp>
+      <p:sp>
+        <p:nvSpPr>
+          <p:cNvPr id="98" name="矩形 97">
+            <a:extLst>
+              <a:ext uri="{FF2B5EF4-FFF2-40B4-BE49-F238E27FC236}">
+                <a16:creationId xmlns:a16="http://schemas.microsoft.com/office/drawing/2014/main" id="{8DD37D00-FEB5-4F12-8058-558EDD5FCB07}"/>
+              </a:ext>
+            </a:extLst>
+          </p:cNvPr>
+          <p:cNvSpPr/>
+          <p:nvPr/>
+        </p:nvSpPr>
+        <p:spPr>
+          <a:xfrm>
+            <a:off x="9227776" y="3990419"/>
+            <a:ext cx="989298" cy="540152"/>
+          </a:xfrm>
+          <a:prstGeom prst="rect">
+            <a:avLst/>
+          </a:prstGeom>
+        </p:spPr>
+        <p:style>
+          <a:lnRef idx="2">
+            <a:schemeClr val="accent5">
+              <a:shade val="50000"/>
+            </a:schemeClr>
+          </a:lnRef>
+          <a:fillRef idx="1">
+            <a:schemeClr val="accent5"/>
+          </a:fillRef>
+          <a:effectRef idx="0">
+            <a:schemeClr val="accent5"/>
+          </a:effectRef>
+          <a:fontRef idx="minor">
+            <a:schemeClr val="lt1"/>
+          </a:fontRef>
+        </p:style>
+        <p:txBody>
+          <a:bodyPr rtlCol="0" anchor="ctr"/>
+          <a:lstStyle/>
+          <a:p>
+            <a:pPr algn="ctr"/>
+            <a:r>
+              <a:rPr lang="en-US" altLang="zh-CN">
+                <a:solidFill>
+                  <a:schemeClr val="tx1"/>
+                </a:solidFill>
+                <a:latin typeface="Times New Roman" panose="02020603050405020304" pitchFamily="18" charset="0"/>
+                <a:cs typeface="Times New Roman" panose="02020603050405020304" pitchFamily="18" charset="0"/>
+              </a:rPr>
+              <a:t>10</a:t>
+            </a:r>
+            <a:r>
+              <a:rPr lang="zh-CN" altLang="en-US">
+                <a:solidFill>
+                  <a:schemeClr val="tx1"/>
+                </a:solidFill>
+                <a:latin typeface="Times New Roman" panose="02020603050405020304" pitchFamily="18" charset="0"/>
+                <a:cs typeface="Times New Roman" panose="02020603050405020304" pitchFamily="18" charset="0"/>
+              </a:rPr>
+              <a:t>万</a:t>
+            </a:r>
+          </a:p>
+        </p:txBody>
+      </p:sp>
+      <p:sp>
+        <p:nvSpPr>
+          <p:cNvPr id="99" name="矩形 98">
+            <a:extLst>
+              <a:ext uri="{FF2B5EF4-FFF2-40B4-BE49-F238E27FC236}">
+                <a16:creationId xmlns:a16="http://schemas.microsoft.com/office/drawing/2014/main" id="{7838076A-23DC-4908-BE2A-9356316B6B44}"/>
+              </a:ext>
+            </a:extLst>
+          </p:cNvPr>
+          <p:cNvSpPr/>
+          <p:nvPr/>
+        </p:nvSpPr>
+        <p:spPr>
+          <a:xfrm>
+            <a:off x="2092382" y="5091276"/>
+            <a:ext cx="989298" cy="540152"/>
+          </a:xfrm>
+          <a:prstGeom prst="rect">
+            <a:avLst/>
+          </a:prstGeom>
+        </p:spPr>
+        <p:style>
+          <a:lnRef idx="2">
+            <a:schemeClr val="accent5">
+              <a:shade val="50000"/>
+            </a:schemeClr>
+          </a:lnRef>
+          <a:fillRef idx="1">
+            <a:schemeClr val="accent5"/>
+          </a:fillRef>
+          <a:effectRef idx="0">
+            <a:schemeClr val="accent5"/>
+          </a:effectRef>
+          <a:fontRef idx="minor">
+            <a:schemeClr val="lt1"/>
+          </a:fontRef>
+        </p:style>
+        <p:txBody>
+          <a:bodyPr rtlCol="0" anchor="ctr"/>
+          <a:lstStyle/>
+          <a:p>
+            <a:pPr algn="ctr"/>
+            <a:r>
+              <a:rPr lang="en-US" altLang="zh-CN">
+                <a:solidFill>
+                  <a:schemeClr val="tx1"/>
+                </a:solidFill>
+                <a:latin typeface="Times New Roman" panose="02020603050405020304" pitchFamily="18" charset="0"/>
+                <a:cs typeface="Times New Roman" panose="02020603050405020304" pitchFamily="18" charset="0"/>
+              </a:rPr>
+              <a:t>1000</a:t>
+            </a:r>
+            <a:endParaRPr lang="zh-CN" altLang="en-US">
+              <a:solidFill>
+                <a:schemeClr val="tx1"/>
+              </a:solidFill>
+              <a:latin typeface="Times New Roman" panose="02020603050405020304" pitchFamily="18" charset="0"/>
+              <a:cs typeface="Times New Roman" panose="02020603050405020304" pitchFamily="18" charset="0"/>
+            </a:endParaRPr>
+          </a:p>
+        </p:txBody>
+      </p:sp>
+      <p:sp>
+        <p:nvSpPr>
+          <p:cNvPr id="106" name="矩形 105">
+            <a:extLst>
+              <a:ext uri="{FF2B5EF4-FFF2-40B4-BE49-F238E27FC236}">
+                <a16:creationId xmlns:a16="http://schemas.microsoft.com/office/drawing/2014/main" id="{3DF1809A-0D52-4C25-9039-D2378A8BF600}"/>
+              </a:ext>
+            </a:extLst>
+          </p:cNvPr>
+          <p:cNvSpPr/>
+          <p:nvPr/>
+        </p:nvSpPr>
+        <p:spPr>
+          <a:xfrm>
+            <a:off x="3571325" y="5091276"/>
+            <a:ext cx="989298" cy="540152"/>
+          </a:xfrm>
+          <a:prstGeom prst="rect">
+            <a:avLst/>
+          </a:prstGeom>
+        </p:spPr>
+        <p:style>
+          <a:lnRef idx="2">
+            <a:schemeClr val="accent5">
+              <a:shade val="50000"/>
+            </a:schemeClr>
+          </a:lnRef>
+          <a:fillRef idx="1">
+            <a:schemeClr val="accent5"/>
+          </a:fillRef>
+          <a:effectRef idx="0">
+            <a:schemeClr val="accent5"/>
+          </a:effectRef>
+          <a:fontRef idx="minor">
+            <a:schemeClr val="lt1"/>
+          </a:fontRef>
+        </p:style>
+        <p:txBody>
+          <a:bodyPr rtlCol="0" anchor="ctr"/>
+          <a:lstStyle/>
+          <a:p>
+            <a:pPr algn="ctr"/>
+            <a:r>
+              <a:rPr lang="en-US" altLang="zh-CN">
+                <a:solidFill>
+                  <a:schemeClr val="tx1"/>
+                </a:solidFill>
+                <a:latin typeface="Times New Roman" panose="02020603050405020304" pitchFamily="18" charset="0"/>
+                <a:cs typeface="Times New Roman" panose="02020603050405020304" pitchFamily="18" charset="0"/>
+              </a:rPr>
+              <a:t>1000</a:t>
+            </a:r>
+            <a:endParaRPr lang="zh-CN" altLang="en-US">
+              <a:solidFill>
+                <a:schemeClr val="tx1"/>
+              </a:solidFill>
+              <a:latin typeface="Times New Roman" panose="02020603050405020304" pitchFamily="18" charset="0"/>
+              <a:cs typeface="Times New Roman" panose="02020603050405020304" pitchFamily="18" charset="0"/>
+            </a:endParaRPr>
+          </a:p>
+        </p:txBody>
+      </p:sp>
+      <p:sp>
+        <p:nvSpPr>
+          <p:cNvPr id="107" name="矩形 106">
+            <a:extLst>
+              <a:ext uri="{FF2B5EF4-FFF2-40B4-BE49-F238E27FC236}">
+                <a16:creationId xmlns:a16="http://schemas.microsoft.com/office/drawing/2014/main" id="{247D2D5E-004E-4AFC-A4D4-930D34EA45C0}"/>
+              </a:ext>
+            </a:extLst>
+          </p:cNvPr>
+          <p:cNvSpPr/>
+          <p:nvPr/>
+        </p:nvSpPr>
+        <p:spPr>
+          <a:xfrm>
+            <a:off x="5193999" y="5091276"/>
+            <a:ext cx="989298" cy="540152"/>
+          </a:xfrm>
+          <a:prstGeom prst="rect">
+            <a:avLst/>
+          </a:prstGeom>
+        </p:spPr>
+        <p:style>
+          <a:lnRef idx="2">
+            <a:schemeClr val="accent5">
+              <a:shade val="50000"/>
+            </a:schemeClr>
+          </a:lnRef>
+          <a:fillRef idx="1">
+            <a:schemeClr val="accent5"/>
+          </a:fillRef>
+          <a:effectRef idx="0">
+            <a:schemeClr val="accent5"/>
+          </a:effectRef>
+          <a:fontRef idx="minor">
+            <a:schemeClr val="lt1"/>
+          </a:fontRef>
+        </p:style>
+        <p:txBody>
+          <a:bodyPr rtlCol="0" anchor="ctr"/>
+          <a:lstStyle/>
+          <a:p>
+            <a:pPr algn="ctr"/>
+            <a:r>
+              <a:rPr lang="en-US" altLang="zh-CN">
+                <a:solidFill>
+                  <a:schemeClr val="tx1"/>
+                </a:solidFill>
+                <a:latin typeface="Times New Roman" panose="02020603050405020304" pitchFamily="18" charset="0"/>
+                <a:cs typeface="Times New Roman" panose="02020603050405020304" pitchFamily="18" charset="0"/>
+              </a:rPr>
+              <a:t>1000</a:t>
+            </a:r>
+            <a:endParaRPr lang="zh-CN" altLang="en-US">
+              <a:solidFill>
+                <a:schemeClr val="tx1"/>
+              </a:solidFill>
+              <a:latin typeface="Times New Roman" panose="02020603050405020304" pitchFamily="18" charset="0"/>
+              <a:cs typeface="Times New Roman" panose="02020603050405020304" pitchFamily="18" charset="0"/>
+            </a:endParaRPr>
+          </a:p>
+        </p:txBody>
+      </p:sp>
+      <p:sp>
+        <p:nvSpPr>
+          <p:cNvPr id="108" name="矩形 107">
+            <a:extLst>
+              <a:ext uri="{FF2B5EF4-FFF2-40B4-BE49-F238E27FC236}">
+                <a16:creationId xmlns:a16="http://schemas.microsoft.com/office/drawing/2014/main" id="{F5F0A6BE-E3DA-47C1-B1BB-23A36773BCB3}"/>
+              </a:ext>
+            </a:extLst>
+          </p:cNvPr>
+          <p:cNvSpPr/>
+          <p:nvPr/>
+        </p:nvSpPr>
+        <p:spPr>
+          <a:xfrm>
+            <a:off x="6525650" y="5091276"/>
+            <a:ext cx="989298" cy="540152"/>
+          </a:xfrm>
+          <a:prstGeom prst="rect">
+            <a:avLst/>
+          </a:prstGeom>
+        </p:spPr>
+        <p:style>
+          <a:lnRef idx="2">
+            <a:schemeClr val="accent5">
+              <a:shade val="50000"/>
+            </a:schemeClr>
+          </a:lnRef>
+          <a:fillRef idx="1">
+            <a:schemeClr val="accent5"/>
+          </a:fillRef>
+          <a:effectRef idx="0">
+            <a:schemeClr val="accent5"/>
+          </a:effectRef>
+          <a:fontRef idx="minor">
+            <a:schemeClr val="lt1"/>
+          </a:fontRef>
+        </p:style>
+        <p:txBody>
+          <a:bodyPr rtlCol="0" anchor="ctr"/>
+          <a:lstStyle/>
+          <a:p>
+            <a:pPr algn="ctr"/>
+            <a:r>
+              <a:rPr lang="en-US" altLang="zh-CN">
+                <a:solidFill>
+                  <a:schemeClr val="tx1"/>
+                </a:solidFill>
+                <a:latin typeface="Times New Roman" panose="02020603050405020304" pitchFamily="18" charset="0"/>
+                <a:cs typeface="Times New Roman" panose="02020603050405020304" pitchFamily="18" charset="0"/>
+              </a:rPr>
+              <a:t>1000</a:t>
+            </a:r>
+            <a:endParaRPr lang="zh-CN" altLang="en-US">
+              <a:solidFill>
+                <a:schemeClr val="tx1"/>
+              </a:solidFill>
+              <a:latin typeface="Times New Roman" panose="02020603050405020304" pitchFamily="18" charset="0"/>
+              <a:cs typeface="Times New Roman" panose="02020603050405020304" pitchFamily="18" charset="0"/>
+            </a:endParaRPr>
+          </a:p>
+        </p:txBody>
+      </p:sp>
+      <p:sp>
+        <p:nvSpPr>
+          <p:cNvPr id="109" name="矩形 108">
+            <a:extLst>
+              <a:ext uri="{FF2B5EF4-FFF2-40B4-BE49-F238E27FC236}">
+                <a16:creationId xmlns:a16="http://schemas.microsoft.com/office/drawing/2014/main" id="{383AB733-1764-4BCA-AAF3-037A422510E7}"/>
+              </a:ext>
+            </a:extLst>
+          </p:cNvPr>
+          <p:cNvSpPr/>
+          <p:nvPr/>
+        </p:nvSpPr>
+        <p:spPr>
+          <a:xfrm>
+            <a:off x="7655053" y="5091276"/>
+            <a:ext cx="989298" cy="540152"/>
+          </a:xfrm>
+          <a:prstGeom prst="rect">
+            <a:avLst/>
+          </a:prstGeom>
+        </p:spPr>
+        <p:style>
+          <a:lnRef idx="2">
+            <a:schemeClr val="accent5">
+              <a:shade val="50000"/>
+            </a:schemeClr>
+          </a:lnRef>
+          <a:fillRef idx="1">
+            <a:schemeClr val="accent5"/>
+          </a:fillRef>
+          <a:effectRef idx="0">
+            <a:schemeClr val="accent5"/>
+          </a:effectRef>
+          <a:fontRef idx="minor">
+            <a:schemeClr val="lt1"/>
+          </a:fontRef>
+        </p:style>
+        <p:txBody>
+          <a:bodyPr rtlCol="0" anchor="ctr"/>
+          <a:lstStyle/>
+          <a:p>
+            <a:pPr algn="ctr"/>
+            <a:r>
+              <a:rPr lang="en-US" altLang="zh-CN">
+                <a:solidFill>
+                  <a:schemeClr val="tx1"/>
+                </a:solidFill>
+                <a:latin typeface="Times New Roman" panose="02020603050405020304" pitchFamily="18" charset="0"/>
+                <a:cs typeface="Times New Roman" panose="02020603050405020304" pitchFamily="18" charset="0"/>
+              </a:rPr>
+              <a:t>1000</a:t>
+            </a:r>
+            <a:endParaRPr lang="zh-CN" altLang="en-US">
+              <a:solidFill>
+                <a:schemeClr val="tx1"/>
+              </a:solidFill>
+              <a:latin typeface="Times New Roman" panose="02020603050405020304" pitchFamily="18" charset="0"/>
+              <a:cs typeface="Times New Roman" panose="02020603050405020304" pitchFamily="18" charset="0"/>
+            </a:endParaRPr>
+          </a:p>
+        </p:txBody>
+      </p:sp>
+      <p:sp>
+        <p:nvSpPr>
+          <p:cNvPr id="110" name="矩形 109">
+            <a:extLst>
+              <a:ext uri="{FF2B5EF4-FFF2-40B4-BE49-F238E27FC236}">
+                <a16:creationId xmlns:a16="http://schemas.microsoft.com/office/drawing/2014/main" id="{287A2634-40A1-4DCC-A344-E42EB54AC4EF}"/>
+              </a:ext>
+            </a:extLst>
+          </p:cNvPr>
+          <p:cNvSpPr/>
+          <p:nvPr/>
+        </p:nvSpPr>
+        <p:spPr>
+          <a:xfrm>
+            <a:off x="8853539" y="5091276"/>
+            <a:ext cx="989298" cy="540152"/>
+          </a:xfrm>
+          <a:prstGeom prst="rect">
+            <a:avLst/>
+          </a:prstGeom>
+        </p:spPr>
+        <p:style>
+          <a:lnRef idx="2">
+            <a:schemeClr val="accent5">
+              <a:shade val="50000"/>
+            </a:schemeClr>
+          </a:lnRef>
+          <a:fillRef idx="1">
+            <a:schemeClr val="accent5"/>
+          </a:fillRef>
+          <a:effectRef idx="0">
+            <a:schemeClr val="accent5"/>
+          </a:effectRef>
+          <a:fontRef idx="minor">
+            <a:schemeClr val="lt1"/>
+          </a:fontRef>
+        </p:style>
+        <p:txBody>
+          <a:bodyPr rtlCol="0" anchor="ctr"/>
+          <a:lstStyle/>
+          <a:p>
+            <a:pPr algn="ctr"/>
+            <a:r>
+              <a:rPr lang="en-US" altLang="zh-CN">
+                <a:solidFill>
+                  <a:schemeClr val="tx1"/>
+                </a:solidFill>
+                <a:latin typeface="Times New Roman" panose="02020603050405020304" pitchFamily="18" charset="0"/>
+                <a:cs typeface="Times New Roman" panose="02020603050405020304" pitchFamily="18" charset="0"/>
+              </a:rPr>
+              <a:t>1000</a:t>
+            </a:r>
+            <a:endParaRPr lang="zh-CN" altLang="en-US">
+              <a:solidFill>
+                <a:schemeClr val="tx1"/>
+              </a:solidFill>
+              <a:latin typeface="Times New Roman" panose="02020603050405020304" pitchFamily="18" charset="0"/>
+              <a:cs typeface="Times New Roman" panose="02020603050405020304" pitchFamily="18" charset="0"/>
+            </a:endParaRPr>
+          </a:p>
+        </p:txBody>
+      </p:sp>
+    </p:spTree>
+    <p:extLst>
+      <p:ext uri="{BB962C8B-B14F-4D97-AF65-F5344CB8AC3E}">
+        <p14:creationId xmlns:p14="http://schemas.microsoft.com/office/powerpoint/2010/main" val="1948647135"/>
+      </p:ext>
+    </p:extLst>
+  </p:cSld>
+  <p:clrMapOvr>
+    <a:masterClrMapping/>
+  </p:clrMapOvr>
+</p:sld>
+</file>
+
+<file path=ppt/slides/slide14.xml><?xml version="1.0" encoding="utf-8"?>
+<p:sld xmlns:a="http://schemas.openxmlformats.org/drawingml/2006/main" xmlns:r="http://schemas.openxmlformats.org/officeDocument/2006/relationships" xmlns:p="http://schemas.openxmlformats.org/presentationml/2006/main">
+  <p:cSld>
+    <p:spTree>
+      <p:nvGrpSpPr>
+        <p:cNvPr id="1" name=""/>
+        <p:cNvGrpSpPr/>
+        <p:nvPr/>
+      </p:nvGrpSpPr>
+      <p:grpSpPr>
+        <a:xfrm>
+          <a:off x="0" y="0"/>
+          <a:ext cx="0" cy="0"/>
+          <a:chOff x="0" y="0"/>
+          <a:chExt cx="0" cy="0"/>
+        </a:xfrm>
+      </p:grpSpPr>
+    </p:spTree>
+    <p:extLst>
+      <p:ext uri="{BB962C8B-B14F-4D97-AF65-F5344CB8AC3E}">
+        <p14:creationId xmlns:p14="http://schemas.microsoft.com/office/powerpoint/2010/main" val="2555021545"/>
+      </p:ext>
+    </p:extLst>
+  </p:cSld>
+  <p:clrMapOvr>
+    <a:masterClrMapping/>
+  </p:clrMapOvr>
+</p:sld>
+</file>
+
+<file path=ppt/slides/slide15.xml><?xml version="1.0" encoding="utf-8"?>
+<p:sld xmlns:a="http://schemas.openxmlformats.org/drawingml/2006/main" xmlns:r="http://schemas.openxmlformats.org/officeDocument/2006/relationships" xmlns:p="http://schemas.openxmlformats.org/presentationml/2006/main">
+  <p:cSld>
+    <p:spTree>
+      <p:nvGrpSpPr>
+        <p:cNvPr id="1" name=""/>
+        <p:cNvGrpSpPr/>
+        <p:nvPr/>
+      </p:nvGrpSpPr>
+      <p:grpSpPr>
+        <a:xfrm>
+          <a:off x="0" y="0"/>
+          <a:ext cx="0" cy="0"/>
+          <a:chOff x="0" y="0"/>
+          <a:chExt cx="0" cy="0"/>
+        </a:xfrm>
+      </p:grpSpPr>
+      <p:sp>
+        <p:nvSpPr>
+          <p:cNvPr id="2" name="标题 1">
+            <a:extLst>
+              <a:ext uri="{FF2B5EF4-FFF2-40B4-BE49-F238E27FC236}">
+                <a16:creationId xmlns:a16="http://schemas.microsoft.com/office/drawing/2014/main" id="{E81F6451-B986-4134-B043-26A2549520A7}"/>
+              </a:ext>
+            </a:extLst>
+          </p:cNvPr>
+          <p:cNvSpPr>
+            <a:spLocks noGrp="1"/>
+          </p:cNvSpPr>
+          <p:nvPr>
+            <p:ph type="title"/>
+          </p:nvPr>
+        </p:nvSpPr>
+        <p:spPr>
+          <a:xfrm>
+            <a:off x="99645" y="48603"/>
+            <a:ext cx="12092355" cy="629035"/>
+          </a:xfrm>
+        </p:spPr>
+        <p:txBody>
+          <a:bodyPr/>
+          <a:lstStyle/>
+          <a:p>
+            <a:r>
+              <a:rPr lang="zh-CN" altLang="en-US"/>
               <a:t>二叉树</a:t>
             </a:r>
           </a:p>
@@ -11262,7 +13346,7 @@
 </p:sld>
 </file>
 
-<file path=ppt/slides/slide13.xml><?xml version="1.0" encoding="utf-8"?>
+<file path=ppt/slides/slide16.xml><?xml version="1.0" encoding="utf-8"?>
 <p:sld xmlns:a="http://schemas.openxmlformats.org/drawingml/2006/main" xmlns:r="http://schemas.openxmlformats.org/officeDocument/2006/relationships" xmlns:p="http://schemas.openxmlformats.org/presentationml/2006/main">
   <p:cSld>
     <p:spTree>
@@ -12202,7 +14286,7 @@
 </p:sld>
 </file>
 
-<file path=ppt/slides/slide14.xml><?xml version="1.0" encoding="utf-8"?>
+<file path=ppt/slides/slide17.xml><?xml version="1.0" encoding="utf-8"?>
 <p:sld xmlns:a="http://schemas.openxmlformats.org/drawingml/2006/main" xmlns:r="http://schemas.openxmlformats.org/officeDocument/2006/relationships" xmlns:p="http://schemas.openxmlformats.org/presentationml/2006/main">
   <p:cSld>
     <p:spTree>
@@ -13137,7 +15221,7 @@
 </p:sld>
 </file>
 
-<file path=ppt/slides/slide15.xml><?xml version="1.0" encoding="utf-8"?>
+<file path=ppt/slides/slide18.xml><?xml version="1.0" encoding="utf-8"?>
 <p:sld xmlns:a="http://schemas.openxmlformats.org/drawingml/2006/main" xmlns:r="http://schemas.openxmlformats.org/officeDocument/2006/relationships" xmlns:p="http://schemas.openxmlformats.org/presentationml/2006/main">
   <p:cSld>
     <p:spTree>
@@ -14721,7 +16805,7 @@
 </p:sld>
 </file>
 
-<file path=ppt/slides/slide16.xml><?xml version="1.0" encoding="utf-8"?>
+<file path=ppt/slides/slide19.xml><?xml version="1.0" encoding="utf-8"?>
 <p:sld xmlns:a="http://schemas.openxmlformats.org/drawingml/2006/main" xmlns:r="http://schemas.openxmlformats.org/officeDocument/2006/relationships" xmlns:p="http://schemas.openxmlformats.org/presentationml/2006/main">
   <p:cSld>
     <p:spTree>

--- a/数据结构与算法/线性表/数据结构可视化辅助理解，便于代码开发.pptx
+++ b/数据结构与算法/线性表/数据结构可视化辅助理解，便于代码开发.pptx
@@ -16861,7 +16861,7 @@
         </p:nvSpPr>
         <p:spPr>
           <a:xfrm>
-            <a:off x="2016487" y="1984827"/>
+            <a:off x="1780887" y="1961671"/>
             <a:ext cx="568171" cy="470018"/>
           </a:xfrm>
           <a:prstGeom prst="rect">
@@ -16879,6 +16879,192 @@
           </a:fillRef>
           <a:effectRef idx="0">
             <a:schemeClr val="accent3"/>
+          </a:effectRef>
+          <a:fontRef idx="minor">
+            <a:schemeClr val="lt1"/>
+          </a:fontRef>
+        </p:style>
+        <p:txBody>
+          <a:bodyPr rtlCol="0" anchor="ctr"/>
+          <a:lstStyle/>
+          <a:p>
+            <a:pPr algn="ctr"/>
+            <a:r>
+              <a:rPr lang="en-US" altLang="zh-CN">
+                <a:solidFill>
+                  <a:schemeClr val="tx1"/>
+                </a:solidFill>
+                <a:latin typeface="Times New Roman" panose="02020603050405020304" pitchFamily="18" charset="0"/>
+                <a:cs typeface="Times New Roman" panose="02020603050405020304" pitchFamily="18" charset="0"/>
+              </a:rPr>
+              <a:t>10</a:t>
+            </a:r>
+            <a:endParaRPr lang="zh-CN" altLang="en-US">
+              <a:solidFill>
+                <a:schemeClr val="tx1"/>
+              </a:solidFill>
+              <a:latin typeface="Times New Roman" panose="02020603050405020304" pitchFamily="18" charset="0"/>
+              <a:cs typeface="Times New Roman" panose="02020603050405020304" pitchFamily="18" charset="0"/>
+            </a:endParaRPr>
+          </a:p>
+        </p:txBody>
+      </p:sp>
+      <p:sp>
+        <p:nvSpPr>
+          <p:cNvPr id="5" name="矩形 4">
+            <a:extLst>
+              <a:ext uri="{FF2B5EF4-FFF2-40B4-BE49-F238E27FC236}">
+                <a16:creationId xmlns:a16="http://schemas.microsoft.com/office/drawing/2014/main" id="{9B532BDF-C8C6-4E9F-9C52-A1AE93FEC853}"/>
+              </a:ext>
+            </a:extLst>
+          </p:cNvPr>
+          <p:cNvSpPr/>
+          <p:nvPr/>
+        </p:nvSpPr>
+        <p:spPr>
+          <a:xfrm>
+            <a:off x="4503452" y="1914693"/>
+            <a:ext cx="568171" cy="540152"/>
+          </a:xfrm>
+          <a:prstGeom prst="rect">
+            <a:avLst/>
+          </a:prstGeom>
+        </p:spPr>
+        <p:style>
+          <a:lnRef idx="2">
+            <a:schemeClr val="accent2">
+              <a:shade val="50000"/>
+            </a:schemeClr>
+          </a:lnRef>
+          <a:fillRef idx="1">
+            <a:schemeClr val="accent2"/>
+          </a:fillRef>
+          <a:effectRef idx="0">
+            <a:schemeClr val="accent2"/>
+          </a:effectRef>
+          <a:fontRef idx="minor">
+            <a:schemeClr val="lt1"/>
+          </a:fontRef>
+        </p:style>
+        <p:txBody>
+          <a:bodyPr rtlCol="0" anchor="ctr"/>
+          <a:lstStyle/>
+          <a:p>
+            <a:pPr algn="ctr"/>
+            <a:r>
+              <a:rPr lang="en-US" altLang="zh-CN">
+                <a:solidFill>
+                  <a:schemeClr val="tx1"/>
+                </a:solidFill>
+                <a:latin typeface="Times New Roman" panose="02020603050405020304" pitchFamily="18" charset="0"/>
+                <a:cs typeface="Times New Roman" panose="02020603050405020304" pitchFamily="18" charset="0"/>
+              </a:rPr>
+              <a:t>16</a:t>
+            </a:r>
+            <a:endParaRPr lang="zh-CN" altLang="en-US">
+              <a:solidFill>
+                <a:schemeClr val="tx1"/>
+              </a:solidFill>
+              <a:latin typeface="Times New Roman" panose="02020603050405020304" pitchFamily="18" charset="0"/>
+              <a:cs typeface="Times New Roman" panose="02020603050405020304" pitchFamily="18" charset="0"/>
+            </a:endParaRPr>
+          </a:p>
+        </p:txBody>
+      </p:sp>
+      <p:sp>
+        <p:nvSpPr>
+          <p:cNvPr id="6" name="矩形 5">
+            <a:extLst>
+              <a:ext uri="{FF2B5EF4-FFF2-40B4-BE49-F238E27FC236}">
+                <a16:creationId xmlns:a16="http://schemas.microsoft.com/office/drawing/2014/main" id="{7C934C68-0FD9-42FC-B1AF-31F736F322E8}"/>
+              </a:ext>
+            </a:extLst>
+          </p:cNvPr>
+          <p:cNvSpPr/>
+          <p:nvPr/>
+        </p:nvSpPr>
+        <p:spPr>
+          <a:xfrm>
+            <a:off x="3086243" y="994741"/>
+            <a:ext cx="568171" cy="568171"/>
+          </a:xfrm>
+          <a:prstGeom prst="rect">
+            <a:avLst/>
+          </a:prstGeom>
+        </p:spPr>
+        <p:style>
+          <a:lnRef idx="2">
+            <a:schemeClr val="accent3">
+              <a:shade val="50000"/>
+            </a:schemeClr>
+          </a:lnRef>
+          <a:fillRef idx="1">
+            <a:schemeClr val="accent3"/>
+          </a:fillRef>
+          <a:effectRef idx="0">
+            <a:schemeClr val="accent3"/>
+          </a:effectRef>
+          <a:fontRef idx="minor">
+            <a:schemeClr val="lt1"/>
+          </a:fontRef>
+        </p:style>
+        <p:txBody>
+          <a:bodyPr rtlCol="0" anchor="ctr"/>
+          <a:lstStyle/>
+          <a:p>
+            <a:pPr algn="ctr"/>
+            <a:r>
+              <a:rPr lang="en-US" altLang="zh-CN">
+                <a:solidFill>
+                  <a:schemeClr val="tx1"/>
+                </a:solidFill>
+                <a:latin typeface="Times New Roman" panose="02020603050405020304" pitchFamily="18" charset="0"/>
+                <a:cs typeface="Times New Roman" panose="02020603050405020304" pitchFamily="18" charset="0"/>
+              </a:rPr>
+              <a:t>2</a:t>
+            </a:r>
+            <a:endParaRPr lang="zh-CN" altLang="en-US">
+              <a:solidFill>
+                <a:schemeClr val="tx1"/>
+              </a:solidFill>
+              <a:latin typeface="Times New Roman" panose="02020603050405020304" pitchFamily="18" charset="0"/>
+              <a:cs typeface="Times New Roman" panose="02020603050405020304" pitchFamily="18" charset="0"/>
+            </a:endParaRPr>
+          </a:p>
+        </p:txBody>
+      </p:sp>
+      <p:sp>
+        <p:nvSpPr>
+          <p:cNvPr id="7" name="矩形 6">
+            <a:extLst>
+              <a:ext uri="{FF2B5EF4-FFF2-40B4-BE49-F238E27FC236}">
+                <a16:creationId xmlns:a16="http://schemas.microsoft.com/office/drawing/2014/main" id="{7D191C98-3838-4A6E-9DF4-D953A078AB35}"/>
+              </a:ext>
+            </a:extLst>
+          </p:cNvPr>
+          <p:cNvSpPr/>
+          <p:nvPr/>
+        </p:nvSpPr>
+        <p:spPr>
+          <a:xfrm>
+            <a:off x="2415046" y="2936774"/>
+            <a:ext cx="568171" cy="540152"/>
+          </a:xfrm>
+          <a:prstGeom prst="rect">
+            <a:avLst/>
+          </a:prstGeom>
+        </p:spPr>
+        <p:style>
+          <a:lnRef idx="2">
+            <a:schemeClr val="accent2">
+              <a:shade val="50000"/>
+            </a:schemeClr>
+          </a:lnRef>
+          <a:fillRef idx="1">
+            <a:schemeClr val="accent2"/>
+          </a:fillRef>
+          <a:effectRef idx="0">
+            <a:schemeClr val="accent2"/>
           </a:effectRef>
           <a:fontRef idx="minor">
             <a:schemeClr val="lt1"/>
@@ -16911,10 +17097,10 @@
       </p:sp>
       <p:sp>
         <p:nvSpPr>
-          <p:cNvPr id="5" name="矩形 4">
-            <a:extLst>
-              <a:ext uri="{FF2B5EF4-FFF2-40B4-BE49-F238E27FC236}">
-                <a16:creationId xmlns:a16="http://schemas.microsoft.com/office/drawing/2014/main" id="{9B532BDF-C8C6-4E9F-9C52-A1AE93FEC853}"/>
+          <p:cNvPr id="8" name="矩形 7">
+            <a:extLst>
+              <a:ext uri="{FF2B5EF4-FFF2-40B4-BE49-F238E27FC236}">
+                <a16:creationId xmlns:a16="http://schemas.microsoft.com/office/drawing/2014/main" id="{DA5DE387-6ABE-4C88-A2B7-187B81649E10}"/>
               </a:ext>
             </a:extLst>
           </p:cNvPr>
@@ -16923,7 +17109,7 @@
         </p:nvSpPr>
         <p:spPr>
           <a:xfrm>
-            <a:off x="4302413" y="1955943"/>
+            <a:off x="3935281" y="2936774"/>
             <a:ext cx="568171" cy="540152"/>
           </a:xfrm>
           <a:prstGeom prst="rect">
@@ -16932,15 +17118,15 @@
         </p:spPr>
         <p:style>
           <a:lnRef idx="2">
-            <a:schemeClr val="accent3">
+            <a:schemeClr val="accent2">
               <a:shade val="50000"/>
             </a:schemeClr>
           </a:lnRef>
           <a:fillRef idx="1">
-            <a:schemeClr val="accent3"/>
+            <a:schemeClr val="accent2"/>
           </a:fillRef>
           <a:effectRef idx="0">
-            <a:schemeClr val="accent3"/>
+            <a:schemeClr val="accent2"/>
           </a:effectRef>
           <a:fontRef idx="minor">
             <a:schemeClr val="lt1"/>
@@ -16959,7 +17145,7 @@
                 <a:latin typeface="Times New Roman" panose="02020603050405020304" pitchFamily="18" charset="0"/>
                 <a:cs typeface="Times New Roman" panose="02020603050405020304" pitchFamily="18" charset="0"/>
               </a:rPr>
-              <a:t>10</a:t>
+              <a:t>60</a:t>
             </a:r>
             <a:endParaRPr lang="zh-CN" altLang="en-US">
               <a:solidFill>
@@ -16973,10 +17159,10 @@
       </p:sp>
       <p:sp>
         <p:nvSpPr>
-          <p:cNvPr id="6" name="矩形 5">
-            <a:extLst>
-              <a:ext uri="{FF2B5EF4-FFF2-40B4-BE49-F238E27FC236}">
-                <a16:creationId xmlns:a16="http://schemas.microsoft.com/office/drawing/2014/main" id="{7C934C68-0FD9-42FC-B1AF-31F736F322E8}"/>
+          <p:cNvPr id="9" name="矩形 8">
+            <a:extLst>
+              <a:ext uri="{FF2B5EF4-FFF2-40B4-BE49-F238E27FC236}">
+                <a16:creationId xmlns:a16="http://schemas.microsoft.com/office/drawing/2014/main" id="{7D9C1662-8E2E-4785-BD23-E106C03EBD33}"/>
               </a:ext>
             </a:extLst>
           </p:cNvPr>
@@ -16985,8 +17171,8 @@
         </p:nvSpPr>
         <p:spPr>
           <a:xfrm>
-            <a:off x="3086243" y="994741"/>
-            <a:ext cx="568171" cy="568171"/>
+            <a:off x="5028679" y="2911480"/>
+            <a:ext cx="568171" cy="540152"/>
           </a:xfrm>
           <a:prstGeom prst="rect">
             <a:avLst/>
@@ -16994,15 +17180,15 @@
         </p:spPr>
         <p:style>
           <a:lnRef idx="2">
-            <a:schemeClr val="accent3">
+            <a:schemeClr val="accent2">
               <a:shade val="50000"/>
             </a:schemeClr>
           </a:lnRef>
           <a:fillRef idx="1">
-            <a:schemeClr val="accent3"/>
+            <a:schemeClr val="accent2"/>
           </a:fillRef>
           <a:effectRef idx="0">
-            <a:schemeClr val="accent3"/>
+            <a:schemeClr val="accent2"/>
           </a:effectRef>
           <a:fontRef idx="minor">
             <a:schemeClr val="lt1"/>
@@ -17021,7 +17207,7 @@
                 <a:latin typeface="Times New Roman" panose="02020603050405020304" pitchFamily="18" charset="0"/>
                 <a:cs typeface="Times New Roman" panose="02020603050405020304" pitchFamily="18" charset="0"/>
               </a:rPr>
-              <a:t>2</a:t>
+              <a:t>70</a:t>
             </a:r>
             <a:endParaRPr lang="zh-CN" altLang="en-US">
               <a:solidFill>
@@ -17035,10 +17221,10 @@
       </p:sp>
       <p:sp>
         <p:nvSpPr>
-          <p:cNvPr id="7" name="矩形 6">
-            <a:extLst>
-              <a:ext uri="{FF2B5EF4-FFF2-40B4-BE49-F238E27FC236}">
-                <a16:creationId xmlns:a16="http://schemas.microsoft.com/office/drawing/2014/main" id="{7D191C98-3838-4A6E-9DF4-D953A078AB35}"/>
+          <p:cNvPr id="10" name="矩形 9">
+            <a:extLst>
+              <a:ext uri="{FF2B5EF4-FFF2-40B4-BE49-F238E27FC236}">
+                <a16:creationId xmlns:a16="http://schemas.microsoft.com/office/drawing/2014/main" id="{B572F656-00BB-4F82-9879-BBF0EB23AC0F}"/>
               </a:ext>
             </a:extLst>
           </p:cNvPr>
@@ -17047,7 +17233,7 @@
         </p:nvSpPr>
         <p:spPr>
           <a:xfrm>
-            <a:off x="2415046" y="2936774"/>
+            <a:off x="1112434" y="2888848"/>
             <a:ext cx="568171" cy="540152"/>
           </a:xfrm>
           <a:prstGeom prst="rect">
@@ -17056,15 +17242,15 @@
         </p:spPr>
         <p:style>
           <a:lnRef idx="2">
-            <a:schemeClr val="accent3">
+            <a:schemeClr val="accent2">
               <a:shade val="50000"/>
             </a:schemeClr>
           </a:lnRef>
           <a:fillRef idx="1">
-            <a:schemeClr val="accent3"/>
+            <a:schemeClr val="accent2"/>
           </a:fillRef>
           <a:effectRef idx="0">
-            <a:schemeClr val="accent3"/>
+            <a:schemeClr val="accent2"/>
           </a:effectRef>
           <a:fontRef idx="minor">
             <a:schemeClr val="lt1"/>
@@ -17097,10 +17283,10 @@
       </p:sp>
       <p:sp>
         <p:nvSpPr>
-          <p:cNvPr id="8" name="矩形 7">
-            <a:extLst>
-              <a:ext uri="{FF2B5EF4-FFF2-40B4-BE49-F238E27FC236}">
-                <a16:creationId xmlns:a16="http://schemas.microsoft.com/office/drawing/2014/main" id="{DA5DE387-6ABE-4C88-A2B7-187B81649E10}"/>
+          <p:cNvPr id="11" name="矩形 10">
+            <a:extLst>
+              <a:ext uri="{FF2B5EF4-FFF2-40B4-BE49-F238E27FC236}">
+                <a16:creationId xmlns:a16="http://schemas.microsoft.com/office/drawing/2014/main" id="{F99885C5-C20E-4A35-8157-724BE2BA3E13}"/>
               </a:ext>
             </a:extLst>
           </p:cNvPr>
@@ -17109,7 +17295,7 @@
         </p:nvSpPr>
         <p:spPr>
           <a:xfrm>
-            <a:off x="3935281" y="2936774"/>
+            <a:off x="601090" y="3775180"/>
             <a:ext cx="568171" cy="540152"/>
           </a:xfrm>
           <a:prstGeom prst="rect">
@@ -17118,201 +17304,15 @@
         </p:spPr>
         <p:style>
           <a:lnRef idx="2">
-            <a:schemeClr val="accent3">
+            <a:schemeClr val="accent2">
               <a:shade val="50000"/>
             </a:schemeClr>
           </a:lnRef>
           <a:fillRef idx="1">
-            <a:schemeClr val="accent3"/>
+            <a:schemeClr val="accent2"/>
           </a:fillRef>
           <a:effectRef idx="0">
-            <a:schemeClr val="accent3"/>
-          </a:effectRef>
-          <a:fontRef idx="minor">
-            <a:schemeClr val="lt1"/>
-          </a:fontRef>
-        </p:style>
-        <p:txBody>
-          <a:bodyPr rtlCol="0" anchor="ctr"/>
-          <a:lstStyle/>
-          <a:p>
-            <a:pPr algn="ctr"/>
-            <a:r>
-              <a:rPr lang="en-US" altLang="zh-CN">
-                <a:solidFill>
-                  <a:schemeClr val="tx1"/>
-                </a:solidFill>
-                <a:latin typeface="Times New Roman" panose="02020603050405020304" pitchFamily="18" charset="0"/>
-                <a:cs typeface="Times New Roman" panose="02020603050405020304" pitchFamily="18" charset="0"/>
-              </a:rPr>
-              <a:t>60</a:t>
-            </a:r>
-            <a:endParaRPr lang="zh-CN" altLang="en-US">
-              <a:solidFill>
-                <a:schemeClr val="tx1"/>
-              </a:solidFill>
-              <a:latin typeface="Times New Roman" panose="02020603050405020304" pitchFamily="18" charset="0"/>
-              <a:cs typeface="Times New Roman" panose="02020603050405020304" pitchFamily="18" charset="0"/>
-            </a:endParaRPr>
-          </a:p>
-        </p:txBody>
-      </p:sp>
-      <p:sp>
-        <p:nvSpPr>
-          <p:cNvPr id="9" name="矩形 8">
-            <a:extLst>
-              <a:ext uri="{FF2B5EF4-FFF2-40B4-BE49-F238E27FC236}">
-                <a16:creationId xmlns:a16="http://schemas.microsoft.com/office/drawing/2014/main" id="{7D9C1662-8E2E-4785-BD23-E106C03EBD33}"/>
-              </a:ext>
-            </a:extLst>
-          </p:cNvPr>
-          <p:cNvSpPr/>
-          <p:nvPr/>
-        </p:nvSpPr>
-        <p:spPr>
-          <a:xfrm>
-            <a:off x="5028679" y="2911480"/>
-            <a:ext cx="568171" cy="540152"/>
-          </a:xfrm>
-          <a:prstGeom prst="rect">
-            <a:avLst/>
-          </a:prstGeom>
-        </p:spPr>
-        <p:style>
-          <a:lnRef idx="2">
-            <a:schemeClr val="accent3">
-              <a:shade val="50000"/>
-            </a:schemeClr>
-          </a:lnRef>
-          <a:fillRef idx="1">
-            <a:schemeClr val="accent3"/>
-          </a:fillRef>
-          <a:effectRef idx="0">
-            <a:schemeClr val="accent3"/>
-          </a:effectRef>
-          <a:fontRef idx="minor">
-            <a:schemeClr val="lt1"/>
-          </a:fontRef>
-        </p:style>
-        <p:txBody>
-          <a:bodyPr rtlCol="0" anchor="ctr"/>
-          <a:lstStyle/>
-          <a:p>
-            <a:pPr algn="ctr"/>
-            <a:r>
-              <a:rPr lang="en-US" altLang="zh-CN">
-                <a:solidFill>
-                  <a:schemeClr val="tx1"/>
-                </a:solidFill>
-                <a:latin typeface="Times New Roman" panose="02020603050405020304" pitchFamily="18" charset="0"/>
-                <a:cs typeface="Times New Roman" panose="02020603050405020304" pitchFamily="18" charset="0"/>
-              </a:rPr>
-              <a:t>70</a:t>
-            </a:r>
-            <a:endParaRPr lang="zh-CN" altLang="en-US">
-              <a:solidFill>
-                <a:schemeClr val="tx1"/>
-              </a:solidFill>
-              <a:latin typeface="Times New Roman" panose="02020603050405020304" pitchFamily="18" charset="0"/>
-              <a:cs typeface="Times New Roman" panose="02020603050405020304" pitchFamily="18" charset="0"/>
-            </a:endParaRPr>
-          </a:p>
-        </p:txBody>
-      </p:sp>
-      <p:sp>
-        <p:nvSpPr>
-          <p:cNvPr id="10" name="矩形 9">
-            <a:extLst>
-              <a:ext uri="{FF2B5EF4-FFF2-40B4-BE49-F238E27FC236}">
-                <a16:creationId xmlns:a16="http://schemas.microsoft.com/office/drawing/2014/main" id="{B572F656-00BB-4F82-9879-BBF0EB23AC0F}"/>
-              </a:ext>
-            </a:extLst>
-          </p:cNvPr>
-          <p:cNvSpPr/>
-          <p:nvPr/>
-        </p:nvSpPr>
-        <p:spPr>
-          <a:xfrm>
-            <a:off x="1296129" y="2911480"/>
-            <a:ext cx="568171" cy="540152"/>
-          </a:xfrm>
-          <a:prstGeom prst="rect">
-            <a:avLst/>
-          </a:prstGeom>
-        </p:spPr>
-        <p:style>
-          <a:lnRef idx="2">
-            <a:schemeClr val="accent3">
-              <a:shade val="50000"/>
-            </a:schemeClr>
-          </a:lnRef>
-          <a:fillRef idx="1">
-            <a:schemeClr val="accent3"/>
-          </a:fillRef>
-          <a:effectRef idx="0">
-            <a:schemeClr val="accent3"/>
-          </a:effectRef>
-          <a:fontRef idx="minor">
-            <a:schemeClr val="lt1"/>
-          </a:fontRef>
-        </p:style>
-        <p:txBody>
-          <a:bodyPr rtlCol="0" anchor="ctr"/>
-          <a:lstStyle/>
-          <a:p>
-            <a:pPr algn="ctr"/>
-            <a:r>
-              <a:rPr lang="en-US" altLang="zh-CN">
-                <a:solidFill>
-                  <a:schemeClr val="tx1"/>
-                </a:solidFill>
-                <a:latin typeface="Times New Roman" panose="02020603050405020304" pitchFamily="18" charset="0"/>
-                <a:cs typeface="Times New Roman" panose="02020603050405020304" pitchFamily="18" charset="0"/>
-              </a:rPr>
-              <a:t>16</a:t>
-            </a:r>
-            <a:endParaRPr lang="zh-CN" altLang="en-US">
-              <a:solidFill>
-                <a:schemeClr val="tx1"/>
-              </a:solidFill>
-              <a:latin typeface="Times New Roman" panose="02020603050405020304" pitchFamily="18" charset="0"/>
-              <a:cs typeface="Times New Roman" panose="02020603050405020304" pitchFamily="18" charset="0"/>
-            </a:endParaRPr>
-          </a:p>
-        </p:txBody>
-      </p:sp>
-      <p:sp>
-        <p:nvSpPr>
-          <p:cNvPr id="11" name="矩形 10">
-            <a:extLst>
-              <a:ext uri="{FF2B5EF4-FFF2-40B4-BE49-F238E27FC236}">
-                <a16:creationId xmlns:a16="http://schemas.microsoft.com/office/drawing/2014/main" id="{F99885C5-C20E-4A35-8157-724BE2BA3E13}"/>
-              </a:ext>
-            </a:extLst>
-          </p:cNvPr>
-          <p:cNvSpPr/>
-          <p:nvPr/>
-        </p:nvSpPr>
-        <p:spPr>
-          <a:xfrm>
-            <a:off x="601090" y="3775180"/>
-            <a:ext cx="568171" cy="540152"/>
-          </a:xfrm>
-          <a:prstGeom prst="rect">
-            <a:avLst/>
-          </a:prstGeom>
-        </p:spPr>
-        <p:style>
-          <a:lnRef idx="2">
-            <a:schemeClr val="accent3">
-              <a:shade val="50000"/>
-            </a:schemeClr>
-          </a:lnRef>
-          <a:fillRef idx="1">
-            <a:schemeClr val="accent3"/>
-          </a:fillRef>
-          <a:effectRef idx="0">
-            <a:schemeClr val="accent3"/>
+            <a:schemeClr val="accent2"/>
           </a:effectRef>
           <a:fontRef idx="minor">
             <a:schemeClr val="lt1"/>
@@ -17366,15 +17366,15 @@
         </p:spPr>
         <p:style>
           <a:lnRef idx="2">
-            <a:schemeClr val="accent3">
+            <a:schemeClr val="accent2">
               <a:shade val="50000"/>
             </a:schemeClr>
           </a:lnRef>
           <a:fillRef idx="1">
-            <a:schemeClr val="accent3"/>
+            <a:schemeClr val="accent2"/>
           </a:fillRef>
           <a:effectRef idx="0">
-            <a:schemeClr val="accent3"/>
+            <a:schemeClr val="accent2"/>
           </a:effectRef>
           <a:fontRef idx="minor">
             <a:schemeClr val="lt1"/>
@@ -17422,8 +17422,8 @@
         </p:nvCxnSpPr>
         <p:spPr>
           <a:xfrm flipH="1">
-            <a:off x="2300573" y="1562912"/>
-            <a:ext cx="1069756" cy="421915"/>
+            <a:off x="2064973" y="1562912"/>
+            <a:ext cx="1305356" cy="398759"/>
           </a:xfrm>
           <a:prstGeom prst="straightConnector1">
             <a:avLst/>
@@ -17469,7 +17469,7 @@
         <p:spPr>
           <a:xfrm>
             <a:off x="3370329" y="1562912"/>
-            <a:ext cx="1216170" cy="393031"/>
+            <a:ext cx="1417209" cy="351781"/>
           </a:xfrm>
           <a:prstGeom prst="straightConnector1">
             <a:avLst/>
@@ -17514,8 +17514,8 @@
         </p:nvCxnSpPr>
         <p:spPr>
           <a:xfrm flipH="1">
-            <a:off x="1580215" y="2454845"/>
-            <a:ext cx="720358" cy="456635"/>
+            <a:off x="1396520" y="2431689"/>
+            <a:ext cx="668453" cy="457159"/>
           </a:xfrm>
           <a:prstGeom prst="straightConnector1">
             <a:avLst/>
@@ -17560,8 +17560,8 @@
         </p:nvCxnSpPr>
         <p:spPr>
           <a:xfrm>
-            <a:off x="2300573" y="2454845"/>
-            <a:ext cx="398559" cy="481929"/>
+            <a:off x="2064973" y="2431689"/>
+            <a:ext cx="634159" cy="505085"/>
           </a:xfrm>
           <a:prstGeom prst="straightConnector1">
             <a:avLst/>
@@ -17599,14 +17599,15 @@
           </p:cNvPr>
           <p:cNvCxnSpPr>
             <a:cxnSpLocks/>
+            <a:stCxn id="10" idx="2"/>
             <a:endCxn id="11" idx="0"/>
           </p:cNvCxnSpPr>
           <p:nvPr/>
         </p:nvCxnSpPr>
         <p:spPr>
           <a:xfrm flipH="1">
-            <a:off x="885176" y="3385089"/>
-            <a:ext cx="580566" cy="390091"/>
+            <a:off x="885176" y="3429000"/>
+            <a:ext cx="511344" cy="346180"/>
           </a:xfrm>
           <a:prstGeom prst="straightConnector1">
             <a:avLst/>
@@ -17644,13 +17645,15 @@
           </p:cNvPr>
           <p:cNvCxnSpPr>
             <a:cxnSpLocks/>
+            <a:stCxn id="10" idx="2"/>
+            <a:endCxn id="13" idx="0"/>
           </p:cNvCxnSpPr>
           <p:nvPr/>
         </p:nvCxnSpPr>
         <p:spPr>
           <a:xfrm>
-            <a:off x="1580214" y="3339169"/>
-            <a:ext cx="398559" cy="481929"/>
+            <a:off x="1396520" y="3429000"/>
+            <a:ext cx="541309" cy="346180"/>
           </a:xfrm>
           <a:prstGeom prst="straightConnector1">
             <a:avLst/>
@@ -17688,13 +17691,15 @@
           </p:cNvPr>
           <p:cNvCxnSpPr>
             <a:cxnSpLocks/>
+            <a:stCxn id="5" idx="2"/>
+            <a:endCxn id="9" idx="0"/>
           </p:cNvCxnSpPr>
           <p:nvPr/>
         </p:nvCxnSpPr>
         <p:spPr>
           <a:xfrm>
-            <a:off x="4753183" y="2483910"/>
-            <a:ext cx="398559" cy="481929"/>
+            <a:off x="4787538" y="2454845"/>
+            <a:ext cx="525227" cy="456635"/>
           </a:xfrm>
           <a:prstGeom prst="straightConnector1">
             <a:avLst/>
@@ -17732,13 +17737,15 @@
           </p:cNvPr>
           <p:cNvCxnSpPr>
             <a:cxnSpLocks/>
+            <a:stCxn id="5" idx="2"/>
+            <a:endCxn id="8" idx="0"/>
           </p:cNvCxnSpPr>
           <p:nvPr/>
         </p:nvCxnSpPr>
         <p:spPr>
           <a:xfrm flipH="1">
-            <a:off x="4012130" y="2521389"/>
-            <a:ext cx="580566" cy="390091"/>
+            <a:off x="4219367" y="2454845"/>
+            <a:ext cx="568171" cy="481929"/>
           </a:xfrm>
           <a:prstGeom prst="straightConnector1">
             <a:avLst/>
